--- a/sch/docs/Rotulagem de Anúncios.pptx
+++ b/sch/docs/Rotulagem de Anúncios.pptx
@@ -5,7 +5,7 @@
     <p:sldMasterId id="2147483648" r:id="rId1"/>
   </p:sldMasterIdLst>
   <p:notesMasterIdLst>
-    <p:notesMasterId r:id="rId16"/>
+    <p:notesMasterId r:id="rId19"/>
   </p:notesMasterIdLst>
   <p:sldIdLst>
     <p:sldId id="256" r:id="rId2"/>
@@ -17,11 +17,14 @@
     <p:sldId id="265" r:id="rId8"/>
     <p:sldId id="261" r:id="rId9"/>
     <p:sldId id="272" r:id="rId10"/>
-    <p:sldId id="273" r:id="rId11"/>
-    <p:sldId id="266" r:id="rId12"/>
+    <p:sldId id="266" r:id="rId11"/>
+    <p:sldId id="274" r:id="rId12"/>
     <p:sldId id="269" r:id="rId13"/>
-    <p:sldId id="267" r:id="rId14"/>
-    <p:sldId id="268" r:id="rId15"/>
+    <p:sldId id="273" r:id="rId14"/>
+    <p:sldId id="267" r:id="rId15"/>
+    <p:sldId id="268" r:id="rId16"/>
+    <p:sldId id="276" r:id="rId17"/>
+    <p:sldId id="277" r:id="rId18"/>
   </p:sldIdLst>
   <p:sldSz cx="12192000" cy="6858000"/>
   <p:notesSz cx="6858000" cy="9144000"/>
@@ -139,6 +142,733 @@
 
 <file path=ppt/changesInfos/changesInfo1.xml><?xml version="1.0" encoding="utf-8"?>
 <pc:chgInfo xmlns:a="http://schemas.openxmlformats.org/drawingml/2006/main" xmlns:r="http://schemas.openxmlformats.org/officeDocument/2006/relationships" xmlns:ac="http://schemas.microsoft.com/office/drawing/2013/main/command" xmlns:pc="http://schemas.microsoft.com/office/powerpoint/2013/main/command">
+  <pc:docChgLst>
+    <pc:chgData name="Maxwel de Souza Freitas" userId="0239695f-dad7-46d4-9d4b-7c216ef484a5" providerId="ADAL" clId="{8BDA88E9-3100-447D-A4E0-B887CAB45365}"/>
+    <pc:docChg chg="undo custSel addSld delSld modSld sldOrd">
+      <pc:chgData name="Maxwel de Souza Freitas" userId="0239695f-dad7-46d4-9d4b-7c216ef484a5" providerId="ADAL" clId="{8BDA88E9-3100-447D-A4E0-B887CAB45365}" dt="2024-04-16T14:12:43.002" v="2089" actId="20577"/>
+      <pc:docMkLst>
+        <pc:docMk/>
+      </pc:docMkLst>
+      <pc:sldChg chg="modSp mod">
+        <pc:chgData name="Maxwel de Souza Freitas" userId="0239695f-dad7-46d4-9d4b-7c216ef484a5" providerId="ADAL" clId="{8BDA88E9-3100-447D-A4E0-B887CAB45365}" dt="2024-04-16T13:55:06.394" v="1213" actId="114"/>
+        <pc:sldMkLst>
+          <pc:docMk/>
+          <pc:sldMk cId="529898763" sldId="256"/>
+        </pc:sldMkLst>
+        <pc:spChg chg="mod">
+          <ac:chgData name="Maxwel de Souza Freitas" userId="0239695f-dad7-46d4-9d4b-7c216ef484a5" providerId="ADAL" clId="{8BDA88E9-3100-447D-A4E0-B887CAB45365}" dt="2024-04-16T13:55:06.394" v="1213" actId="114"/>
+          <ac:spMkLst>
+            <pc:docMk/>
+            <pc:sldMk cId="529898763" sldId="256"/>
+            <ac:spMk id="3" creationId="{79262C11-41DA-08D5-BE6B-BCE383177642}"/>
+          </ac:spMkLst>
+        </pc:spChg>
+      </pc:sldChg>
+      <pc:sldChg chg="modSp mod">
+        <pc:chgData name="Maxwel de Souza Freitas" userId="0239695f-dad7-46d4-9d4b-7c216ef484a5" providerId="ADAL" clId="{8BDA88E9-3100-447D-A4E0-B887CAB45365}" dt="2024-04-16T14:04:41.052" v="1861" actId="20577"/>
+        <pc:sldMkLst>
+          <pc:docMk/>
+          <pc:sldMk cId="3703798359" sldId="257"/>
+        </pc:sldMkLst>
+        <pc:spChg chg="mod">
+          <ac:chgData name="Maxwel de Souza Freitas" userId="0239695f-dad7-46d4-9d4b-7c216ef484a5" providerId="ADAL" clId="{8BDA88E9-3100-447D-A4E0-B887CAB45365}" dt="2024-04-16T14:04:41.052" v="1861" actId="20577"/>
+          <ac:spMkLst>
+            <pc:docMk/>
+            <pc:sldMk cId="3703798359" sldId="257"/>
+            <ac:spMk id="2" creationId="{6E41BCF8-FC24-037B-9BD4-C33AEF3BE2B8}"/>
+          </ac:spMkLst>
+        </pc:spChg>
+      </pc:sldChg>
+      <pc:sldChg chg="modSp mod ord">
+        <pc:chgData name="Maxwel de Souza Freitas" userId="0239695f-dad7-46d4-9d4b-7c216ef484a5" providerId="ADAL" clId="{8BDA88E9-3100-447D-A4E0-B887CAB45365}" dt="2024-04-16T14:06:23.587" v="2038" actId="20577"/>
+        <pc:sldMkLst>
+          <pc:docMk/>
+          <pc:sldMk cId="2823752574" sldId="258"/>
+        </pc:sldMkLst>
+        <pc:spChg chg="mod">
+          <ac:chgData name="Maxwel de Souza Freitas" userId="0239695f-dad7-46d4-9d4b-7c216ef484a5" providerId="ADAL" clId="{8BDA88E9-3100-447D-A4E0-B887CAB45365}" dt="2024-04-16T14:06:23.587" v="2038" actId="20577"/>
+          <ac:spMkLst>
+            <pc:docMk/>
+            <pc:sldMk cId="2823752574" sldId="258"/>
+            <ac:spMk id="2" creationId="{08F240B4-0B65-5B1E-7E33-7AD564DAF3D3}"/>
+          </ac:spMkLst>
+        </pc:spChg>
+        <pc:graphicFrameChg chg="mod">
+          <ac:chgData name="Maxwel de Souza Freitas" userId="0239695f-dad7-46d4-9d4b-7c216ef484a5" providerId="ADAL" clId="{8BDA88E9-3100-447D-A4E0-B887CAB45365}" dt="2024-04-16T14:05:53.514" v="2001" actId="20577"/>
+          <ac:graphicFrameMkLst>
+            <pc:docMk/>
+            <pc:sldMk cId="2823752574" sldId="258"/>
+            <ac:graphicFrameMk id="21" creationId="{344906A1-4A2C-A68B-FAEF-752140F0A1C4}"/>
+          </ac:graphicFrameMkLst>
+        </pc:graphicFrameChg>
+      </pc:sldChg>
+      <pc:sldChg chg="addSp delSp modSp mod ord">
+        <pc:chgData name="Maxwel de Souza Freitas" userId="0239695f-dad7-46d4-9d4b-7c216ef484a5" providerId="ADAL" clId="{8BDA88E9-3100-447D-A4E0-B887CAB45365}" dt="2024-04-16T14:12:43.002" v="2089" actId="20577"/>
+        <pc:sldMkLst>
+          <pc:docMk/>
+          <pc:sldMk cId="3590866565" sldId="259"/>
+        </pc:sldMkLst>
+        <pc:spChg chg="del mod">
+          <ac:chgData name="Maxwel de Souza Freitas" userId="0239695f-dad7-46d4-9d4b-7c216ef484a5" providerId="ADAL" clId="{8BDA88E9-3100-447D-A4E0-B887CAB45365}" dt="2024-04-16T14:07:04.194" v="2039" actId="478"/>
+          <ac:spMkLst>
+            <pc:docMk/>
+            <pc:sldMk cId="3590866565" sldId="259"/>
+            <ac:spMk id="2" creationId="{E98C2DF2-E3CD-C888-95EC-1E30DAFF6DB2}"/>
+          </ac:spMkLst>
+        </pc:spChg>
+        <pc:spChg chg="add del mod">
+          <ac:chgData name="Maxwel de Souza Freitas" userId="0239695f-dad7-46d4-9d4b-7c216ef484a5" providerId="ADAL" clId="{8BDA88E9-3100-447D-A4E0-B887CAB45365}" dt="2024-04-16T14:07:07.364" v="2040" actId="478"/>
+          <ac:spMkLst>
+            <pc:docMk/>
+            <pc:sldMk cId="3590866565" sldId="259"/>
+            <ac:spMk id="4" creationId="{707392BA-D0F5-29C6-C1C3-3419AA8F322B}"/>
+          </ac:spMkLst>
+        </pc:spChg>
+        <pc:spChg chg="add mod">
+          <ac:chgData name="Maxwel de Souza Freitas" userId="0239695f-dad7-46d4-9d4b-7c216ef484a5" providerId="ADAL" clId="{8BDA88E9-3100-447D-A4E0-B887CAB45365}" dt="2024-04-16T14:12:43.002" v="2089" actId="20577"/>
+          <ac:spMkLst>
+            <pc:docMk/>
+            <pc:sldMk cId="3590866565" sldId="259"/>
+            <ac:spMk id="5" creationId="{6F7AB3B2-AC4B-CA46-0C81-5C9604E4B799}"/>
+          </ac:spMkLst>
+        </pc:spChg>
+      </pc:sldChg>
+      <pc:sldChg chg="addSp delSp modSp mod">
+        <pc:chgData name="Maxwel de Souza Freitas" userId="0239695f-dad7-46d4-9d4b-7c216ef484a5" providerId="ADAL" clId="{8BDA88E9-3100-447D-A4E0-B887CAB45365}" dt="2024-04-11T15:07:30.860" v="11" actId="12100"/>
+        <pc:sldMkLst>
+          <pc:docMk/>
+          <pc:sldMk cId="1668151839" sldId="261"/>
+        </pc:sldMkLst>
+        <pc:spChg chg="mod">
+          <ac:chgData name="Maxwel de Souza Freitas" userId="0239695f-dad7-46d4-9d4b-7c216ef484a5" providerId="ADAL" clId="{8BDA88E9-3100-447D-A4E0-B887CAB45365}" dt="2024-04-11T15:04:44.344" v="3" actId="26606"/>
+          <ac:spMkLst>
+            <pc:docMk/>
+            <pc:sldMk cId="1668151839" sldId="261"/>
+            <ac:spMk id="2" creationId="{FF793BD3-4745-E603-1B4A-91C33297DA13}"/>
+          </ac:spMkLst>
+        </pc:spChg>
+        <pc:spChg chg="add del">
+          <ac:chgData name="Maxwel de Souza Freitas" userId="0239695f-dad7-46d4-9d4b-7c216ef484a5" providerId="ADAL" clId="{8BDA88E9-3100-447D-A4E0-B887CAB45365}" dt="2024-04-11T15:05:25.587" v="7" actId="26606"/>
+          <ac:spMkLst>
+            <pc:docMk/>
+            <pc:sldMk cId="1668151839" sldId="261"/>
+            <ac:spMk id="9" creationId="{BACC6370-2D7E-4714-9D71-7542949D7D5D}"/>
+          </ac:spMkLst>
+        </pc:spChg>
+        <pc:spChg chg="add del">
+          <ac:chgData name="Maxwel de Souza Freitas" userId="0239695f-dad7-46d4-9d4b-7c216ef484a5" providerId="ADAL" clId="{8BDA88E9-3100-447D-A4E0-B887CAB45365}" dt="2024-04-11T15:05:25.587" v="7" actId="26606"/>
+          <ac:spMkLst>
+            <pc:docMk/>
+            <pc:sldMk cId="1668151839" sldId="261"/>
+            <ac:spMk id="11" creationId="{F68B3F68-107C-434F-AA38-110D5EA91B85}"/>
+          </ac:spMkLst>
+        </pc:spChg>
+        <pc:spChg chg="add del">
+          <ac:chgData name="Maxwel de Souza Freitas" userId="0239695f-dad7-46d4-9d4b-7c216ef484a5" providerId="ADAL" clId="{8BDA88E9-3100-447D-A4E0-B887CAB45365}" dt="2024-04-11T15:05:25.587" v="7" actId="26606"/>
+          <ac:spMkLst>
+            <pc:docMk/>
+            <pc:sldMk cId="1668151839" sldId="261"/>
+            <ac:spMk id="13" creationId="{AAD0DBB9-1A4B-4391-81D4-CB19F9AB918A}"/>
+          </ac:spMkLst>
+        </pc:spChg>
+        <pc:spChg chg="add del">
+          <ac:chgData name="Maxwel de Souza Freitas" userId="0239695f-dad7-46d4-9d4b-7c216ef484a5" providerId="ADAL" clId="{8BDA88E9-3100-447D-A4E0-B887CAB45365}" dt="2024-04-11T15:05:25.587" v="7" actId="26606"/>
+          <ac:spMkLst>
+            <pc:docMk/>
+            <pc:sldMk cId="1668151839" sldId="261"/>
+            <ac:spMk id="15" creationId="{063BBA22-50EA-4C4D-BE05-F1CE4E63AA56}"/>
+          </ac:spMkLst>
+        </pc:spChg>
+        <pc:spChg chg="add del">
+          <ac:chgData name="Maxwel de Souza Freitas" userId="0239695f-dad7-46d4-9d4b-7c216ef484a5" providerId="ADAL" clId="{8BDA88E9-3100-447D-A4E0-B887CAB45365}" dt="2024-04-11T15:04:38.431" v="1" actId="26606"/>
+          <ac:spMkLst>
+            <pc:docMk/>
+            <pc:sldMk cId="1668151839" sldId="261"/>
+            <ac:spMk id="20" creationId="{BACC6370-2D7E-4714-9D71-7542949D7D5D}"/>
+          </ac:spMkLst>
+        </pc:spChg>
+        <pc:spChg chg="add del">
+          <ac:chgData name="Maxwel de Souza Freitas" userId="0239695f-dad7-46d4-9d4b-7c216ef484a5" providerId="ADAL" clId="{8BDA88E9-3100-447D-A4E0-B887CAB45365}" dt="2024-04-11T15:04:38.431" v="1" actId="26606"/>
+          <ac:spMkLst>
+            <pc:docMk/>
+            <pc:sldMk cId="1668151839" sldId="261"/>
+            <ac:spMk id="22" creationId="{F68B3F68-107C-434F-AA38-110D5EA91B85}"/>
+          </ac:spMkLst>
+        </pc:spChg>
+        <pc:spChg chg="add del">
+          <ac:chgData name="Maxwel de Souza Freitas" userId="0239695f-dad7-46d4-9d4b-7c216ef484a5" providerId="ADAL" clId="{8BDA88E9-3100-447D-A4E0-B887CAB45365}" dt="2024-04-11T15:04:38.431" v="1" actId="26606"/>
+          <ac:spMkLst>
+            <pc:docMk/>
+            <pc:sldMk cId="1668151839" sldId="261"/>
+            <ac:spMk id="24" creationId="{AAD0DBB9-1A4B-4391-81D4-CB19F9AB918A}"/>
+          </ac:spMkLst>
+        </pc:spChg>
+        <pc:spChg chg="add del">
+          <ac:chgData name="Maxwel de Souza Freitas" userId="0239695f-dad7-46d4-9d4b-7c216ef484a5" providerId="ADAL" clId="{8BDA88E9-3100-447D-A4E0-B887CAB45365}" dt="2024-04-11T15:04:38.431" v="1" actId="26606"/>
+          <ac:spMkLst>
+            <pc:docMk/>
+            <pc:sldMk cId="1668151839" sldId="261"/>
+            <ac:spMk id="26" creationId="{063BBA22-50EA-4C4D-BE05-F1CE4E63AA56}"/>
+          </ac:spMkLst>
+        </pc:spChg>
+        <pc:spChg chg="add del">
+          <ac:chgData name="Maxwel de Souza Freitas" userId="0239695f-dad7-46d4-9d4b-7c216ef484a5" providerId="ADAL" clId="{8BDA88E9-3100-447D-A4E0-B887CAB45365}" dt="2024-04-11T15:04:44.344" v="3" actId="26606"/>
+          <ac:spMkLst>
+            <pc:docMk/>
+            <pc:sldMk cId="1668151839" sldId="261"/>
+            <ac:spMk id="36" creationId="{1D63C574-BFD2-41A1-A567-B0C3CC7FDD4F}"/>
+          </ac:spMkLst>
+        </pc:spChg>
+        <pc:spChg chg="add del">
+          <ac:chgData name="Maxwel de Souza Freitas" userId="0239695f-dad7-46d4-9d4b-7c216ef484a5" providerId="ADAL" clId="{8BDA88E9-3100-447D-A4E0-B887CAB45365}" dt="2024-04-11T15:04:44.344" v="3" actId="26606"/>
+          <ac:spMkLst>
+            <pc:docMk/>
+            <pc:sldMk cId="1668151839" sldId="261"/>
+            <ac:spMk id="37" creationId="{E2A46BAB-8C31-42B2-90E8-B26DD3E81D37}"/>
+          </ac:spMkLst>
+        </pc:spChg>
+        <pc:spChg chg="add del">
+          <ac:chgData name="Maxwel de Souza Freitas" userId="0239695f-dad7-46d4-9d4b-7c216ef484a5" providerId="ADAL" clId="{8BDA88E9-3100-447D-A4E0-B887CAB45365}" dt="2024-04-11T15:04:46.464" v="5" actId="26606"/>
+          <ac:spMkLst>
+            <pc:docMk/>
+            <pc:sldMk cId="1668151839" sldId="261"/>
+            <ac:spMk id="41" creationId="{BACC6370-2D7E-4714-9D71-7542949D7D5D}"/>
+          </ac:spMkLst>
+        </pc:spChg>
+        <pc:spChg chg="add del">
+          <ac:chgData name="Maxwel de Souza Freitas" userId="0239695f-dad7-46d4-9d4b-7c216ef484a5" providerId="ADAL" clId="{8BDA88E9-3100-447D-A4E0-B887CAB45365}" dt="2024-04-11T15:04:46.464" v="5" actId="26606"/>
+          <ac:spMkLst>
+            <pc:docMk/>
+            <pc:sldMk cId="1668151839" sldId="261"/>
+            <ac:spMk id="42" creationId="{F68B3F68-107C-434F-AA38-110D5EA91B85}"/>
+          </ac:spMkLst>
+        </pc:spChg>
+        <pc:spChg chg="add del">
+          <ac:chgData name="Maxwel de Souza Freitas" userId="0239695f-dad7-46d4-9d4b-7c216ef484a5" providerId="ADAL" clId="{8BDA88E9-3100-447D-A4E0-B887CAB45365}" dt="2024-04-11T15:04:46.464" v="5" actId="26606"/>
+          <ac:spMkLst>
+            <pc:docMk/>
+            <pc:sldMk cId="1668151839" sldId="261"/>
+            <ac:spMk id="43" creationId="{AAD0DBB9-1A4B-4391-81D4-CB19F9AB918A}"/>
+          </ac:spMkLst>
+        </pc:spChg>
+        <pc:spChg chg="add del">
+          <ac:chgData name="Maxwel de Souza Freitas" userId="0239695f-dad7-46d4-9d4b-7c216ef484a5" providerId="ADAL" clId="{8BDA88E9-3100-447D-A4E0-B887CAB45365}" dt="2024-04-11T15:04:46.464" v="5" actId="26606"/>
+          <ac:spMkLst>
+            <pc:docMk/>
+            <pc:sldMk cId="1668151839" sldId="261"/>
+            <ac:spMk id="44" creationId="{063BBA22-50EA-4C4D-BE05-F1CE4E63AA56}"/>
+          </ac:spMkLst>
+        </pc:spChg>
+        <pc:spChg chg="add del">
+          <ac:chgData name="Maxwel de Souza Freitas" userId="0239695f-dad7-46d4-9d4b-7c216ef484a5" providerId="ADAL" clId="{8BDA88E9-3100-447D-A4E0-B887CAB45365}" dt="2024-04-11T15:05:25.587" v="7" actId="26606"/>
+          <ac:spMkLst>
+            <pc:docMk/>
+            <pc:sldMk cId="1668151839" sldId="261"/>
+            <ac:spMk id="46" creationId="{BACC6370-2D7E-4714-9D71-7542949D7D5D}"/>
+          </ac:spMkLst>
+        </pc:spChg>
+        <pc:spChg chg="add del">
+          <ac:chgData name="Maxwel de Souza Freitas" userId="0239695f-dad7-46d4-9d4b-7c216ef484a5" providerId="ADAL" clId="{8BDA88E9-3100-447D-A4E0-B887CAB45365}" dt="2024-04-11T15:05:25.587" v="7" actId="26606"/>
+          <ac:spMkLst>
+            <pc:docMk/>
+            <pc:sldMk cId="1668151839" sldId="261"/>
+            <ac:spMk id="47" creationId="{F68B3F68-107C-434F-AA38-110D5EA91B85}"/>
+          </ac:spMkLst>
+        </pc:spChg>
+        <pc:spChg chg="add del">
+          <ac:chgData name="Maxwel de Souza Freitas" userId="0239695f-dad7-46d4-9d4b-7c216ef484a5" providerId="ADAL" clId="{8BDA88E9-3100-447D-A4E0-B887CAB45365}" dt="2024-04-11T15:05:25.587" v="7" actId="26606"/>
+          <ac:spMkLst>
+            <pc:docMk/>
+            <pc:sldMk cId="1668151839" sldId="261"/>
+            <ac:spMk id="48" creationId="{AAD0DBB9-1A4B-4391-81D4-CB19F9AB918A}"/>
+          </ac:spMkLst>
+        </pc:spChg>
+        <pc:spChg chg="add del">
+          <ac:chgData name="Maxwel de Souza Freitas" userId="0239695f-dad7-46d4-9d4b-7c216ef484a5" providerId="ADAL" clId="{8BDA88E9-3100-447D-A4E0-B887CAB45365}" dt="2024-04-11T15:05:25.587" v="7" actId="26606"/>
+          <ac:spMkLst>
+            <pc:docMk/>
+            <pc:sldMk cId="1668151839" sldId="261"/>
+            <ac:spMk id="49" creationId="{063BBA22-50EA-4C4D-BE05-F1CE4E63AA56}"/>
+          </ac:spMkLst>
+        </pc:spChg>
+        <pc:grpChg chg="add del">
+          <ac:chgData name="Maxwel de Souza Freitas" userId="0239695f-dad7-46d4-9d4b-7c216ef484a5" providerId="ADAL" clId="{8BDA88E9-3100-447D-A4E0-B887CAB45365}" dt="2024-04-11T15:04:44.344" v="3" actId="26606"/>
+          <ac:grpSpMkLst>
+            <pc:docMk/>
+            <pc:sldMk cId="1668151839" sldId="261"/>
+            <ac:grpSpMk id="28" creationId="{43F5E015-E085-4624-B431-B42414448684}"/>
+          </ac:grpSpMkLst>
+        </pc:grpChg>
+        <pc:grpChg chg="add del">
+          <ac:chgData name="Maxwel de Souza Freitas" userId="0239695f-dad7-46d4-9d4b-7c216ef484a5" providerId="ADAL" clId="{8BDA88E9-3100-447D-A4E0-B887CAB45365}" dt="2024-04-11T15:04:44.344" v="3" actId="26606"/>
+          <ac:grpSpMkLst>
+            <pc:docMk/>
+            <pc:sldMk cId="1668151839" sldId="261"/>
+            <ac:grpSpMk id="38" creationId="{B3F7A3C7-0737-4E57-B30E-8EEFE638B401}"/>
+          </ac:grpSpMkLst>
+        </pc:grpChg>
+        <pc:graphicFrameChg chg="mod modGraphic">
+          <ac:chgData name="Maxwel de Souza Freitas" userId="0239695f-dad7-46d4-9d4b-7c216ef484a5" providerId="ADAL" clId="{8BDA88E9-3100-447D-A4E0-B887CAB45365}" dt="2024-04-11T15:07:30.860" v="11" actId="12100"/>
+          <ac:graphicFrameMkLst>
+            <pc:docMk/>
+            <pc:sldMk cId="1668151839" sldId="261"/>
+            <ac:graphicFrameMk id="5" creationId="{13ADD1F5-3FD2-5372-492A-A43A162A6CBA}"/>
+          </ac:graphicFrameMkLst>
+        </pc:graphicFrameChg>
+      </pc:sldChg>
+      <pc:sldChg chg="modSp mod">
+        <pc:chgData name="Maxwel de Souza Freitas" userId="0239695f-dad7-46d4-9d4b-7c216ef484a5" providerId="ADAL" clId="{8BDA88E9-3100-447D-A4E0-B887CAB45365}" dt="2024-04-11T15:05:26.089" v="8" actId="20577"/>
+        <pc:sldMkLst>
+          <pc:docMk/>
+          <pc:sldMk cId="3459916763" sldId="262"/>
+        </pc:sldMkLst>
+        <pc:spChg chg="mod">
+          <ac:chgData name="Maxwel de Souza Freitas" userId="0239695f-dad7-46d4-9d4b-7c216ef484a5" providerId="ADAL" clId="{8BDA88E9-3100-447D-A4E0-B887CAB45365}" dt="2024-04-11T15:05:26.089" v="8" actId="20577"/>
+          <ac:spMkLst>
+            <pc:docMk/>
+            <pc:sldMk cId="3459916763" sldId="262"/>
+            <ac:spMk id="2" creationId="{8DB29201-805E-03E1-092B-25A5C60AF15B}"/>
+          </ac:spMkLst>
+        </pc:spChg>
+      </pc:sldChg>
+      <pc:sldChg chg="addSp delSp modSp new mod ord setBg">
+        <pc:chgData name="Maxwel de Souza Freitas" userId="0239695f-dad7-46d4-9d4b-7c216ef484a5" providerId="ADAL" clId="{8BDA88E9-3100-447D-A4E0-B887CAB45365}" dt="2024-04-16T14:03:57.166" v="1814" actId="14100"/>
+        <pc:sldMkLst>
+          <pc:docMk/>
+          <pc:sldMk cId="401374614" sldId="263"/>
+        </pc:sldMkLst>
+        <pc:spChg chg="mod">
+          <ac:chgData name="Maxwel de Souza Freitas" userId="0239695f-dad7-46d4-9d4b-7c216ef484a5" providerId="ADAL" clId="{8BDA88E9-3100-447D-A4E0-B887CAB45365}" dt="2024-04-16T14:03:38.645" v="1812" actId="6549"/>
+          <ac:spMkLst>
+            <pc:docMk/>
+            <pc:sldMk cId="401374614" sldId="263"/>
+            <ac:spMk id="2" creationId="{17DA55F8-0D7B-DCBA-8056-9D6BA0611B69}"/>
+          </ac:spMkLst>
+        </pc:spChg>
+        <pc:spChg chg="mod">
+          <ac:chgData name="Maxwel de Souza Freitas" userId="0239695f-dad7-46d4-9d4b-7c216ef484a5" providerId="ADAL" clId="{8BDA88E9-3100-447D-A4E0-B887CAB45365}" dt="2024-04-16T14:03:57.166" v="1814" actId="14100"/>
+          <ac:spMkLst>
+            <pc:docMk/>
+            <pc:sldMk cId="401374614" sldId="263"/>
+            <ac:spMk id="3" creationId="{BCBCE023-49EA-582B-8811-154E24084356}"/>
+          </ac:spMkLst>
+        </pc:spChg>
+        <pc:spChg chg="add del">
+          <ac:chgData name="Maxwel de Souza Freitas" userId="0239695f-dad7-46d4-9d4b-7c216ef484a5" providerId="ADAL" clId="{8BDA88E9-3100-447D-A4E0-B887CAB45365}" dt="2024-04-11T15:37:31.802" v="175" actId="26606"/>
+          <ac:spMkLst>
+            <pc:docMk/>
+            <pc:sldMk cId="401374614" sldId="263"/>
+            <ac:spMk id="8" creationId="{1B15ED52-F352-441B-82BF-E0EA34836D08}"/>
+          </ac:spMkLst>
+        </pc:spChg>
+        <pc:spChg chg="add del">
+          <ac:chgData name="Maxwel de Souza Freitas" userId="0239695f-dad7-46d4-9d4b-7c216ef484a5" providerId="ADAL" clId="{8BDA88E9-3100-447D-A4E0-B887CAB45365}" dt="2024-04-11T15:37:31.802" v="175" actId="26606"/>
+          <ac:spMkLst>
+            <pc:docMk/>
+            <pc:sldMk cId="401374614" sldId="263"/>
+            <ac:spMk id="10" creationId="{3B2E3793-BFE6-45A2-9B7B-E18844431C99}"/>
+          </ac:spMkLst>
+        </pc:spChg>
+        <pc:spChg chg="add del">
+          <ac:chgData name="Maxwel de Souza Freitas" userId="0239695f-dad7-46d4-9d4b-7c216ef484a5" providerId="ADAL" clId="{8BDA88E9-3100-447D-A4E0-B887CAB45365}" dt="2024-04-11T15:37:31.802" v="175" actId="26606"/>
+          <ac:spMkLst>
+            <pc:docMk/>
+            <pc:sldMk cId="401374614" sldId="263"/>
+            <ac:spMk id="12" creationId="{BC4C4868-CB8F-4AF9-9CDB-8108F2C19B67}"/>
+          </ac:spMkLst>
+        </pc:spChg>
+        <pc:spChg chg="add del">
+          <ac:chgData name="Maxwel de Souza Freitas" userId="0239695f-dad7-46d4-9d4b-7c216ef484a5" providerId="ADAL" clId="{8BDA88E9-3100-447D-A4E0-B887CAB45365}" dt="2024-04-11T15:37:31.802" v="175" actId="26606"/>
+          <ac:spMkLst>
+            <pc:docMk/>
+            <pc:sldMk cId="401374614" sldId="263"/>
+            <ac:spMk id="14" creationId="{375E0459-6403-40CD-989D-56A4407CA12E}"/>
+          </ac:spMkLst>
+        </pc:spChg>
+        <pc:spChg chg="add del">
+          <ac:chgData name="Maxwel de Souza Freitas" userId="0239695f-dad7-46d4-9d4b-7c216ef484a5" providerId="ADAL" clId="{8BDA88E9-3100-447D-A4E0-B887CAB45365}" dt="2024-04-11T15:37:31.802" v="175" actId="26606"/>
+          <ac:spMkLst>
+            <pc:docMk/>
+            <pc:sldMk cId="401374614" sldId="263"/>
+            <ac:spMk id="16" creationId="{53E5B1A8-3AC9-4BD1-9BBC-78CA94F2D1BA}"/>
+          </ac:spMkLst>
+        </pc:spChg>
+        <pc:spChg chg="add">
+          <ac:chgData name="Maxwel de Souza Freitas" userId="0239695f-dad7-46d4-9d4b-7c216ef484a5" providerId="ADAL" clId="{8BDA88E9-3100-447D-A4E0-B887CAB45365}" dt="2024-04-11T15:37:31.802" v="176" actId="26606"/>
+          <ac:spMkLst>
+            <pc:docMk/>
+            <pc:sldMk cId="401374614" sldId="263"/>
+            <ac:spMk id="18" creationId="{A09989E4-EFDC-4A90-A633-E0525FB4139E}"/>
+          </ac:spMkLst>
+        </pc:spChg>
+        <pc:spChg chg="add">
+          <ac:chgData name="Maxwel de Souza Freitas" userId="0239695f-dad7-46d4-9d4b-7c216ef484a5" providerId="ADAL" clId="{8BDA88E9-3100-447D-A4E0-B887CAB45365}" dt="2024-04-11T15:37:31.802" v="176" actId="26606"/>
+          <ac:spMkLst>
+            <pc:docMk/>
+            <pc:sldMk cId="401374614" sldId="263"/>
+            <ac:spMk id="19" creationId="{DEE2AD96-B495-4E06-9291-B71706F728CB}"/>
+          </ac:spMkLst>
+        </pc:spChg>
+        <pc:spChg chg="add">
+          <ac:chgData name="Maxwel de Souza Freitas" userId="0239695f-dad7-46d4-9d4b-7c216ef484a5" providerId="ADAL" clId="{8BDA88E9-3100-447D-A4E0-B887CAB45365}" dt="2024-04-11T15:37:31.802" v="176" actId="26606"/>
+          <ac:spMkLst>
+            <pc:docMk/>
+            <pc:sldMk cId="401374614" sldId="263"/>
+            <ac:spMk id="20" creationId="{53CF6D67-C5A8-4ADD-9E8E-1E38CA1D3166}"/>
+          </ac:spMkLst>
+        </pc:spChg>
+        <pc:spChg chg="add">
+          <ac:chgData name="Maxwel de Souza Freitas" userId="0239695f-dad7-46d4-9d4b-7c216ef484a5" providerId="ADAL" clId="{8BDA88E9-3100-447D-A4E0-B887CAB45365}" dt="2024-04-11T15:37:31.802" v="176" actId="26606"/>
+          <ac:spMkLst>
+            <pc:docMk/>
+            <pc:sldMk cId="401374614" sldId="263"/>
+            <ac:spMk id="21" creationId="{86909FA0-B515-4681-B7A8-FA281D133B94}"/>
+          </ac:spMkLst>
+        </pc:spChg>
+        <pc:spChg chg="add">
+          <ac:chgData name="Maxwel de Souza Freitas" userId="0239695f-dad7-46d4-9d4b-7c216ef484a5" providerId="ADAL" clId="{8BDA88E9-3100-447D-A4E0-B887CAB45365}" dt="2024-04-11T15:37:31.802" v="176" actId="26606"/>
+          <ac:spMkLst>
+            <pc:docMk/>
+            <pc:sldMk cId="401374614" sldId="263"/>
+            <ac:spMk id="22" creationId="{21C9FE86-FCC3-4A31-AA1C-C882262B7FE7}"/>
+          </ac:spMkLst>
+        </pc:spChg>
+        <pc:spChg chg="add">
+          <ac:chgData name="Maxwel de Souza Freitas" userId="0239695f-dad7-46d4-9d4b-7c216ef484a5" providerId="ADAL" clId="{8BDA88E9-3100-447D-A4E0-B887CAB45365}" dt="2024-04-11T15:37:31.802" v="176" actId="26606"/>
+          <ac:spMkLst>
+            <pc:docMk/>
+            <pc:sldMk cId="401374614" sldId="263"/>
+            <ac:spMk id="23" creationId="{7D96243B-ECED-4B71-8E06-AE9A285EAD20}"/>
+          </ac:spMkLst>
+        </pc:spChg>
+      </pc:sldChg>
+      <pc:sldChg chg="modSp mod">
+        <pc:chgData name="Maxwel de Souza Freitas" userId="0239695f-dad7-46d4-9d4b-7c216ef484a5" providerId="ADAL" clId="{8BDA88E9-3100-447D-A4E0-B887CAB45365}" dt="2024-04-12T14:34:22.353" v="197" actId="113"/>
+        <pc:sldMkLst>
+          <pc:docMk/>
+          <pc:sldMk cId="296239340" sldId="265"/>
+        </pc:sldMkLst>
+        <pc:spChg chg="mod">
+          <ac:chgData name="Maxwel de Souza Freitas" userId="0239695f-dad7-46d4-9d4b-7c216ef484a5" providerId="ADAL" clId="{8BDA88E9-3100-447D-A4E0-B887CAB45365}" dt="2024-04-12T14:34:22.353" v="197" actId="113"/>
+          <ac:spMkLst>
+            <pc:docMk/>
+            <pc:sldMk cId="296239340" sldId="265"/>
+            <ac:spMk id="25" creationId="{A2E5CAE9-AEBD-8F16-45E2-6C6BB4BA57F5}"/>
+          </ac:spMkLst>
+        </pc:spChg>
+      </pc:sldChg>
+      <pc:sldChg chg="modSp mod ord">
+        <pc:chgData name="Maxwel de Souza Freitas" userId="0239695f-dad7-46d4-9d4b-7c216ef484a5" providerId="ADAL" clId="{8BDA88E9-3100-447D-A4E0-B887CAB45365}" dt="2024-04-16T14:02:35.673" v="1675" actId="20577"/>
+        <pc:sldMkLst>
+          <pc:docMk/>
+          <pc:sldMk cId="1335820889" sldId="266"/>
+        </pc:sldMkLst>
+        <pc:spChg chg="mod">
+          <ac:chgData name="Maxwel de Souza Freitas" userId="0239695f-dad7-46d4-9d4b-7c216ef484a5" providerId="ADAL" clId="{8BDA88E9-3100-447D-A4E0-B887CAB45365}" dt="2024-04-16T14:02:35.673" v="1675" actId="20577"/>
+          <ac:spMkLst>
+            <pc:docMk/>
+            <pc:sldMk cId="1335820889" sldId="266"/>
+            <ac:spMk id="2" creationId="{FF793BD3-4745-E603-1B4A-91C33297DA13}"/>
+          </ac:spMkLst>
+        </pc:spChg>
+      </pc:sldChg>
+      <pc:sldChg chg="modSp mod ord">
+        <pc:chgData name="Maxwel de Souza Freitas" userId="0239695f-dad7-46d4-9d4b-7c216ef484a5" providerId="ADAL" clId="{8BDA88E9-3100-447D-A4E0-B887CAB45365}" dt="2024-04-16T14:02:49.605" v="1690" actId="20577"/>
+        <pc:sldMkLst>
+          <pc:docMk/>
+          <pc:sldMk cId="1352238549" sldId="267"/>
+        </pc:sldMkLst>
+        <pc:spChg chg="mod">
+          <ac:chgData name="Maxwel de Souza Freitas" userId="0239695f-dad7-46d4-9d4b-7c216ef484a5" providerId="ADAL" clId="{8BDA88E9-3100-447D-A4E0-B887CAB45365}" dt="2024-04-16T14:02:49.605" v="1690" actId="20577"/>
+          <ac:spMkLst>
+            <pc:docMk/>
+            <pc:sldMk cId="1352238549" sldId="267"/>
+            <ac:spMk id="2" creationId="{FF793BD3-4745-E603-1B4A-91C33297DA13}"/>
+          </ac:spMkLst>
+        </pc:spChg>
+        <pc:picChg chg="mod">
+          <ac:chgData name="Maxwel de Souza Freitas" userId="0239695f-dad7-46d4-9d4b-7c216ef484a5" providerId="ADAL" clId="{8BDA88E9-3100-447D-A4E0-B887CAB45365}" dt="2024-04-12T14:38:33.288" v="279" actId="1076"/>
+          <ac:picMkLst>
+            <pc:docMk/>
+            <pc:sldMk cId="1352238549" sldId="267"/>
+            <ac:picMk id="5" creationId="{643FD417-68FC-A8BB-9828-EDFE7B2B97D1}"/>
+          </ac:picMkLst>
+        </pc:picChg>
+        <pc:picChg chg="mod">
+          <ac:chgData name="Maxwel de Souza Freitas" userId="0239695f-dad7-46d4-9d4b-7c216ef484a5" providerId="ADAL" clId="{8BDA88E9-3100-447D-A4E0-B887CAB45365}" dt="2024-04-12T14:38:33.288" v="279" actId="1076"/>
+          <ac:picMkLst>
+            <pc:docMk/>
+            <pc:sldMk cId="1352238549" sldId="267"/>
+            <ac:picMk id="10" creationId="{03B971A3-2464-9F77-E15D-6029A40A7CEC}"/>
+          </ac:picMkLst>
+        </pc:picChg>
+      </pc:sldChg>
+      <pc:sldChg chg="addSp delSp modSp mod">
+        <pc:chgData name="Maxwel de Souza Freitas" userId="0239695f-dad7-46d4-9d4b-7c216ef484a5" providerId="ADAL" clId="{8BDA88E9-3100-447D-A4E0-B887CAB45365}" dt="2024-04-16T14:03:14.456" v="1727" actId="20577"/>
+        <pc:sldMkLst>
+          <pc:docMk/>
+          <pc:sldMk cId="296171236" sldId="268"/>
+        </pc:sldMkLst>
+        <pc:spChg chg="mod">
+          <ac:chgData name="Maxwel de Souza Freitas" userId="0239695f-dad7-46d4-9d4b-7c216ef484a5" providerId="ADAL" clId="{8BDA88E9-3100-447D-A4E0-B887CAB45365}" dt="2024-04-16T14:03:14.456" v="1727" actId="20577"/>
+          <ac:spMkLst>
+            <pc:docMk/>
+            <pc:sldMk cId="296171236" sldId="268"/>
+            <ac:spMk id="2" creationId="{FF793BD3-4745-E603-1B4A-91C33297DA13}"/>
+          </ac:spMkLst>
+        </pc:spChg>
+        <pc:spChg chg="add mod">
+          <ac:chgData name="Maxwel de Souza Freitas" userId="0239695f-dad7-46d4-9d4b-7c216ef484a5" providerId="ADAL" clId="{8BDA88E9-3100-447D-A4E0-B887CAB45365}" dt="2024-04-16T13:54:03.260" v="1068" actId="1076"/>
+          <ac:spMkLst>
+            <pc:docMk/>
+            <pc:sldMk cId="296171236" sldId="268"/>
+            <ac:spMk id="3" creationId="{2FAC1DCA-5E57-C323-0C2C-94FB409E33E7}"/>
+          </ac:spMkLst>
+        </pc:spChg>
+        <pc:spChg chg="del mod">
+          <ac:chgData name="Maxwel de Souza Freitas" userId="0239695f-dad7-46d4-9d4b-7c216ef484a5" providerId="ADAL" clId="{8BDA88E9-3100-447D-A4E0-B887CAB45365}" dt="2024-04-12T14:42:43.366" v="379" actId="26606"/>
+          <ac:spMkLst>
+            <pc:docMk/>
+            <pc:sldMk cId="296171236" sldId="268"/>
+            <ac:spMk id="4" creationId="{1FA8C9FA-E8C5-A3D7-A533-F8247307C167}"/>
+          </ac:spMkLst>
+        </pc:spChg>
+        <pc:spChg chg="add del mod">
+          <ac:chgData name="Maxwel de Souza Freitas" userId="0239695f-dad7-46d4-9d4b-7c216ef484a5" providerId="ADAL" clId="{8BDA88E9-3100-447D-A4E0-B887CAB45365}" dt="2024-04-16T13:51:30.764" v="1018" actId="478"/>
+          <ac:spMkLst>
+            <pc:docMk/>
+            <pc:sldMk cId="296171236" sldId="268"/>
+            <ac:spMk id="5" creationId="{4F6E7B34-6D8F-2EE5-3E1E-F58164C851DE}"/>
+          </ac:spMkLst>
+        </pc:spChg>
+        <pc:spChg chg="add mod">
+          <ac:chgData name="Maxwel de Souza Freitas" userId="0239695f-dad7-46d4-9d4b-7c216ef484a5" providerId="ADAL" clId="{8BDA88E9-3100-447D-A4E0-B887CAB45365}" dt="2024-04-12T14:45:33.546" v="422" actId="1076"/>
+          <ac:spMkLst>
+            <pc:docMk/>
+            <pc:sldMk cId="296171236" sldId="268"/>
+            <ac:spMk id="7" creationId="{99445FD9-5961-AD4F-EA65-BC976DF9BAB3}"/>
+          </ac:spMkLst>
+        </pc:spChg>
+        <pc:spChg chg="add del">
+          <ac:chgData name="Maxwel de Souza Freitas" userId="0239695f-dad7-46d4-9d4b-7c216ef484a5" providerId="ADAL" clId="{8BDA88E9-3100-447D-A4E0-B887CAB45365}" dt="2024-04-12T14:43:14.884" v="382" actId="26606"/>
+          <ac:spMkLst>
+            <pc:docMk/>
+            <pc:sldMk cId="296171236" sldId="268"/>
+            <ac:spMk id="9" creationId="{BACC6370-2D7E-4714-9D71-7542949D7D5D}"/>
+          </ac:spMkLst>
+        </pc:spChg>
+        <pc:spChg chg="add del">
+          <ac:chgData name="Maxwel de Souza Freitas" userId="0239695f-dad7-46d4-9d4b-7c216ef484a5" providerId="ADAL" clId="{8BDA88E9-3100-447D-A4E0-B887CAB45365}" dt="2024-04-12T14:43:14.884" v="382" actId="26606"/>
+          <ac:spMkLst>
+            <pc:docMk/>
+            <pc:sldMk cId="296171236" sldId="268"/>
+            <ac:spMk id="11" creationId="{F68B3F68-107C-434F-AA38-110D5EA91B85}"/>
+          </ac:spMkLst>
+        </pc:spChg>
+        <pc:spChg chg="add del">
+          <ac:chgData name="Maxwel de Souza Freitas" userId="0239695f-dad7-46d4-9d4b-7c216ef484a5" providerId="ADAL" clId="{8BDA88E9-3100-447D-A4E0-B887CAB45365}" dt="2024-04-12T14:43:14.884" v="382" actId="26606"/>
+          <ac:spMkLst>
+            <pc:docMk/>
+            <pc:sldMk cId="296171236" sldId="268"/>
+            <ac:spMk id="13" creationId="{AAD0DBB9-1A4B-4391-81D4-CB19F9AB918A}"/>
+          </ac:spMkLst>
+        </pc:spChg>
+        <pc:spChg chg="add del">
+          <ac:chgData name="Maxwel de Souza Freitas" userId="0239695f-dad7-46d4-9d4b-7c216ef484a5" providerId="ADAL" clId="{8BDA88E9-3100-447D-A4E0-B887CAB45365}" dt="2024-04-12T14:43:14.884" v="382" actId="26606"/>
+          <ac:spMkLst>
+            <pc:docMk/>
+            <pc:sldMk cId="296171236" sldId="268"/>
+            <ac:spMk id="15" creationId="{063BBA22-50EA-4C4D-BE05-F1CE4E63AA56}"/>
+          </ac:spMkLst>
+        </pc:spChg>
+        <pc:spChg chg="add del">
+          <ac:chgData name="Maxwel de Souza Freitas" userId="0239695f-dad7-46d4-9d4b-7c216ef484a5" providerId="ADAL" clId="{8BDA88E9-3100-447D-A4E0-B887CAB45365}" dt="2024-04-12T14:43:14.884" v="382" actId="26606"/>
+          <ac:spMkLst>
+            <pc:docMk/>
+            <pc:sldMk cId="296171236" sldId="268"/>
+            <ac:spMk id="22" creationId="{12609869-9E80-471B-A487-A53288E0E791}"/>
+          </ac:spMkLst>
+        </pc:spChg>
+        <pc:spChg chg="add del">
+          <ac:chgData name="Maxwel de Souza Freitas" userId="0239695f-dad7-46d4-9d4b-7c216ef484a5" providerId="ADAL" clId="{8BDA88E9-3100-447D-A4E0-B887CAB45365}" dt="2024-04-12T14:43:14.884" v="382" actId="26606"/>
+          <ac:spMkLst>
+            <pc:docMk/>
+            <pc:sldMk cId="296171236" sldId="268"/>
+            <ac:spMk id="24" creationId="{7004738A-9D34-43E8-97D2-CA0EED4F8BE0}"/>
+          </ac:spMkLst>
+        </pc:spChg>
+        <pc:spChg chg="add del">
+          <ac:chgData name="Maxwel de Souza Freitas" userId="0239695f-dad7-46d4-9d4b-7c216ef484a5" providerId="ADAL" clId="{8BDA88E9-3100-447D-A4E0-B887CAB45365}" dt="2024-04-12T14:43:14.884" v="382" actId="26606"/>
+          <ac:spMkLst>
+            <pc:docMk/>
+            <pc:sldMk cId="296171236" sldId="268"/>
+            <ac:spMk id="26" creationId="{B8B8D07F-F13E-443E-BA68-2D26672D76B9}"/>
+          </ac:spMkLst>
+        </pc:spChg>
+        <pc:spChg chg="add del">
+          <ac:chgData name="Maxwel de Souza Freitas" userId="0239695f-dad7-46d4-9d4b-7c216ef484a5" providerId="ADAL" clId="{8BDA88E9-3100-447D-A4E0-B887CAB45365}" dt="2024-04-12T14:43:14.884" v="382" actId="26606"/>
+          <ac:spMkLst>
+            <pc:docMk/>
+            <pc:sldMk cId="296171236" sldId="268"/>
+            <ac:spMk id="28" creationId="{2813A4FA-24A5-41ED-A534-3807D1B2F344}"/>
+          </ac:spMkLst>
+        </pc:spChg>
+        <pc:spChg chg="add del">
+          <ac:chgData name="Maxwel de Souza Freitas" userId="0239695f-dad7-46d4-9d4b-7c216ef484a5" providerId="ADAL" clId="{8BDA88E9-3100-447D-A4E0-B887CAB45365}" dt="2024-04-12T14:43:14.884" v="382" actId="26606"/>
+          <ac:spMkLst>
+            <pc:docMk/>
+            <pc:sldMk cId="296171236" sldId="268"/>
+            <ac:spMk id="30" creationId="{C3944F27-CA70-4E84-A51A-E6BF89558979}"/>
+          </ac:spMkLst>
+        </pc:spChg>
+        <pc:spChg chg="del mod">
+          <ac:chgData name="Maxwel de Souza Freitas" userId="0239695f-dad7-46d4-9d4b-7c216ef484a5" providerId="ADAL" clId="{8BDA88E9-3100-447D-A4E0-B887CAB45365}" dt="2024-04-16T13:47:37.363" v="853" actId="478"/>
+          <ac:spMkLst>
+            <pc:docMk/>
+            <pc:sldMk cId="296171236" sldId="268"/>
+            <ac:spMk id="32" creationId="{A7457AB2-1FD8-E729-C0B2-8343B023BA11}"/>
+          </ac:spMkLst>
+        </pc:spChg>
+        <pc:spChg chg="del mod">
+          <ac:chgData name="Maxwel de Souza Freitas" userId="0239695f-dad7-46d4-9d4b-7c216ef484a5" providerId="ADAL" clId="{8BDA88E9-3100-447D-A4E0-B887CAB45365}" dt="2024-04-16T13:48:11.095" v="879" actId="478"/>
+          <ac:spMkLst>
+            <pc:docMk/>
+            <pc:sldMk cId="296171236" sldId="268"/>
+            <ac:spMk id="34" creationId="{69959E89-907B-11F7-196E-01781863D47F}"/>
+          </ac:spMkLst>
+        </pc:spChg>
+        <pc:grpChg chg="mod">
+          <ac:chgData name="Maxwel de Souza Freitas" userId="0239695f-dad7-46d4-9d4b-7c216ef484a5" providerId="ADAL" clId="{8BDA88E9-3100-447D-A4E0-B887CAB45365}" dt="2024-04-16T13:53:37.686" v="1059" actId="1076"/>
+          <ac:grpSpMkLst>
+            <pc:docMk/>
+            <pc:sldMk cId="296171236" sldId="268"/>
+            <ac:grpSpMk id="33" creationId="{600E6F16-E483-D519-DD61-1A02C94E4E11}"/>
+          </ac:grpSpMkLst>
+        </pc:grpChg>
+        <pc:graphicFrameChg chg="add del mod ord modGraphic">
+          <ac:chgData name="Maxwel de Souza Freitas" userId="0239695f-dad7-46d4-9d4b-7c216ef484a5" providerId="ADAL" clId="{8BDA88E9-3100-447D-A4E0-B887CAB45365}" dt="2024-04-12T14:44:12.854" v="383" actId="478"/>
+          <ac:graphicFrameMkLst>
+            <pc:docMk/>
+            <pc:sldMk cId="296171236" sldId="268"/>
+            <ac:graphicFrameMk id="17" creationId="{C4A88F7D-A891-2283-9C32-A11967E78FCE}"/>
+          </ac:graphicFrameMkLst>
+        </pc:graphicFrameChg>
+        <pc:graphicFrameChg chg="mod">
+          <ac:chgData name="Maxwel de Souza Freitas" userId="0239695f-dad7-46d4-9d4b-7c216ef484a5" providerId="ADAL" clId="{8BDA88E9-3100-447D-A4E0-B887CAB45365}" dt="2024-04-16T13:50:10.818" v="977" actId="20577"/>
+          <ac:graphicFrameMkLst>
+            <pc:docMk/>
+            <pc:sldMk cId="296171236" sldId="268"/>
+            <ac:graphicFrameMk id="29" creationId="{AC5F890F-9C4F-76C8-2C9F-B85F3E009FD8}"/>
+          </ac:graphicFrameMkLst>
+        </pc:graphicFrameChg>
+        <pc:picChg chg="add mod">
+          <ac:chgData name="Maxwel de Souza Freitas" userId="0239695f-dad7-46d4-9d4b-7c216ef484a5" providerId="ADAL" clId="{8BDA88E9-3100-447D-A4E0-B887CAB45365}" dt="2024-04-12T14:45:35.690" v="423" actId="1076"/>
+          <ac:picMkLst>
+            <pc:docMk/>
+            <pc:sldMk cId="296171236" sldId="268"/>
+            <ac:picMk id="5" creationId="{C8AC20BE-97C4-F595-E051-02A3E8FF99F8}"/>
+          </ac:picMkLst>
+        </pc:picChg>
+        <pc:picChg chg="add del mod ord">
+          <ac:chgData name="Maxwel de Souza Freitas" userId="0239695f-dad7-46d4-9d4b-7c216ef484a5" providerId="ADAL" clId="{8BDA88E9-3100-447D-A4E0-B887CAB45365}" dt="2024-04-16T13:54:09.395" v="1069" actId="478"/>
+          <ac:picMkLst>
+            <pc:docMk/>
+            <pc:sldMk cId="296171236" sldId="268"/>
+            <ac:picMk id="26" creationId="{195F3A70-4756-0241-323C-32EC55A44B85}"/>
+          </ac:picMkLst>
+        </pc:picChg>
+      </pc:sldChg>
+      <pc:sldChg chg="modSp mod ord">
+        <pc:chgData name="Maxwel de Souza Freitas" userId="0239695f-dad7-46d4-9d4b-7c216ef484a5" providerId="ADAL" clId="{8BDA88E9-3100-447D-A4E0-B887CAB45365}" dt="2024-04-16T14:02:44.133" v="1689" actId="20577"/>
+        <pc:sldMkLst>
+          <pc:docMk/>
+          <pc:sldMk cId="2974336303" sldId="269"/>
+        </pc:sldMkLst>
+        <pc:spChg chg="mod">
+          <ac:chgData name="Maxwel de Souza Freitas" userId="0239695f-dad7-46d4-9d4b-7c216ef484a5" providerId="ADAL" clId="{8BDA88E9-3100-447D-A4E0-B887CAB45365}" dt="2024-04-16T14:02:44.133" v="1689" actId="20577"/>
+          <ac:spMkLst>
+            <pc:docMk/>
+            <pc:sldMk cId="2974336303" sldId="269"/>
+            <ac:spMk id="2" creationId="{FF793BD3-4745-E603-1B4A-91C33297DA13}"/>
+          </ac:spMkLst>
+        </pc:spChg>
+      </pc:sldChg>
+      <pc:sldChg chg="modSp new del mod">
+        <pc:chgData name="Maxwel de Souza Freitas" userId="0239695f-dad7-46d4-9d4b-7c216ef484a5" providerId="ADAL" clId="{8BDA88E9-3100-447D-A4E0-B887CAB45365}" dt="2024-04-12T14:35:32.669" v="276" actId="2696"/>
+        <pc:sldMkLst>
+          <pc:docMk/>
+          <pc:sldMk cId="1072537259" sldId="270"/>
+        </pc:sldMkLst>
+        <pc:spChg chg="mod">
+          <ac:chgData name="Maxwel de Souza Freitas" userId="0239695f-dad7-46d4-9d4b-7c216ef484a5" providerId="ADAL" clId="{8BDA88E9-3100-447D-A4E0-B887CAB45365}" dt="2024-04-12T14:35:02.911" v="275" actId="20577"/>
+          <ac:spMkLst>
+            <pc:docMk/>
+            <pc:sldMk cId="1072537259" sldId="270"/>
+            <ac:spMk id="3" creationId="{F90B4C3E-EC0B-6A35-F19D-E534DDE21D6F}"/>
+          </ac:spMkLst>
+        </pc:spChg>
+      </pc:sldChg>
+      <pc:sldChg chg="add del">
+        <pc:chgData name="Maxwel de Souza Freitas" userId="0239695f-dad7-46d4-9d4b-7c216ef484a5" providerId="ADAL" clId="{8BDA88E9-3100-447D-A4E0-B887CAB45365}" dt="2024-04-12T14:33:50.850" v="196" actId="47"/>
+        <pc:sldMkLst>
+          <pc:docMk/>
+          <pc:sldMk cId="1677260576" sldId="270"/>
+        </pc:sldMkLst>
+      </pc:sldChg>
+      <pc:sldChg chg="add del">
+        <pc:chgData name="Maxwel de Souza Freitas" userId="0239695f-dad7-46d4-9d4b-7c216ef484a5" providerId="ADAL" clId="{8BDA88E9-3100-447D-A4E0-B887CAB45365}" dt="2024-04-16T14:10:24.409" v="2082" actId="2696"/>
+        <pc:sldMkLst>
+          <pc:docMk/>
+          <pc:sldMk cId="2657984257" sldId="270"/>
+        </pc:sldMkLst>
+      </pc:sldChg>
+      <pc:sldChg chg="modSp add mod">
+        <pc:chgData name="Maxwel de Souza Freitas" userId="0239695f-dad7-46d4-9d4b-7c216ef484a5" providerId="ADAL" clId="{8BDA88E9-3100-447D-A4E0-B887CAB45365}" dt="2024-04-12T14:48:36.037" v="808" actId="20577"/>
+        <pc:sldMkLst>
+          <pc:docMk/>
+          <pc:sldMk cId="2751659751" sldId="271"/>
+        </pc:sldMkLst>
+        <pc:spChg chg="mod">
+          <ac:chgData name="Maxwel de Souza Freitas" userId="0239695f-dad7-46d4-9d4b-7c216ef484a5" providerId="ADAL" clId="{8BDA88E9-3100-447D-A4E0-B887CAB45365}" dt="2024-04-12T14:45:54.006" v="445" actId="20577"/>
+          <ac:spMkLst>
+            <pc:docMk/>
+            <pc:sldMk cId="2751659751" sldId="271"/>
+            <ac:spMk id="2" creationId="{FF793BD3-4745-E603-1B4A-91C33297DA13}"/>
+          </ac:spMkLst>
+        </pc:spChg>
+        <pc:spChg chg="mod">
+          <ac:chgData name="Maxwel de Souza Freitas" userId="0239695f-dad7-46d4-9d4b-7c216ef484a5" providerId="ADAL" clId="{8BDA88E9-3100-447D-A4E0-B887CAB45365}" dt="2024-04-12T14:48:36.037" v="808" actId="20577"/>
+          <ac:spMkLst>
+            <pc:docMk/>
+            <pc:sldMk cId="2751659751" sldId="271"/>
+            <ac:spMk id="4" creationId="{1FA8C9FA-E8C5-A3D7-A533-F8247307C167}"/>
+          </ac:spMkLst>
+        </pc:spChg>
+      </pc:sldChg>
+      <pc:sldChg chg="modSp mod">
+        <pc:chgData name="Maxwel de Souza Freitas" userId="0239695f-dad7-46d4-9d4b-7c216ef484a5" providerId="ADAL" clId="{8BDA88E9-3100-447D-A4E0-B887CAB45365}" dt="2024-04-16T14:01:16.561" v="1552" actId="20577"/>
+        <pc:sldMkLst>
+          <pc:docMk/>
+          <pc:sldMk cId="3203546162" sldId="272"/>
+        </pc:sldMkLst>
+        <pc:spChg chg="mod">
+          <ac:chgData name="Maxwel de Souza Freitas" userId="0239695f-dad7-46d4-9d4b-7c216ef484a5" providerId="ADAL" clId="{8BDA88E9-3100-447D-A4E0-B887CAB45365}" dt="2024-04-16T14:01:16.561" v="1552" actId="20577"/>
+          <ac:spMkLst>
+            <pc:docMk/>
+            <pc:sldMk cId="3203546162" sldId="272"/>
+            <ac:spMk id="2" creationId="{FF793BD3-4745-E603-1B4A-91C33297DA13}"/>
+          </ac:spMkLst>
+        </pc:spChg>
+      </pc:sldChg>
+      <pc:sldChg chg="ord">
+        <pc:chgData name="Maxwel de Souza Freitas" userId="0239695f-dad7-46d4-9d4b-7c216ef484a5" providerId="ADAL" clId="{8BDA88E9-3100-447D-A4E0-B887CAB45365}" dt="2024-04-16T14:02:29.963" v="1662"/>
+        <pc:sldMkLst>
+          <pc:docMk/>
+          <pc:sldMk cId="3814030828" sldId="273"/>
+        </pc:sldMkLst>
+      </pc:sldChg>
+    </pc:docChg>
+  </pc:docChgLst>
   <pc:docChgLst>
     <pc:chgData name="Maxwel de Souza Freitas" userId="0239695f-dad7-46d4-9d4b-7c216ef484a5" providerId="ADAL" clId="{6611EBE3-5BD6-49A8-8B33-B594E64D99B7}"/>
     <pc:docChg chg="undo custSel addSld delSld modSld">
@@ -1430,733 +2160,6 @@
             <ac:spMk id="32" creationId="{99DD1E1B-E443-9C0E-457E-5A43A7BC5907}"/>
           </ac:spMkLst>
         </pc:spChg>
-      </pc:sldChg>
-    </pc:docChg>
-  </pc:docChgLst>
-  <pc:docChgLst>
-    <pc:chgData name="Maxwel de Souza Freitas" userId="0239695f-dad7-46d4-9d4b-7c216ef484a5" providerId="ADAL" clId="{8BDA88E9-3100-447D-A4E0-B887CAB45365}"/>
-    <pc:docChg chg="undo custSel addSld delSld modSld sldOrd">
-      <pc:chgData name="Maxwel de Souza Freitas" userId="0239695f-dad7-46d4-9d4b-7c216ef484a5" providerId="ADAL" clId="{8BDA88E9-3100-447D-A4E0-B887CAB45365}" dt="2024-04-16T14:12:43.002" v="2089" actId="20577"/>
-      <pc:docMkLst>
-        <pc:docMk/>
-      </pc:docMkLst>
-      <pc:sldChg chg="modSp mod">
-        <pc:chgData name="Maxwel de Souza Freitas" userId="0239695f-dad7-46d4-9d4b-7c216ef484a5" providerId="ADAL" clId="{8BDA88E9-3100-447D-A4E0-B887CAB45365}" dt="2024-04-16T13:55:06.394" v="1213" actId="114"/>
-        <pc:sldMkLst>
-          <pc:docMk/>
-          <pc:sldMk cId="529898763" sldId="256"/>
-        </pc:sldMkLst>
-        <pc:spChg chg="mod">
-          <ac:chgData name="Maxwel de Souza Freitas" userId="0239695f-dad7-46d4-9d4b-7c216ef484a5" providerId="ADAL" clId="{8BDA88E9-3100-447D-A4E0-B887CAB45365}" dt="2024-04-16T13:55:06.394" v="1213" actId="114"/>
-          <ac:spMkLst>
-            <pc:docMk/>
-            <pc:sldMk cId="529898763" sldId="256"/>
-            <ac:spMk id="3" creationId="{79262C11-41DA-08D5-BE6B-BCE383177642}"/>
-          </ac:spMkLst>
-        </pc:spChg>
-      </pc:sldChg>
-      <pc:sldChg chg="modSp mod">
-        <pc:chgData name="Maxwel de Souza Freitas" userId="0239695f-dad7-46d4-9d4b-7c216ef484a5" providerId="ADAL" clId="{8BDA88E9-3100-447D-A4E0-B887CAB45365}" dt="2024-04-16T14:04:41.052" v="1861" actId="20577"/>
-        <pc:sldMkLst>
-          <pc:docMk/>
-          <pc:sldMk cId="3703798359" sldId="257"/>
-        </pc:sldMkLst>
-        <pc:spChg chg="mod">
-          <ac:chgData name="Maxwel de Souza Freitas" userId="0239695f-dad7-46d4-9d4b-7c216ef484a5" providerId="ADAL" clId="{8BDA88E9-3100-447D-A4E0-B887CAB45365}" dt="2024-04-16T14:04:41.052" v="1861" actId="20577"/>
-          <ac:spMkLst>
-            <pc:docMk/>
-            <pc:sldMk cId="3703798359" sldId="257"/>
-            <ac:spMk id="2" creationId="{6E41BCF8-FC24-037B-9BD4-C33AEF3BE2B8}"/>
-          </ac:spMkLst>
-        </pc:spChg>
-      </pc:sldChg>
-      <pc:sldChg chg="modSp mod ord">
-        <pc:chgData name="Maxwel de Souza Freitas" userId="0239695f-dad7-46d4-9d4b-7c216ef484a5" providerId="ADAL" clId="{8BDA88E9-3100-447D-A4E0-B887CAB45365}" dt="2024-04-16T14:06:23.587" v="2038" actId="20577"/>
-        <pc:sldMkLst>
-          <pc:docMk/>
-          <pc:sldMk cId="2823752574" sldId="258"/>
-        </pc:sldMkLst>
-        <pc:spChg chg="mod">
-          <ac:chgData name="Maxwel de Souza Freitas" userId="0239695f-dad7-46d4-9d4b-7c216ef484a5" providerId="ADAL" clId="{8BDA88E9-3100-447D-A4E0-B887CAB45365}" dt="2024-04-16T14:06:23.587" v="2038" actId="20577"/>
-          <ac:spMkLst>
-            <pc:docMk/>
-            <pc:sldMk cId="2823752574" sldId="258"/>
-            <ac:spMk id="2" creationId="{08F240B4-0B65-5B1E-7E33-7AD564DAF3D3}"/>
-          </ac:spMkLst>
-        </pc:spChg>
-        <pc:graphicFrameChg chg="mod">
-          <ac:chgData name="Maxwel de Souza Freitas" userId="0239695f-dad7-46d4-9d4b-7c216ef484a5" providerId="ADAL" clId="{8BDA88E9-3100-447D-A4E0-B887CAB45365}" dt="2024-04-16T14:05:53.514" v="2001" actId="20577"/>
-          <ac:graphicFrameMkLst>
-            <pc:docMk/>
-            <pc:sldMk cId="2823752574" sldId="258"/>
-            <ac:graphicFrameMk id="21" creationId="{344906A1-4A2C-A68B-FAEF-752140F0A1C4}"/>
-          </ac:graphicFrameMkLst>
-        </pc:graphicFrameChg>
-      </pc:sldChg>
-      <pc:sldChg chg="addSp delSp modSp mod ord">
-        <pc:chgData name="Maxwel de Souza Freitas" userId="0239695f-dad7-46d4-9d4b-7c216ef484a5" providerId="ADAL" clId="{8BDA88E9-3100-447D-A4E0-B887CAB45365}" dt="2024-04-16T14:12:43.002" v="2089" actId="20577"/>
-        <pc:sldMkLst>
-          <pc:docMk/>
-          <pc:sldMk cId="3590866565" sldId="259"/>
-        </pc:sldMkLst>
-        <pc:spChg chg="del mod">
-          <ac:chgData name="Maxwel de Souza Freitas" userId="0239695f-dad7-46d4-9d4b-7c216ef484a5" providerId="ADAL" clId="{8BDA88E9-3100-447D-A4E0-B887CAB45365}" dt="2024-04-16T14:07:04.194" v="2039" actId="478"/>
-          <ac:spMkLst>
-            <pc:docMk/>
-            <pc:sldMk cId="3590866565" sldId="259"/>
-            <ac:spMk id="2" creationId="{E98C2DF2-E3CD-C888-95EC-1E30DAFF6DB2}"/>
-          </ac:spMkLst>
-        </pc:spChg>
-        <pc:spChg chg="add del mod">
-          <ac:chgData name="Maxwel de Souza Freitas" userId="0239695f-dad7-46d4-9d4b-7c216ef484a5" providerId="ADAL" clId="{8BDA88E9-3100-447D-A4E0-B887CAB45365}" dt="2024-04-16T14:07:07.364" v="2040" actId="478"/>
-          <ac:spMkLst>
-            <pc:docMk/>
-            <pc:sldMk cId="3590866565" sldId="259"/>
-            <ac:spMk id="4" creationId="{707392BA-D0F5-29C6-C1C3-3419AA8F322B}"/>
-          </ac:spMkLst>
-        </pc:spChg>
-        <pc:spChg chg="add mod">
-          <ac:chgData name="Maxwel de Souza Freitas" userId="0239695f-dad7-46d4-9d4b-7c216ef484a5" providerId="ADAL" clId="{8BDA88E9-3100-447D-A4E0-B887CAB45365}" dt="2024-04-16T14:12:43.002" v="2089" actId="20577"/>
-          <ac:spMkLst>
-            <pc:docMk/>
-            <pc:sldMk cId="3590866565" sldId="259"/>
-            <ac:spMk id="5" creationId="{6F7AB3B2-AC4B-CA46-0C81-5C9604E4B799}"/>
-          </ac:spMkLst>
-        </pc:spChg>
-      </pc:sldChg>
-      <pc:sldChg chg="addSp delSp modSp mod">
-        <pc:chgData name="Maxwel de Souza Freitas" userId="0239695f-dad7-46d4-9d4b-7c216ef484a5" providerId="ADAL" clId="{8BDA88E9-3100-447D-A4E0-B887CAB45365}" dt="2024-04-11T15:07:30.860" v="11" actId="12100"/>
-        <pc:sldMkLst>
-          <pc:docMk/>
-          <pc:sldMk cId="1668151839" sldId="261"/>
-        </pc:sldMkLst>
-        <pc:spChg chg="mod">
-          <ac:chgData name="Maxwel de Souza Freitas" userId="0239695f-dad7-46d4-9d4b-7c216ef484a5" providerId="ADAL" clId="{8BDA88E9-3100-447D-A4E0-B887CAB45365}" dt="2024-04-11T15:04:44.344" v="3" actId="26606"/>
-          <ac:spMkLst>
-            <pc:docMk/>
-            <pc:sldMk cId="1668151839" sldId="261"/>
-            <ac:spMk id="2" creationId="{FF793BD3-4745-E603-1B4A-91C33297DA13}"/>
-          </ac:spMkLst>
-        </pc:spChg>
-        <pc:spChg chg="add del">
-          <ac:chgData name="Maxwel de Souza Freitas" userId="0239695f-dad7-46d4-9d4b-7c216ef484a5" providerId="ADAL" clId="{8BDA88E9-3100-447D-A4E0-B887CAB45365}" dt="2024-04-11T15:05:25.587" v="7" actId="26606"/>
-          <ac:spMkLst>
-            <pc:docMk/>
-            <pc:sldMk cId="1668151839" sldId="261"/>
-            <ac:spMk id="9" creationId="{BACC6370-2D7E-4714-9D71-7542949D7D5D}"/>
-          </ac:spMkLst>
-        </pc:spChg>
-        <pc:spChg chg="add del">
-          <ac:chgData name="Maxwel de Souza Freitas" userId="0239695f-dad7-46d4-9d4b-7c216ef484a5" providerId="ADAL" clId="{8BDA88E9-3100-447D-A4E0-B887CAB45365}" dt="2024-04-11T15:05:25.587" v="7" actId="26606"/>
-          <ac:spMkLst>
-            <pc:docMk/>
-            <pc:sldMk cId="1668151839" sldId="261"/>
-            <ac:spMk id="11" creationId="{F68B3F68-107C-434F-AA38-110D5EA91B85}"/>
-          </ac:spMkLst>
-        </pc:spChg>
-        <pc:spChg chg="add del">
-          <ac:chgData name="Maxwel de Souza Freitas" userId="0239695f-dad7-46d4-9d4b-7c216ef484a5" providerId="ADAL" clId="{8BDA88E9-3100-447D-A4E0-B887CAB45365}" dt="2024-04-11T15:05:25.587" v="7" actId="26606"/>
-          <ac:spMkLst>
-            <pc:docMk/>
-            <pc:sldMk cId="1668151839" sldId="261"/>
-            <ac:spMk id="13" creationId="{AAD0DBB9-1A4B-4391-81D4-CB19F9AB918A}"/>
-          </ac:spMkLst>
-        </pc:spChg>
-        <pc:spChg chg="add del">
-          <ac:chgData name="Maxwel de Souza Freitas" userId="0239695f-dad7-46d4-9d4b-7c216ef484a5" providerId="ADAL" clId="{8BDA88E9-3100-447D-A4E0-B887CAB45365}" dt="2024-04-11T15:05:25.587" v="7" actId="26606"/>
-          <ac:spMkLst>
-            <pc:docMk/>
-            <pc:sldMk cId="1668151839" sldId="261"/>
-            <ac:spMk id="15" creationId="{063BBA22-50EA-4C4D-BE05-F1CE4E63AA56}"/>
-          </ac:spMkLst>
-        </pc:spChg>
-        <pc:spChg chg="add del">
-          <ac:chgData name="Maxwel de Souza Freitas" userId="0239695f-dad7-46d4-9d4b-7c216ef484a5" providerId="ADAL" clId="{8BDA88E9-3100-447D-A4E0-B887CAB45365}" dt="2024-04-11T15:04:38.431" v="1" actId="26606"/>
-          <ac:spMkLst>
-            <pc:docMk/>
-            <pc:sldMk cId="1668151839" sldId="261"/>
-            <ac:spMk id="20" creationId="{BACC6370-2D7E-4714-9D71-7542949D7D5D}"/>
-          </ac:spMkLst>
-        </pc:spChg>
-        <pc:spChg chg="add del">
-          <ac:chgData name="Maxwel de Souza Freitas" userId="0239695f-dad7-46d4-9d4b-7c216ef484a5" providerId="ADAL" clId="{8BDA88E9-3100-447D-A4E0-B887CAB45365}" dt="2024-04-11T15:04:38.431" v="1" actId="26606"/>
-          <ac:spMkLst>
-            <pc:docMk/>
-            <pc:sldMk cId="1668151839" sldId="261"/>
-            <ac:spMk id="22" creationId="{F68B3F68-107C-434F-AA38-110D5EA91B85}"/>
-          </ac:spMkLst>
-        </pc:spChg>
-        <pc:spChg chg="add del">
-          <ac:chgData name="Maxwel de Souza Freitas" userId="0239695f-dad7-46d4-9d4b-7c216ef484a5" providerId="ADAL" clId="{8BDA88E9-3100-447D-A4E0-B887CAB45365}" dt="2024-04-11T15:04:38.431" v="1" actId="26606"/>
-          <ac:spMkLst>
-            <pc:docMk/>
-            <pc:sldMk cId="1668151839" sldId="261"/>
-            <ac:spMk id="24" creationId="{AAD0DBB9-1A4B-4391-81D4-CB19F9AB918A}"/>
-          </ac:spMkLst>
-        </pc:spChg>
-        <pc:spChg chg="add del">
-          <ac:chgData name="Maxwel de Souza Freitas" userId="0239695f-dad7-46d4-9d4b-7c216ef484a5" providerId="ADAL" clId="{8BDA88E9-3100-447D-A4E0-B887CAB45365}" dt="2024-04-11T15:04:38.431" v="1" actId="26606"/>
-          <ac:spMkLst>
-            <pc:docMk/>
-            <pc:sldMk cId="1668151839" sldId="261"/>
-            <ac:spMk id="26" creationId="{063BBA22-50EA-4C4D-BE05-F1CE4E63AA56}"/>
-          </ac:spMkLst>
-        </pc:spChg>
-        <pc:spChg chg="add del">
-          <ac:chgData name="Maxwel de Souza Freitas" userId="0239695f-dad7-46d4-9d4b-7c216ef484a5" providerId="ADAL" clId="{8BDA88E9-3100-447D-A4E0-B887CAB45365}" dt="2024-04-11T15:04:44.344" v="3" actId="26606"/>
-          <ac:spMkLst>
-            <pc:docMk/>
-            <pc:sldMk cId="1668151839" sldId="261"/>
-            <ac:spMk id="36" creationId="{1D63C574-BFD2-41A1-A567-B0C3CC7FDD4F}"/>
-          </ac:spMkLst>
-        </pc:spChg>
-        <pc:spChg chg="add del">
-          <ac:chgData name="Maxwel de Souza Freitas" userId="0239695f-dad7-46d4-9d4b-7c216ef484a5" providerId="ADAL" clId="{8BDA88E9-3100-447D-A4E0-B887CAB45365}" dt="2024-04-11T15:04:44.344" v="3" actId="26606"/>
-          <ac:spMkLst>
-            <pc:docMk/>
-            <pc:sldMk cId="1668151839" sldId="261"/>
-            <ac:spMk id="37" creationId="{E2A46BAB-8C31-42B2-90E8-B26DD3E81D37}"/>
-          </ac:spMkLst>
-        </pc:spChg>
-        <pc:spChg chg="add del">
-          <ac:chgData name="Maxwel de Souza Freitas" userId="0239695f-dad7-46d4-9d4b-7c216ef484a5" providerId="ADAL" clId="{8BDA88E9-3100-447D-A4E0-B887CAB45365}" dt="2024-04-11T15:04:46.464" v="5" actId="26606"/>
-          <ac:spMkLst>
-            <pc:docMk/>
-            <pc:sldMk cId="1668151839" sldId="261"/>
-            <ac:spMk id="41" creationId="{BACC6370-2D7E-4714-9D71-7542949D7D5D}"/>
-          </ac:spMkLst>
-        </pc:spChg>
-        <pc:spChg chg="add del">
-          <ac:chgData name="Maxwel de Souza Freitas" userId="0239695f-dad7-46d4-9d4b-7c216ef484a5" providerId="ADAL" clId="{8BDA88E9-3100-447D-A4E0-B887CAB45365}" dt="2024-04-11T15:04:46.464" v="5" actId="26606"/>
-          <ac:spMkLst>
-            <pc:docMk/>
-            <pc:sldMk cId="1668151839" sldId="261"/>
-            <ac:spMk id="42" creationId="{F68B3F68-107C-434F-AA38-110D5EA91B85}"/>
-          </ac:spMkLst>
-        </pc:spChg>
-        <pc:spChg chg="add del">
-          <ac:chgData name="Maxwel de Souza Freitas" userId="0239695f-dad7-46d4-9d4b-7c216ef484a5" providerId="ADAL" clId="{8BDA88E9-3100-447D-A4E0-B887CAB45365}" dt="2024-04-11T15:04:46.464" v="5" actId="26606"/>
-          <ac:spMkLst>
-            <pc:docMk/>
-            <pc:sldMk cId="1668151839" sldId="261"/>
-            <ac:spMk id="43" creationId="{AAD0DBB9-1A4B-4391-81D4-CB19F9AB918A}"/>
-          </ac:spMkLst>
-        </pc:spChg>
-        <pc:spChg chg="add del">
-          <ac:chgData name="Maxwel de Souza Freitas" userId="0239695f-dad7-46d4-9d4b-7c216ef484a5" providerId="ADAL" clId="{8BDA88E9-3100-447D-A4E0-B887CAB45365}" dt="2024-04-11T15:04:46.464" v="5" actId="26606"/>
-          <ac:spMkLst>
-            <pc:docMk/>
-            <pc:sldMk cId="1668151839" sldId="261"/>
-            <ac:spMk id="44" creationId="{063BBA22-50EA-4C4D-BE05-F1CE4E63AA56}"/>
-          </ac:spMkLst>
-        </pc:spChg>
-        <pc:spChg chg="add del">
-          <ac:chgData name="Maxwel de Souza Freitas" userId="0239695f-dad7-46d4-9d4b-7c216ef484a5" providerId="ADAL" clId="{8BDA88E9-3100-447D-A4E0-B887CAB45365}" dt="2024-04-11T15:05:25.587" v="7" actId="26606"/>
-          <ac:spMkLst>
-            <pc:docMk/>
-            <pc:sldMk cId="1668151839" sldId="261"/>
-            <ac:spMk id="46" creationId="{BACC6370-2D7E-4714-9D71-7542949D7D5D}"/>
-          </ac:spMkLst>
-        </pc:spChg>
-        <pc:spChg chg="add del">
-          <ac:chgData name="Maxwel de Souza Freitas" userId="0239695f-dad7-46d4-9d4b-7c216ef484a5" providerId="ADAL" clId="{8BDA88E9-3100-447D-A4E0-B887CAB45365}" dt="2024-04-11T15:05:25.587" v="7" actId="26606"/>
-          <ac:spMkLst>
-            <pc:docMk/>
-            <pc:sldMk cId="1668151839" sldId="261"/>
-            <ac:spMk id="47" creationId="{F68B3F68-107C-434F-AA38-110D5EA91B85}"/>
-          </ac:spMkLst>
-        </pc:spChg>
-        <pc:spChg chg="add del">
-          <ac:chgData name="Maxwel de Souza Freitas" userId="0239695f-dad7-46d4-9d4b-7c216ef484a5" providerId="ADAL" clId="{8BDA88E9-3100-447D-A4E0-B887CAB45365}" dt="2024-04-11T15:05:25.587" v="7" actId="26606"/>
-          <ac:spMkLst>
-            <pc:docMk/>
-            <pc:sldMk cId="1668151839" sldId="261"/>
-            <ac:spMk id="48" creationId="{AAD0DBB9-1A4B-4391-81D4-CB19F9AB918A}"/>
-          </ac:spMkLst>
-        </pc:spChg>
-        <pc:spChg chg="add del">
-          <ac:chgData name="Maxwel de Souza Freitas" userId="0239695f-dad7-46d4-9d4b-7c216ef484a5" providerId="ADAL" clId="{8BDA88E9-3100-447D-A4E0-B887CAB45365}" dt="2024-04-11T15:05:25.587" v="7" actId="26606"/>
-          <ac:spMkLst>
-            <pc:docMk/>
-            <pc:sldMk cId="1668151839" sldId="261"/>
-            <ac:spMk id="49" creationId="{063BBA22-50EA-4C4D-BE05-F1CE4E63AA56}"/>
-          </ac:spMkLst>
-        </pc:spChg>
-        <pc:grpChg chg="add del">
-          <ac:chgData name="Maxwel de Souza Freitas" userId="0239695f-dad7-46d4-9d4b-7c216ef484a5" providerId="ADAL" clId="{8BDA88E9-3100-447D-A4E0-B887CAB45365}" dt="2024-04-11T15:04:44.344" v="3" actId="26606"/>
-          <ac:grpSpMkLst>
-            <pc:docMk/>
-            <pc:sldMk cId="1668151839" sldId="261"/>
-            <ac:grpSpMk id="28" creationId="{43F5E015-E085-4624-B431-B42414448684}"/>
-          </ac:grpSpMkLst>
-        </pc:grpChg>
-        <pc:grpChg chg="add del">
-          <ac:chgData name="Maxwel de Souza Freitas" userId="0239695f-dad7-46d4-9d4b-7c216ef484a5" providerId="ADAL" clId="{8BDA88E9-3100-447D-A4E0-B887CAB45365}" dt="2024-04-11T15:04:44.344" v="3" actId="26606"/>
-          <ac:grpSpMkLst>
-            <pc:docMk/>
-            <pc:sldMk cId="1668151839" sldId="261"/>
-            <ac:grpSpMk id="38" creationId="{B3F7A3C7-0737-4E57-B30E-8EEFE638B401}"/>
-          </ac:grpSpMkLst>
-        </pc:grpChg>
-        <pc:graphicFrameChg chg="mod modGraphic">
-          <ac:chgData name="Maxwel de Souza Freitas" userId="0239695f-dad7-46d4-9d4b-7c216ef484a5" providerId="ADAL" clId="{8BDA88E9-3100-447D-A4E0-B887CAB45365}" dt="2024-04-11T15:07:30.860" v="11" actId="12100"/>
-          <ac:graphicFrameMkLst>
-            <pc:docMk/>
-            <pc:sldMk cId="1668151839" sldId="261"/>
-            <ac:graphicFrameMk id="5" creationId="{13ADD1F5-3FD2-5372-492A-A43A162A6CBA}"/>
-          </ac:graphicFrameMkLst>
-        </pc:graphicFrameChg>
-      </pc:sldChg>
-      <pc:sldChg chg="modSp mod">
-        <pc:chgData name="Maxwel de Souza Freitas" userId="0239695f-dad7-46d4-9d4b-7c216ef484a5" providerId="ADAL" clId="{8BDA88E9-3100-447D-A4E0-B887CAB45365}" dt="2024-04-11T15:05:26.089" v="8" actId="20577"/>
-        <pc:sldMkLst>
-          <pc:docMk/>
-          <pc:sldMk cId="3459916763" sldId="262"/>
-        </pc:sldMkLst>
-        <pc:spChg chg="mod">
-          <ac:chgData name="Maxwel de Souza Freitas" userId="0239695f-dad7-46d4-9d4b-7c216ef484a5" providerId="ADAL" clId="{8BDA88E9-3100-447D-A4E0-B887CAB45365}" dt="2024-04-11T15:05:26.089" v="8" actId="20577"/>
-          <ac:spMkLst>
-            <pc:docMk/>
-            <pc:sldMk cId="3459916763" sldId="262"/>
-            <ac:spMk id="2" creationId="{8DB29201-805E-03E1-092B-25A5C60AF15B}"/>
-          </ac:spMkLst>
-        </pc:spChg>
-      </pc:sldChg>
-      <pc:sldChg chg="addSp delSp modSp new mod ord setBg">
-        <pc:chgData name="Maxwel de Souza Freitas" userId="0239695f-dad7-46d4-9d4b-7c216ef484a5" providerId="ADAL" clId="{8BDA88E9-3100-447D-A4E0-B887CAB45365}" dt="2024-04-16T14:03:57.166" v="1814" actId="14100"/>
-        <pc:sldMkLst>
-          <pc:docMk/>
-          <pc:sldMk cId="401374614" sldId="263"/>
-        </pc:sldMkLst>
-        <pc:spChg chg="mod">
-          <ac:chgData name="Maxwel de Souza Freitas" userId="0239695f-dad7-46d4-9d4b-7c216ef484a5" providerId="ADAL" clId="{8BDA88E9-3100-447D-A4E0-B887CAB45365}" dt="2024-04-16T14:03:38.645" v="1812" actId="6549"/>
-          <ac:spMkLst>
-            <pc:docMk/>
-            <pc:sldMk cId="401374614" sldId="263"/>
-            <ac:spMk id="2" creationId="{17DA55F8-0D7B-DCBA-8056-9D6BA0611B69}"/>
-          </ac:spMkLst>
-        </pc:spChg>
-        <pc:spChg chg="mod">
-          <ac:chgData name="Maxwel de Souza Freitas" userId="0239695f-dad7-46d4-9d4b-7c216ef484a5" providerId="ADAL" clId="{8BDA88E9-3100-447D-A4E0-B887CAB45365}" dt="2024-04-16T14:03:57.166" v="1814" actId="14100"/>
-          <ac:spMkLst>
-            <pc:docMk/>
-            <pc:sldMk cId="401374614" sldId="263"/>
-            <ac:spMk id="3" creationId="{BCBCE023-49EA-582B-8811-154E24084356}"/>
-          </ac:spMkLst>
-        </pc:spChg>
-        <pc:spChg chg="add del">
-          <ac:chgData name="Maxwel de Souza Freitas" userId="0239695f-dad7-46d4-9d4b-7c216ef484a5" providerId="ADAL" clId="{8BDA88E9-3100-447D-A4E0-B887CAB45365}" dt="2024-04-11T15:37:31.802" v="175" actId="26606"/>
-          <ac:spMkLst>
-            <pc:docMk/>
-            <pc:sldMk cId="401374614" sldId="263"/>
-            <ac:spMk id="8" creationId="{1B15ED52-F352-441B-82BF-E0EA34836D08}"/>
-          </ac:spMkLst>
-        </pc:spChg>
-        <pc:spChg chg="add del">
-          <ac:chgData name="Maxwel de Souza Freitas" userId="0239695f-dad7-46d4-9d4b-7c216ef484a5" providerId="ADAL" clId="{8BDA88E9-3100-447D-A4E0-B887CAB45365}" dt="2024-04-11T15:37:31.802" v="175" actId="26606"/>
-          <ac:spMkLst>
-            <pc:docMk/>
-            <pc:sldMk cId="401374614" sldId="263"/>
-            <ac:spMk id="10" creationId="{3B2E3793-BFE6-45A2-9B7B-E18844431C99}"/>
-          </ac:spMkLst>
-        </pc:spChg>
-        <pc:spChg chg="add del">
-          <ac:chgData name="Maxwel de Souza Freitas" userId="0239695f-dad7-46d4-9d4b-7c216ef484a5" providerId="ADAL" clId="{8BDA88E9-3100-447D-A4E0-B887CAB45365}" dt="2024-04-11T15:37:31.802" v="175" actId="26606"/>
-          <ac:spMkLst>
-            <pc:docMk/>
-            <pc:sldMk cId="401374614" sldId="263"/>
-            <ac:spMk id="12" creationId="{BC4C4868-CB8F-4AF9-9CDB-8108F2C19B67}"/>
-          </ac:spMkLst>
-        </pc:spChg>
-        <pc:spChg chg="add del">
-          <ac:chgData name="Maxwel de Souza Freitas" userId="0239695f-dad7-46d4-9d4b-7c216ef484a5" providerId="ADAL" clId="{8BDA88E9-3100-447D-A4E0-B887CAB45365}" dt="2024-04-11T15:37:31.802" v="175" actId="26606"/>
-          <ac:spMkLst>
-            <pc:docMk/>
-            <pc:sldMk cId="401374614" sldId="263"/>
-            <ac:spMk id="14" creationId="{375E0459-6403-40CD-989D-56A4407CA12E}"/>
-          </ac:spMkLst>
-        </pc:spChg>
-        <pc:spChg chg="add del">
-          <ac:chgData name="Maxwel de Souza Freitas" userId="0239695f-dad7-46d4-9d4b-7c216ef484a5" providerId="ADAL" clId="{8BDA88E9-3100-447D-A4E0-B887CAB45365}" dt="2024-04-11T15:37:31.802" v="175" actId="26606"/>
-          <ac:spMkLst>
-            <pc:docMk/>
-            <pc:sldMk cId="401374614" sldId="263"/>
-            <ac:spMk id="16" creationId="{53E5B1A8-3AC9-4BD1-9BBC-78CA94F2D1BA}"/>
-          </ac:spMkLst>
-        </pc:spChg>
-        <pc:spChg chg="add">
-          <ac:chgData name="Maxwel de Souza Freitas" userId="0239695f-dad7-46d4-9d4b-7c216ef484a5" providerId="ADAL" clId="{8BDA88E9-3100-447D-A4E0-B887CAB45365}" dt="2024-04-11T15:37:31.802" v="176" actId="26606"/>
-          <ac:spMkLst>
-            <pc:docMk/>
-            <pc:sldMk cId="401374614" sldId="263"/>
-            <ac:spMk id="18" creationId="{A09989E4-EFDC-4A90-A633-E0525FB4139E}"/>
-          </ac:spMkLst>
-        </pc:spChg>
-        <pc:spChg chg="add">
-          <ac:chgData name="Maxwel de Souza Freitas" userId="0239695f-dad7-46d4-9d4b-7c216ef484a5" providerId="ADAL" clId="{8BDA88E9-3100-447D-A4E0-B887CAB45365}" dt="2024-04-11T15:37:31.802" v="176" actId="26606"/>
-          <ac:spMkLst>
-            <pc:docMk/>
-            <pc:sldMk cId="401374614" sldId="263"/>
-            <ac:spMk id="19" creationId="{DEE2AD96-B495-4E06-9291-B71706F728CB}"/>
-          </ac:spMkLst>
-        </pc:spChg>
-        <pc:spChg chg="add">
-          <ac:chgData name="Maxwel de Souza Freitas" userId="0239695f-dad7-46d4-9d4b-7c216ef484a5" providerId="ADAL" clId="{8BDA88E9-3100-447D-A4E0-B887CAB45365}" dt="2024-04-11T15:37:31.802" v="176" actId="26606"/>
-          <ac:spMkLst>
-            <pc:docMk/>
-            <pc:sldMk cId="401374614" sldId="263"/>
-            <ac:spMk id="20" creationId="{53CF6D67-C5A8-4ADD-9E8E-1E38CA1D3166}"/>
-          </ac:spMkLst>
-        </pc:spChg>
-        <pc:spChg chg="add">
-          <ac:chgData name="Maxwel de Souza Freitas" userId="0239695f-dad7-46d4-9d4b-7c216ef484a5" providerId="ADAL" clId="{8BDA88E9-3100-447D-A4E0-B887CAB45365}" dt="2024-04-11T15:37:31.802" v="176" actId="26606"/>
-          <ac:spMkLst>
-            <pc:docMk/>
-            <pc:sldMk cId="401374614" sldId="263"/>
-            <ac:spMk id="21" creationId="{86909FA0-B515-4681-B7A8-FA281D133B94}"/>
-          </ac:spMkLst>
-        </pc:spChg>
-        <pc:spChg chg="add">
-          <ac:chgData name="Maxwel de Souza Freitas" userId="0239695f-dad7-46d4-9d4b-7c216ef484a5" providerId="ADAL" clId="{8BDA88E9-3100-447D-A4E0-B887CAB45365}" dt="2024-04-11T15:37:31.802" v="176" actId="26606"/>
-          <ac:spMkLst>
-            <pc:docMk/>
-            <pc:sldMk cId="401374614" sldId="263"/>
-            <ac:spMk id="22" creationId="{21C9FE86-FCC3-4A31-AA1C-C882262B7FE7}"/>
-          </ac:spMkLst>
-        </pc:spChg>
-        <pc:spChg chg="add">
-          <ac:chgData name="Maxwel de Souza Freitas" userId="0239695f-dad7-46d4-9d4b-7c216ef484a5" providerId="ADAL" clId="{8BDA88E9-3100-447D-A4E0-B887CAB45365}" dt="2024-04-11T15:37:31.802" v="176" actId="26606"/>
-          <ac:spMkLst>
-            <pc:docMk/>
-            <pc:sldMk cId="401374614" sldId="263"/>
-            <ac:spMk id="23" creationId="{7D96243B-ECED-4B71-8E06-AE9A285EAD20}"/>
-          </ac:spMkLst>
-        </pc:spChg>
-      </pc:sldChg>
-      <pc:sldChg chg="modSp mod">
-        <pc:chgData name="Maxwel de Souza Freitas" userId="0239695f-dad7-46d4-9d4b-7c216ef484a5" providerId="ADAL" clId="{8BDA88E9-3100-447D-A4E0-B887CAB45365}" dt="2024-04-12T14:34:22.353" v="197" actId="113"/>
-        <pc:sldMkLst>
-          <pc:docMk/>
-          <pc:sldMk cId="296239340" sldId="265"/>
-        </pc:sldMkLst>
-        <pc:spChg chg="mod">
-          <ac:chgData name="Maxwel de Souza Freitas" userId="0239695f-dad7-46d4-9d4b-7c216ef484a5" providerId="ADAL" clId="{8BDA88E9-3100-447D-A4E0-B887CAB45365}" dt="2024-04-12T14:34:22.353" v="197" actId="113"/>
-          <ac:spMkLst>
-            <pc:docMk/>
-            <pc:sldMk cId="296239340" sldId="265"/>
-            <ac:spMk id="25" creationId="{A2E5CAE9-AEBD-8F16-45E2-6C6BB4BA57F5}"/>
-          </ac:spMkLst>
-        </pc:spChg>
-      </pc:sldChg>
-      <pc:sldChg chg="modSp mod ord">
-        <pc:chgData name="Maxwel de Souza Freitas" userId="0239695f-dad7-46d4-9d4b-7c216ef484a5" providerId="ADAL" clId="{8BDA88E9-3100-447D-A4E0-B887CAB45365}" dt="2024-04-16T14:02:35.673" v="1675" actId="20577"/>
-        <pc:sldMkLst>
-          <pc:docMk/>
-          <pc:sldMk cId="1335820889" sldId="266"/>
-        </pc:sldMkLst>
-        <pc:spChg chg="mod">
-          <ac:chgData name="Maxwel de Souza Freitas" userId="0239695f-dad7-46d4-9d4b-7c216ef484a5" providerId="ADAL" clId="{8BDA88E9-3100-447D-A4E0-B887CAB45365}" dt="2024-04-16T14:02:35.673" v="1675" actId="20577"/>
-          <ac:spMkLst>
-            <pc:docMk/>
-            <pc:sldMk cId="1335820889" sldId="266"/>
-            <ac:spMk id="2" creationId="{FF793BD3-4745-E603-1B4A-91C33297DA13}"/>
-          </ac:spMkLst>
-        </pc:spChg>
-      </pc:sldChg>
-      <pc:sldChg chg="modSp mod ord">
-        <pc:chgData name="Maxwel de Souza Freitas" userId="0239695f-dad7-46d4-9d4b-7c216ef484a5" providerId="ADAL" clId="{8BDA88E9-3100-447D-A4E0-B887CAB45365}" dt="2024-04-16T14:02:49.605" v="1690" actId="20577"/>
-        <pc:sldMkLst>
-          <pc:docMk/>
-          <pc:sldMk cId="1352238549" sldId="267"/>
-        </pc:sldMkLst>
-        <pc:spChg chg="mod">
-          <ac:chgData name="Maxwel de Souza Freitas" userId="0239695f-dad7-46d4-9d4b-7c216ef484a5" providerId="ADAL" clId="{8BDA88E9-3100-447D-A4E0-B887CAB45365}" dt="2024-04-16T14:02:49.605" v="1690" actId="20577"/>
-          <ac:spMkLst>
-            <pc:docMk/>
-            <pc:sldMk cId="1352238549" sldId="267"/>
-            <ac:spMk id="2" creationId="{FF793BD3-4745-E603-1B4A-91C33297DA13}"/>
-          </ac:spMkLst>
-        </pc:spChg>
-        <pc:picChg chg="mod">
-          <ac:chgData name="Maxwel de Souza Freitas" userId="0239695f-dad7-46d4-9d4b-7c216ef484a5" providerId="ADAL" clId="{8BDA88E9-3100-447D-A4E0-B887CAB45365}" dt="2024-04-12T14:38:33.288" v="279" actId="1076"/>
-          <ac:picMkLst>
-            <pc:docMk/>
-            <pc:sldMk cId="1352238549" sldId="267"/>
-            <ac:picMk id="5" creationId="{643FD417-68FC-A8BB-9828-EDFE7B2B97D1}"/>
-          </ac:picMkLst>
-        </pc:picChg>
-        <pc:picChg chg="mod">
-          <ac:chgData name="Maxwel de Souza Freitas" userId="0239695f-dad7-46d4-9d4b-7c216ef484a5" providerId="ADAL" clId="{8BDA88E9-3100-447D-A4E0-B887CAB45365}" dt="2024-04-12T14:38:33.288" v="279" actId="1076"/>
-          <ac:picMkLst>
-            <pc:docMk/>
-            <pc:sldMk cId="1352238549" sldId="267"/>
-            <ac:picMk id="10" creationId="{03B971A3-2464-9F77-E15D-6029A40A7CEC}"/>
-          </ac:picMkLst>
-        </pc:picChg>
-      </pc:sldChg>
-      <pc:sldChg chg="addSp delSp modSp mod">
-        <pc:chgData name="Maxwel de Souza Freitas" userId="0239695f-dad7-46d4-9d4b-7c216ef484a5" providerId="ADAL" clId="{8BDA88E9-3100-447D-A4E0-B887CAB45365}" dt="2024-04-16T14:03:14.456" v="1727" actId="20577"/>
-        <pc:sldMkLst>
-          <pc:docMk/>
-          <pc:sldMk cId="296171236" sldId="268"/>
-        </pc:sldMkLst>
-        <pc:spChg chg="mod">
-          <ac:chgData name="Maxwel de Souza Freitas" userId="0239695f-dad7-46d4-9d4b-7c216ef484a5" providerId="ADAL" clId="{8BDA88E9-3100-447D-A4E0-B887CAB45365}" dt="2024-04-16T14:03:14.456" v="1727" actId="20577"/>
-          <ac:spMkLst>
-            <pc:docMk/>
-            <pc:sldMk cId="296171236" sldId="268"/>
-            <ac:spMk id="2" creationId="{FF793BD3-4745-E603-1B4A-91C33297DA13}"/>
-          </ac:spMkLst>
-        </pc:spChg>
-        <pc:spChg chg="add mod">
-          <ac:chgData name="Maxwel de Souza Freitas" userId="0239695f-dad7-46d4-9d4b-7c216ef484a5" providerId="ADAL" clId="{8BDA88E9-3100-447D-A4E0-B887CAB45365}" dt="2024-04-16T13:54:03.260" v="1068" actId="1076"/>
-          <ac:spMkLst>
-            <pc:docMk/>
-            <pc:sldMk cId="296171236" sldId="268"/>
-            <ac:spMk id="3" creationId="{2FAC1DCA-5E57-C323-0C2C-94FB409E33E7}"/>
-          </ac:spMkLst>
-        </pc:spChg>
-        <pc:spChg chg="del mod">
-          <ac:chgData name="Maxwel de Souza Freitas" userId="0239695f-dad7-46d4-9d4b-7c216ef484a5" providerId="ADAL" clId="{8BDA88E9-3100-447D-A4E0-B887CAB45365}" dt="2024-04-12T14:42:43.366" v="379" actId="26606"/>
-          <ac:spMkLst>
-            <pc:docMk/>
-            <pc:sldMk cId="296171236" sldId="268"/>
-            <ac:spMk id="4" creationId="{1FA8C9FA-E8C5-A3D7-A533-F8247307C167}"/>
-          </ac:spMkLst>
-        </pc:spChg>
-        <pc:spChg chg="add del mod">
-          <ac:chgData name="Maxwel de Souza Freitas" userId="0239695f-dad7-46d4-9d4b-7c216ef484a5" providerId="ADAL" clId="{8BDA88E9-3100-447D-A4E0-B887CAB45365}" dt="2024-04-16T13:51:30.764" v="1018" actId="478"/>
-          <ac:spMkLst>
-            <pc:docMk/>
-            <pc:sldMk cId="296171236" sldId="268"/>
-            <ac:spMk id="5" creationId="{4F6E7B34-6D8F-2EE5-3E1E-F58164C851DE}"/>
-          </ac:spMkLst>
-        </pc:spChg>
-        <pc:spChg chg="add mod">
-          <ac:chgData name="Maxwel de Souza Freitas" userId="0239695f-dad7-46d4-9d4b-7c216ef484a5" providerId="ADAL" clId="{8BDA88E9-3100-447D-A4E0-B887CAB45365}" dt="2024-04-12T14:45:33.546" v="422" actId="1076"/>
-          <ac:spMkLst>
-            <pc:docMk/>
-            <pc:sldMk cId="296171236" sldId="268"/>
-            <ac:spMk id="7" creationId="{99445FD9-5961-AD4F-EA65-BC976DF9BAB3}"/>
-          </ac:spMkLst>
-        </pc:spChg>
-        <pc:spChg chg="add del">
-          <ac:chgData name="Maxwel de Souza Freitas" userId="0239695f-dad7-46d4-9d4b-7c216ef484a5" providerId="ADAL" clId="{8BDA88E9-3100-447D-A4E0-B887CAB45365}" dt="2024-04-12T14:43:14.884" v="382" actId="26606"/>
-          <ac:spMkLst>
-            <pc:docMk/>
-            <pc:sldMk cId="296171236" sldId="268"/>
-            <ac:spMk id="9" creationId="{BACC6370-2D7E-4714-9D71-7542949D7D5D}"/>
-          </ac:spMkLst>
-        </pc:spChg>
-        <pc:spChg chg="add del">
-          <ac:chgData name="Maxwel de Souza Freitas" userId="0239695f-dad7-46d4-9d4b-7c216ef484a5" providerId="ADAL" clId="{8BDA88E9-3100-447D-A4E0-B887CAB45365}" dt="2024-04-12T14:43:14.884" v="382" actId="26606"/>
-          <ac:spMkLst>
-            <pc:docMk/>
-            <pc:sldMk cId="296171236" sldId="268"/>
-            <ac:spMk id="11" creationId="{F68B3F68-107C-434F-AA38-110D5EA91B85}"/>
-          </ac:spMkLst>
-        </pc:spChg>
-        <pc:spChg chg="add del">
-          <ac:chgData name="Maxwel de Souza Freitas" userId="0239695f-dad7-46d4-9d4b-7c216ef484a5" providerId="ADAL" clId="{8BDA88E9-3100-447D-A4E0-B887CAB45365}" dt="2024-04-12T14:43:14.884" v="382" actId="26606"/>
-          <ac:spMkLst>
-            <pc:docMk/>
-            <pc:sldMk cId="296171236" sldId="268"/>
-            <ac:spMk id="13" creationId="{AAD0DBB9-1A4B-4391-81D4-CB19F9AB918A}"/>
-          </ac:spMkLst>
-        </pc:spChg>
-        <pc:spChg chg="add del">
-          <ac:chgData name="Maxwel de Souza Freitas" userId="0239695f-dad7-46d4-9d4b-7c216ef484a5" providerId="ADAL" clId="{8BDA88E9-3100-447D-A4E0-B887CAB45365}" dt="2024-04-12T14:43:14.884" v="382" actId="26606"/>
-          <ac:spMkLst>
-            <pc:docMk/>
-            <pc:sldMk cId="296171236" sldId="268"/>
-            <ac:spMk id="15" creationId="{063BBA22-50EA-4C4D-BE05-F1CE4E63AA56}"/>
-          </ac:spMkLst>
-        </pc:spChg>
-        <pc:spChg chg="add del">
-          <ac:chgData name="Maxwel de Souza Freitas" userId="0239695f-dad7-46d4-9d4b-7c216ef484a5" providerId="ADAL" clId="{8BDA88E9-3100-447D-A4E0-B887CAB45365}" dt="2024-04-12T14:43:14.884" v="382" actId="26606"/>
-          <ac:spMkLst>
-            <pc:docMk/>
-            <pc:sldMk cId="296171236" sldId="268"/>
-            <ac:spMk id="22" creationId="{12609869-9E80-471B-A487-A53288E0E791}"/>
-          </ac:spMkLst>
-        </pc:spChg>
-        <pc:spChg chg="add del">
-          <ac:chgData name="Maxwel de Souza Freitas" userId="0239695f-dad7-46d4-9d4b-7c216ef484a5" providerId="ADAL" clId="{8BDA88E9-3100-447D-A4E0-B887CAB45365}" dt="2024-04-12T14:43:14.884" v="382" actId="26606"/>
-          <ac:spMkLst>
-            <pc:docMk/>
-            <pc:sldMk cId="296171236" sldId="268"/>
-            <ac:spMk id="24" creationId="{7004738A-9D34-43E8-97D2-CA0EED4F8BE0}"/>
-          </ac:spMkLst>
-        </pc:spChg>
-        <pc:spChg chg="add del">
-          <ac:chgData name="Maxwel de Souza Freitas" userId="0239695f-dad7-46d4-9d4b-7c216ef484a5" providerId="ADAL" clId="{8BDA88E9-3100-447D-A4E0-B887CAB45365}" dt="2024-04-12T14:43:14.884" v="382" actId="26606"/>
-          <ac:spMkLst>
-            <pc:docMk/>
-            <pc:sldMk cId="296171236" sldId="268"/>
-            <ac:spMk id="26" creationId="{B8B8D07F-F13E-443E-BA68-2D26672D76B9}"/>
-          </ac:spMkLst>
-        </pc:spChg>
-        <pc:spChg chg="add del">
-          <ac:chgData name="Maxwel de Souza Freitas" userId="0239695f-dad7-46d4-9d4b-7c216ef484a5" providerId="ADAL" clId="{8BDA88E9-3100-447D-A4E0-B887CAB45365}" dt="2024-04-12T14:43:14.884" v="382" actId="26606"/>
-          <ac:spMkLst>
-            <pc:docMk/>
-            <pc:sldMk cId="296171236" sldId="268"/>
-            <ac:spMk id="28" creationId="{2813A4FA-24A5-41ED-A534-3807D1B2F344}"/>
-          </ac:spMkLst>
-        </pc:spChg>
-        <pc:spChg chg="add del">
-          <ac:chgData name="Maxwel de Souza Freitas" userId="0239695f-dad7-46d4-9d4b-7c216ef484a5" providerId="ADAL" clId="{8BDA88E9-3100-447D-A4E0-B887CAB45365}" dt="2024-04-12T14:43:14.884" v="382" actId="26606"/>
-          <ac:spMkLst>
-            <pc:docMk/>
-            <pc:sldMk cId="296171236" sldId="268"/>
-            <ac:spMk id="30" creationId="{C3944F27-CA70-4E84-A51A-E6BF89558979}"/>
-          </ac:spMkLst>
-        </pc:spChg>
-        <pc:spChg chg="del mod">
-          <ac:chgData name="Maxwel de Souza Freitas" userId="0239695f-dad7-46d4-9d4b-7c216ef484a5" providerId="ADAL" clId="{8BDA88E9-3100-447D-A4E0-B887CAB45365}" dt="2024-04-16T13:47:37.363" v="853" actId="478"/>
-          <ac:spMkLst>
-            <pc:docMk/>
-            <pc:sldMk cId="296171236" sldId="268"/>
-            <ac:spMk id="32" creationId="{A7457AB2-1FD8-E729-C0B2-8343B023BA11}"/>
-          </ac:spMkLst>
-        </pc:spChg>
-        <pc:spChg chg="del mod">
-          <ac:chgData name="Maxwel de Souza Freitas" userId="0239695f-dad7-46d4-9d4b-7c216ef484a5" providerId="ADAL" clId="{8BDA88E9-3100-447D-A4E0-B887CAB45365}" dt="2024-04-16T13:48:11.095" v="879" actId="478"/>
-          <ac:spMkLst>
-            <pc:docMk/>
-            <pc:sldMk cId="296171236" sldId="268"/>
-            <ac:spMk id="34" creationId="{69959E89-907B-11F7-196E-01781863D47F}"/>
-          </ac:spMkLst>
-        </pc:spChg>
-        <pc:grpChg chg="mod">
-          <ac:chgData name="Maxwel de Souza Freitas" userId="0239695f-dad7-46d4-9d4b-7c216ef484a5" providerId="ADAL" clId="{8BDA88E9-3100-447D-A4E0-B887CAB45365}" dt="2024-04-16T13:53:37.686" v="1059" actId="1076"/>
-          <ac:grpSpMkLst>
-            <pc:docMk/>
-            <pc:sldMk cId="296171236" sldId="268"/>
-            <ac:grpSpMk id="33" creationId="{600E6F16-E483-D519-DD61-1A02C94E4E11}"/>
-          </ac:grpSpMkLst>
-        </pc:grpChg>
-        <pc:graphicFrameChg chg="add del mod ord modGraphic">
-          <ac:chgData name="Maxwel de Souza Freitas" userId="0239695f-dad7-46d4-9d4b-7c216ef484a5" providerId="ADAL" clId="{8BDA88E9-3100-447D-A4E0-B887CAB45365}" dt="2024-04-12T14:44:12.854" v="383" actId="478"/>
-          <ac:graphicFrameMkLst>
-            <pc:docMk/>
-            <pc:sldMk cId="296171236" sldId="268"/>
-            <ac:graphicFrameMk id="17" creationId="{C4A88F7D-A891-2283-9C32-A11967E78FCE}"/>
-          </ac:graphicFrameMkLst>
-        </pc:graphicFrameChg>
-        <pc:graphicFrameChg chg="mod">
-          <ac:chgData name="Maxwel de Souza Freitas" userId="0239695f-dad7-46d4-9d4b-7c216ef484a5" providerId="ADAL" clId="{8BDA88E9-3100-447D-A4E0-B887CAB45365}" dt="2024-04-16T13:50:10.818" v="977" actId="20577"/>
-          <ac:graphicFrameMkLst>
-            <pc:docMk/>
-            <pc:sldMk cId="296171236" sldId="268"/>
-            <ac:graphicFrameMk id="29" creationId="{AC5F890F-9C4F-76C8-2C9F-B85F3E009FD8}"/>
-          </ac:graphicFrameMkLst>
-        </pc:graphicFrameChg>
-        <pc:picChg chg="add mod">
-          <ac:chgData name="Maxwel de Souza Freitas" userId="0239695f-dad7-46d4-9d4b-7c216ef484a5" providerId="ADAL" clId="{8BDA88E9-3100-447D-A4E0-B887CAB45365}" dt="2024-04-12T14:45:35.690" v="423" actId="1076"/>
-          <ac:picMkLst>
-            <pc:docMk/>
-            <pc:sldMk cId="296171236" sldId="268"/>
-            <ac:picMk id="5" creationId="{C8AC20BE-97C4-F595-E051-02A3E8FF99F8}"/>
-          </ac:picMkLst>
-        </pc:picChg>
-        <pc:picChg chg="add del mod ord">
-          <ac:chgData name="Maxwel de Souza Freitas" userId="0239695f-dad7-46d4-9d4b-7c216ef484a5" providerId="ADAL" clId="{8BDA88E9-3100-447D-A4E0-B887CAB45365}" dt="2024-04-16T13:54:09.395" v="1069" actId="478"/>
-          <ac:picMkLst>
-            <pc:docMk/>
-            <pc:sldMk cId="296171236" sldId="268"/>
-            <ac:picMk id="26" creationId="{195F3A70-4756-0241-323C-32EC55A44B85}"/>
-          </ac:picMkLst>
-        </pc:picChg>
-      </pc:sldChg>
-      <pc:sldChg chg="modSp mod ord">
-        <pc:chgData name="Maxwel de Souza Freitas" userId="0239695f-dad7-46d4-9d4b-7c216ef484a5" providerId="ADAL" clId="{8BDA88E9-3100-447D-A4E0-B887CAB45365}" dt="2024-04-16T14:02:44.133" v="1689" actId="20577"/>
-        <pc:sldMkLst>
-          <pc:docMk/>
-          <pc:sldMk cId="2974336303" sldId="269"/>
-        </pc:sldMkLst>
-        <pc:spChg chg="mod">
-          <ac:chgData name="Maxwel de Souza Freitas" userId="0239695f-dad7-46d4-9d4b-7c216ef484a5" providerId="ADAL" clId="{8BDA88E9-3100-447D-A4E0-B887CAB45365}" dt="2024-04-16T14:02:44.133" v="1689" actId="20577"/>
-          <ac:spMkLst>
-            <pc:docMk/>
-            <pc:sldMk cId="2974336303" sldId="269"/>
-            <ac:spMk id="2" creationId="{FF793BD3-4745-E603-1B4A-91C33297DA13}"/>
-          </ac:spMkLst>
-        </pc:spChg>
-      </pc:sldChg>
-      <pc:sldChg chg="modSp new del mod">
-        <pc:chgData name="Maxwel de Souza Freitas" userId="0239695f-dad7-46d4-9d4b-7c216ef484a5" providerId="ADAL" clId="{8BDA88E9-3100-447D-A4E0-B887CAB45365}" dt="2024-04-12T14:35:32.669" v="276" actId="2696"/>
-        <pc:sldMkLst>
-          <pc:docMk/>
-          <pc:sldMk cId="1072537259" sldId="270"/>
-        </pc:sldMkLst>
-        <pc:spChg chg="mod">
-          <ac:chgData name="Maxwel de Souza Freitas" userId="0239695f-dad7-46d4-9d4b-7c216ef484a5" providerId="ADAL" clId="{8BDA88E9-3100-447D-A4E0-B887CAB45365}" dt="2024-04-12T14:35:02.911" v="275" actId="20577"/>
-          <ac:spMkLst>
-            <pc:docMk/>
-            <pc:sldMk cId="1072537259" sldId="270"/>
-            <ac:spMk id="3" creationId="{F90B4C3E-EC0B-6A35-F19D-E534DDE21D6F}"/>
-          </ac:spMkLst>
-        </pc:spChg>
-      </pc:sldChg>
-      <pc:sldChg chg="add del">
-        <pc:chgData name="Maxwel de Souza Freitas" userId="0239695f-dad7-46d4-9d4b-7c216ef484a5" providerId="ADAL" clId="{8BDA88E9-3100-447D-A4E0-B887CAB45365}" dt="2024-04-12T14:33:50.850" v="196" actId="47"/>
-        <pc:sldMkLst>
-          <pc:docMk/>
-          <pc:sldMk cId="1677260576" sldId="270"/>
-        </pc:sldMkLst>
-      </pc:sldChg>
-      <pc:sldChg chg="add del">
-        <pc:chgData name="Maxwel de Souza Freitas" userId="0239695f-dad7-46d4-9d4b-7c216ef484a5" providerId="ADAL" clId="{8BDA88E9-3100-447D-A4E0-B887CAB45365}" dt="2024-04-16T14:10:24.409" v="2082" actId="2696"/>
-        <pc:sldMkLst>
-          <pc:docMk/>
-          <pc:sldMk cId="2657984257" sldId="270"/>
-        </pc:sldMkLst>
-      </pc:sldChg>
-      <pc:sldChg chg="modSp add mod">
-        <pc:chgData name="Maxwel de Souza Freitas" userId="0239695f-dad7-46d4-9d4b-7c216ef484a5" providerId="ADAL" clId="{8BDA88E9-3100-447D-A4E0-B887CAB45365}" dt="2024-04-12T14:48:36.037" v="808" actId="20577"/>
-        <pc:sldMkLst>
-          <pc:docMk/>
-          <pc:sldMk cId="2751659751" sldId="271"/>
-        </pc:sldMkLst>
-        <pc:spChg chg="mod">
-          <ac:chgData name="Maxwel de Souza Freitas" userId="0239695f-dad7-46d4-9d4b-7c216ef484a5" providerId="ADAL" clId="{8BDA88E9-3100-447D-A4E0-B887CAB45365}" dt="2024-04-12T14:45:54.006" v="445" actId="20577"/>
-          <ac:spMkLst>
-            <pc:docMk/>
-            <pc:sldMk cId="2751659751" sldId="271"/>
-            <ac:spMk id="2" creationId="{FF793BD3-4745-E603-1B4A-91C33297DA13}"/>
-          </ac:spMkLst>
-        </pc:spChg>
-        <pc:spChg chg="mod">
-          <ac:chgData name="Maxwel de Souza Freitas" userId="0239695f-dad7-46d4-9d4b-7c216ef484a5" providerId="ADAL" clId="{8BDA88E9-3100-447D-A4E0-B887CAB45365}" dt="2024-04-12T14:48:36.037" v="808" actId="20577"/>
-          <ac:spMkLst>
-            <pc:docMk/>
-            <pc:sldMk cId="2751659751" sldId="271"/>
-            <ac:spMk id="4" creationId="{1FA8C9FA-E8C5-A3D7-A533-F8247307C167}"/>
-          </ac:spMkLst>
-        </pc:spChg>
-      </pc:sldChg>
-      <pc:sldChg chg="modSp mod">
-        <pc:chgData name="Maxwel de Souza Freitas" userId="0239695f-dad7-46d4-9d4b-7c216ef484a5" providerId="ADAL" clId="{8BDA88E9-3100-447D-A4E0-B887CAB45365}" dt="2024-04-16T14:01:16.561" v="1552" actId="20577"/>
-        <pc:sldMkLst>
-          <pc:docMk/>
-          <pc:sldMk cId="3203546162" sldId="272"/>
-        </pc:sldMkLst>
-        <pc:spChg chg="mod">
-          <ac:chgData name="Maxwel de Souza Freitas" userId="0239695f-dad7-46d4-9d4b-7c216ef484a5" providerId="ADAL" clId="{8BDA88E9-3100-447D-A4E0-B887CAB45365}" dt="2024-04-16T14:01:16.561" v="1552" actId="20577"/>
-          <ac:spMkLst>
-            <pc:docMk/>
-            <pc:sldMk cId="3203546162" sldId="272"/>
-            <ac:spMk id="2" creationId="{FF793BD3-4745-E603-1B4A-91C33297DA13}"/>
-          </ac:spMkLst>
-        </pc:spChg>
-      </pc:sldChg>
-      <pc:sldChg chg="ord">
-        <pc:chgData name="Maxwel de Souza Freitas" userId="0239695f-dad7-46d4-9d4b-7c216ef484a5" providerId="ADAL" clId="{8BDA88E9-3100-447D-A4E0-B887CAB45365}" dt="2024-04-16T14:02:29.963" v="1662"/>
-        <pc:sldMkLst>
-          <pc:docMk/>
-          <pc:sldMk cId="3814030828" sldId="273"/>
-        </pc:sldMkLst>
       </pc:sldChg>
     </pc:docChg>
   </pc:docChgLst>
@@ -16601,7 +16604,7 @@
           <a:p>
             <a:fld id="{0E52DCBA-8F29-4E10-A9AC-017EAE31ED16}" type="datetimeFigureOut">
               <a:rPr lang="pt-BR" smtClean="0"/>
-              <a:t>16/04/2024</a:t>
+              <a:t>24/04/2024</a:t>
             </a:fld>
             <a:endParaRPr lang="pt-BR"/>
           </a:p>
@@ -16933,7 +16936,7 @@
           <a:p>
             <a:fld id="{DF9577CB-31A4-442D-8D66-639224F646A4}" type="slidenum">
               <a:rPr lang="pt-BR" smtClean="0"/>
-              <a:t>14</a:t>
+              <a:t>15</a:t>
             </a:fld>
             <a:endParaRPr lang="pt-BR"/>
           </a:p>
@@ -16943,6 +16946,174 @@
     <p:extLst>
       <p:ext uri="{BB962C8B-B14F-4D97-AF65-F5344CB8AC3E}">
         <p14:creationId xmlns:p14="http://schemas.microsoft.com/office/powerpoint/2010/main" val="742113083"/>
+      </p:ext>
+    </p:extLst>
+  </p:cSld>
+  <p:clrMapOvr>
+    <a:masterClrMapping/>
+  </p:clrMapOvr>
+</p:notes>
+</file>
+
+<file path=ppt/notesSlides/notesSlide2.xml><?xml version="1.0" encoding="utf-8"?>
+<p:notes xmlns:a="http://schemas.openxmlformats.org/drawingml/2006/main" xmlns:r="http://schemas.openxmlformats.org/officeDocument/2006/relationships" xmlns:p="http://schemas.openxmlformats.org/presentationml/2006/main">
+  <p:cSld>
+    <p:spTree>
+      <p:nvGrpSpPr>
+        <p:cNvPr id="1" name=""/>
+        <p:cNvGrpSpPr/>
+        <p:nvPr/>
+      </p:nvGrpSpPr>
+      <p:grpSpPr>
+        <a:xfrm>
+          <a:off x="0" y="0"/>
+          <a:ext cx="0" cy="0"/>
+          <a:chOff x="0" y="0"/>
+          <a:chExt cx="0" cy="0"/>
+        </a:xfrm>
+      </p:grpSpPr>
+      <p:sp>
+        <p:nvSpPr>
+          <p:cNvPr id="2" name="Espaço Reservado para Imagem de Slide 1"/>
+          <p:cNvSpPr>
+            <a:spLocks noGrp="1" noRot="1" noChangeAspect="1"/>
+          </p:cNvSpPr>
+          <p:nvPr>
+            <p:ph type="sldImg"/>
+          </p:nvPr>
+        </p:nvSpPr>
+        <p:spPr/>
+      </p:sp>
+      <p:sp>
+        <p:nvSpPr>
+          <p:cNvPr id="3" name="Espaço Reservado para Anotações 2"/>
+          <p:cNvSpPr>
+            <a:spLocks noGrp="1"/>
+          </p:cNvSpPr>
+          <p:nvPr>
+            <p:ph type="body" idx="1"/>
+          </p:nvPr>
+        </p:nvSpPr>
+        <p:spPr/>
+        <p:txBody>
+          <a:bodyPr/>
+          <a:lstStyle/>
+          <a:p>
+            <a:endParaRPr lang="pt-BR" dirty="0"/>
+          </a:p>
+        </p:txBody>
+      </p:sp>
+      <p:sp>
+        <p:nvSpPr>
+          <p:cNvPr id="4" name="Espaço Reservado para Número de Slide 3"/>
+          <p:cNvSpPr>
+            <a:spLocks noGrp="1"/>
+          </p:cNvSpPr>
+          <p:nvPr>
+            <p:ph type="sldNum" sz="quarter" idx="5"/>
+          </p:nvPr>
+        </p:nvSpPr>
+        <p:spPr/>
+        <p:txBody>
+          <a:bodyPr/>
+          <a:lstStyle/>
+          <a:p>
+            <a:fld id="{DF9577CB-31A4-442D-8D66-639224F646A4}" type="slidenum">
+              <a:rPr lang="pt-BR" smtClean="0"/>
+              <a:t>16</a:t>
+            </a:fld>
+            <a:endParaRPr lang="pt-BR"/>
+          </a:p>
+        </p:txBody>
+      </p:sp>
+    </p:spTree>
+    <p:extLst>
+      <p:ext uri="{BB962C8B-B14F-4D97-AF65-F5344CB8AC3E}">
+        <p14:creationId xmlns:p14="http://schemas.microsoft.com/office/powerpoint/2010/main" val="4185133746"/>
+      </p:ext>
+    </p:extLst>
+  </p:cSld>
+  <p:clrMapOvr>
+    <a:masterClrMapping/>
+  </p:clrMapOvr>
+</p:notes>
+</file>
+
+<file path=ppt/notesSlides/notesSlide3.xml><?xml version="1.0" encoding="utf-8"?>
+<p:notes xmlns:a="http://schemas.openxmlformats.org/drawingml/2006/main" xmlns:r="http://schemas.openxmlformats.org/officeDocument/2006/relationships" xmlns:p="http://schemas.openxmlformats.org/presentationml/2006/main">
+  <p:cSld>
+    <p:spTree>
+      <p:nvGrpSpPr>
+        <p:cNvPr id="1" name=""/>
+        <p:cNvGrpSpPr/>
+        <p:nvPr/>
+      </p:nvGrpSpPr>
+      <p:grpSpPr>
+        <a:xfrm>
+          <a:off x="0" y="0"/>
+          <a:ext cx="0" cy="0"/>
+          <a:chOff x="0" y="0"/>
+          <a:chExt cx="0" cy="0"/>
+        </a:xfrm>
+      </p:grpSpPr>
+      <p:sp>
+        <p:nvSpPr>
+          <p:cNvPr id="2" name="Espaço Reservado para Imagem de Slide 1"/>
+          <p:cNvSpPr>
+            <a:spLocks noGrp="1" noRot="1" noChangeAspect="1"/>
+          </p:cNvSpPr>
+          <p:nvPr>
+            <p:ph type="sldImg"/>
+          </p:nvPr>
+        </p:nvSpPr>
+        <p:spPr/>
+      </p:sp>
+      <p:sp>
+        <p:nvSpPr>
+          <p:cNvPr id="3" name="Espaço Reservado para Anotações 2"/>
+          <p:cNvSpPr>
+            <a:spLocks noGrp="1"/>
+          </p:cNvSpPr>
+          <p:nvPr>
+            <p:ph type="body" idx="1"/>
+          </p:nvPr>
+        </p:nvSpPr>
+        <p:spPr/>
+        <p:txBody>
+          <a:bodyPr/>
+          <a:lstStyle/>
+          <a:p>
+            <a:endParaRPr lang="pt-BR" dirty="0"/>
+          </a:p>
+        </p:txBody>
+      </p:sp>
+      <p:sp>
+        <p:nvSpPr>
+          <p:cNvPr id="4" name="Espaço Reservado para Número de Slide 3"/>
+          <p:cNvSpPr>
+            <a:spLocks noGrp="1"/>
+          </p:cNvSpPr>
+          <p:nvPr>
+            <p:ph type="sldNum" sz="quarter" idx="5"/>
+          </p:nvPr>
+        </p:nvSpPr>
+        <p:spPr/>
+        <p:txBody>
+          <a:bodyPr/>
+          <a:lstStyle/>
+          <a:p>
+            <a:fld id="{DF9577CB-31A4-442D-8D66-639224F646A4}" type="slidenum">
+              <a:rPr lang="pt-BR" smtClean="0"/>
+              <a:t>17</a:t>
+            </a:fld>
+            <a:endParaRPr lang="pt-BR"/>
+          </a:p>
+        </p:txBody>
+      </p:sp>
+    </p:spTree>
+    <p:extLst>
+      <p:ext uri="{BB962C8B-B14F-4D97-AF65-F5344CB8AC3E}">
+        <p14:creationId xmlns:p14="http://schemas.microsoft.com/office/powerpoint/2010/main" val="2840585829"/>
       </p:ext>
     </p:extLst>
   </p:cSld>
@@ -17099,7 +17270,7 @@
           <a:p>
             <a:fld id="{40D7584C-3471-4196-BC25-494276B5A492}" type="datetimeFigureOut">
               <a:rPr lang="pt-BR" smtClean="0"/>
-              <a:t>16/04/2024</a:t>
+              <a:t>24/04/2024</a:t>
             </a:fld>
             <a:endParaRPr lang="pt-BR"/>
           </a:p>
@@ -17297,7 +17468,7 @@
           <a:p>
             <a:fld id="{40D7584C-3471-4196-BC25-494276B5A492}" type="datetimeFigureOut">
               <a:rPr lang="pt-BR" smtClean="0"/>
-              <a:t>16/04/2024</a:t>
+              <a:t>24/04/2024</a:t>
             </a:fld>
             <a:endParaRPr lang="pt-BR"/>
           </a:p>
@@ -17505,7 +17676,7 @@
           <a:p>
             <a:fld id="{40D7584C-3471-4196-BC25-494276B5A492}" type="datetimeFigureOut">
               <a:rPr lang="pt-BR" smtClean="0"/>
-              <a:t>16/04/2024</a:t>
+              <a:t>24/04/2024</a:t>
             </a:fld>
             <a:endParaRPr lang="pt-BR"/>
           </a:p>
@@ -17703,7 +17874,7 @@
           <a:p>
             <a:fld id="{40D7584C-3471-4196-BC25-494276B5A492}" type="datetimeFigureOut">
               <a:rPr lang="pt-BR" smtClean="0"/>
-              <a:t>16/04/2024</a:t>
+              <a:t>24/04/2024</a:t>
             </a:fld>
             <a:endParaRPr lang="pt-BR"/>
           </a:p>
@@ -17978,7 +18149,7 @@
           <a:p>
             <a:fld id="{40D7584C-3471-4196-BC25-494276B5A492}" type="datetimeFigureOut">
               <a:rPr lang="pt-BR" smtClean="0"/>
-              <a:t>16/04/2024</a:t>
+              <a:t>24/04/2024</a:t>
             </a:fld>
             <a:endParaRPr lang="pt-BR"/>
           </a:p>
@@ -18243,7 +18414,7 @@
           <a:p>
             <a:fld id="{40D7584C-3471-4196-BC25-494276B5A492}" type="datetimeFigureOut">
               <a:rPr lang="pt-BR" smtClean="0"/>
-              <a:t>16/04/2024</a:t>
+              <a:t>24/04/2024</a:t>
             </a:fld>
             <a:endParaRPr lang="pt-BR"/>
           </a:p>
@@ -18655,7 +18826,7 @@
           <a:p>
             <a:fld id="{40D7584C-3471-4196-BC25-494276B5A492}" type="datetimeFigureOut">
               <a:rPr lang="pt-BR" smtClean="0"/>
-              <a:t>16/04/2024</a:t>
+              <a:t>24/04/2024</a:t>
             </a:fld>
             <a:endParaRPr lang="pt-BR"/>
           </a:p>
@@ -18796,7 +18967,7 @@
           <a:p>
             <a:fld id="{40D7584C-3471-4196-BC25-494276B5A492}" type="datetimeFigureOut">
               <a:rPr lang="pt-BR" smtClean="0"/>
-              <a:t>16/04/2024</a:t>
+              <a:t>24/04/2024</a:t>
             </a:fld>
             <a:endParaRPr lang="pt-BR"/>
           </a:p>
@@ -18909,7 +19080,7 @@
           <a:p>
             <a:fld id="{40D7584C-3471-4196-BC25-494276B5A492}" type="datetimeFigureOut">
               <a:rPr lang="pt-BR" smtClean="0"/>
-              <a:t>16/04/2024</a:t>
+              <a:t>24/04/2024</a:t>
             </a:fld>
             <a:endParaRPr lang="pt-BR"/>
           </a:p>
@@ -19220,7 +19391,7 @@
           <a:p>
             <a:fld id="{40D7584C-3471-4196-BC25-494276B5A492}" type="datetimeFigureOut">
               <a:rPr lang="pt-BR" smtClean="0"/>
-              <a:t>16/04/2024</a:t>
+              <a:t>24/04/2024</a:t>
             </a:fld>
             <a:endParaRPr lang="pt-BR"/>
           </a:p>
@@ -19508,7 +19679,7 @@
           <a:p>
             <a:fld id="{40D7584C-3471-4196-BC25-494276B5A492}" type="datetimeFigureOut">
               <a:rPr lang="pt-BR" smtClean="0"/>
-              <a:t>16/04/2024</a:t>
+              <a:t>24/04/2024</a:t>
             </a:fld>
             <a:endParaRPr lang="pt-BR"/>
           </a:p>
@@ -19749,7 +19920,7 @@
           <a:p>
             <a:fld id="{40D7584C-3471-4196-BC25-494276B5A492}" type="datetimeFigureOut">
               <a:rPr lang="pt-BR" smtClean="0"/>
-              <a:t>16/04/2024</a:t>
+              <a:t>24/04/2024</a:t>
             </a:fld>
             <a:endParaRPr lang="pt-BR"/>
           </a:p>
@@ -21239,1056 +21410,6 @@
           <a:lstStyle/>
           <a:p>
             <a:r>
-              <a:rPr lang="pt-BR" sz="4000">
-                <a:solidFill>
-                  <a:srgbClr val="FFFFFF"/>
-                </a:solidFill>
-              </a:rPr>
-              <a:t>Rotulagem</a:t>
-            </a:r>
-          </a:p>
-        </p:txBody>
-      </p:sp>
-      <p:sp>
-        <p:nvSpPr>
-          <p:cNvPr id="7" name="CaixaDeTexto 6">
-            <a:extLst>
-              <a:ext uri="{FF2B5EF4-FFF2-40B4-BE49-F238E27FC236}">
-                <a16:creationId xmlns:a16="http://schemas.microsoft.com/office/drawing/2014/main" id="{A97B8F91-65A7-EDB2-2FD7-F0392C070206}"/>
-              </a:ext>
-            </a:extLst>
-          </p:cNvPr>
-          <p:cNvSpPr txBox="1"/>
-          <p:nvPr/>
-        </p:nvSpPr>
-        <p:spPr>
-          <a:xfrm>
-            <a:off x="514049" y="3697908"/>
-            <a:ext cx="3420000" cy="2585323"/>
-          </a:xfrm>
-          <a:prstGeom prst="rect">
-            <a:avLst/>
-          </a:prstGeom>
-          <a:noFill/>
-        </p:spPr>
-        <p:txBody>
-          <a:bodyPr wrap="square">
-            <a:spAutoFit/>
-          </a:bodyPr>
-          <a:lstStyle/>
-          <a:p>
-            <a:r>
-              <a:rPr lang="pt-BR" b="1" i="1" dirty="0"/>
-              <a:t>O produto anunciado é um produto para telecomunicações?</a:t>
-            </a:r>
-          </a:p>
-          <a:p>
-            <a:r>
-              <a:rPr lang="pt-BR" i="1" dirty="0"/>
-              <a:t>Equipamento, aparelho, dispositivo ou elemento que compõe meio necessário ou suficiente à realização de telecomunicações, seus acessórios e periféricos?</a:t>
-            </a:r>
-            <a:endParaRPr lang="pt-BR" sz="1600" i="1" dirty="0"/>
-          </a:p>
-        </p:txBody>
-      </p:sp>
-      <p:sp>
-        <p:nvSpPr>
-          <p:cNvPr id="26" name="CaixaDeTexto 25">
-            <a:extLst>
-              <a:ext uri="{FF2B5EF4-FFF2-40B4-BE49-F238E27FC236}">
-                <a16:creationId xmlns:a16="http://schemas.microsoft.com/office/drawing/2014/main" id="{33E1C0C7-2E7E-092C-CEB6-E00E8CAF9CAE}"/>
-              </a:ext>
-            </a:extLst>
-          </p:cNvPr>
-          <p:cNvSpPr txBox="1"/>
-          <p:nvPr/>
-        </p:nvSpPr>
-        <p:spPr>
-          <a:xfrm>
-            <a:off x="4386001" y="3681005"/>
-            <a:ext cx="3419999" cy="923330"/>
-          </a:xfrm>
-          <a:prstGeom prst="rect">
-            <a:avLst/>
-          </a:prstGeom>
-          <a:noFill/>
-        </p:spPr>
-        <p:txBody>
-          <a:bodyPr wrap="square">
-            <a:spAutoFit/>
-          </a:bodyPr>
-          <a:lstStyle/>
-          <a:p>
-            <a:r>
-              <a:rPr lang="pt-BR" b="1" i="1" dirty="0"/>
-              <a:t>O produto anunciado é transmissor ou transceptor de radiofrequência?</a:t>
-            </a:r>
-            <a:endParaRPr lang="pt-BR" sz="1600" i="1" dirty="0"/>
-          </a:p>
-        </p:txBody>
-      </p:sp>
-      <p:sp>
-        <p:nvSpPr>
-          <p:cNvPr id="27" name="CaixaDeTexto 26">
-            <a:extLst>
-              <a:ext uri="{FF2B5EF4-FFF2-40B4-BE49-F238E27FC236}">
-                <a16:creationId xmlns:a16="http://schemas.microsoft.com/office/drawing/2014/main" id="{D875316E-DDF1-ECF8-85BF-ECFB3CAE1563}"/>
-              </a:ext>
-            </a:extLst>
-          </p:cNvPr>
-          <p:cNvSpPr txBox="1"/>
-          <p:nvPr/>
-        </p:nvSpPr>
-        <p:spPr>
-          <a:xfrm>
-            <a:off x="8289004" y="3697908"/>
-            <a:ext cx="3419992" cy="2862322"/>
-          </a:xfrm>
-          <a:prstGeom prst="rect">
-            <a:avLst/>
-          </a:prstGeom>
-          <a:noFill/>
-        </p:spPr>
-        <p:txBody>
-          <a:bodyPr wrap="square">
-            <a:spAutoFit/>
-          </a:bodyPr>
-          <a:lstStyle/>
-          <a:p>
-            <a:r>
-              <a:rPr lang="pt-BR" sz="1200" i="1" dirty="0"/>
-              <a:t>Bateria não destinada a celular</a:t>
-            </a:r>
-          </a:p>
-          <a:p>
-            <a:r>
-              <a:rPr lang="pt-BR" sz="1200" i="1" dirty="0"/>
-              <a:t>Bateria para telefone celular</a:t>
-            </a:r>
-          </a:p>
-          <a:p>
-            <a:r>
-              <a:rPr lang="pt-BR" sz="1200" i="1" dirty="0"/>
-              <a:t>Bloqueador de sinal de celular (</a:t>
-            </a:r>
-            <a:r>
-              <a:rPr lang="pt-BR" sz="1200" i="1" dirty="0" err="1"/>
-              <a:t>jammer</a:t>
-            </a:r>
-            <a:r>
-              <a:rPr lang="pt-BR" sz="1200" i="1" dirty="0"/>
-              <a:t>/</a:t>
-            </a:r>
-            <a:r>
-              <a:rPr lang="pt-BR" sz="1200" i="1" dirty="0" err="1"/>
-              <a:t>Flipper</a:t>
-            </a:r>
-            <a:r>
-              <a:rPr lang="pt-BR" sz="1200" i="1" dirty="0"/>
-              <a:t> Zero)</a:t>
-            </a:r>
-          </a:p>
-          <a:p>
-            <a:r>
-              <a:rPr lang="pt-BR" sz="1200" i="1" dirty="0"/>
-              <a:t>Carregador de celular: parede ou veicular</a:t>
-            </a:r>
-          </a:p>
-          <a:p>
-            <a:r>
-              <a:rPr lang="pt-BR" sz="1200" i="1" dirty="0"/>
-              <a:t>Carregador de celular: portátil (</a:t>
-            </a:r>
-            <a:r>
-              <a:rPr lang="pt-BR" sz="1200" i="1" dirty="0" err="1"/>
-              <a:t>powerbank</a:t>
-            </a:r>
-            <a:r>
-              <a:rPr lang="pt-BR" sz="1200" i="1" dirty="0"/>
-              <a:t>)</a:t>
-            </a:r>
-          </a:p>
-          <a:p>
-            <a:r>
-              <a:rPr lang="pt-BR" sz="1200" i="1" dirty="0"/>
-              <a:t>Carregador ou fonte não destinada a celular</a:t>
-            </a:r>
-          </a:p>
-          <a:p>
-            <a:r>
-              <a:rPr lang="pt-BR" sz="1200" i="1" dirty="0"/>
-              <a:t>Computador ou notebook</a:t>
-            </a:r>
-          </a:p>
-          <a:p>
-            <a:r>
-              <a:rPr lang="pt-BR" sz="1200" i="1" dirty="0"/>
-              <a:t>Drone</a:t>
-            </a:r>
-          </a:p>
-          <a:p>
-            <a:r>
-              <a:rPr lang="pt-BR" sz="1200" i="1" dirty="0"/>
-              <a:t>Peças e acessórios para computador com fio</a:t>
-            </a:r>
-          </a:p>
-          <a:p>
-            <a:r>
-              <a:rPr lang="pt-BR" sz="1200" i="1" dirty="0"/>
-              <a:t>Roteador/reforçador WiFi</a:t>
-            </a:r>
-          </a:p>
-          <a:p>
-            <a:r>
-              <a:rPr lang="pt-BR" sz="1200" i="1" dirty="0"/>
-              <a:t>Reforçador/repetidor de sinal de celular</a:t>
-            </a:r>
-          </a:p>
-          <a:p>
-            <a:r>
-              <a:rPr lang="pt-BR" sz="1200" i="1" dirty="0"/>
-              <a:t>Telefone celular</a:t>
-            </a:r>
-          </a:p>
-          <a:p>
-            <a:r>
-              <a:rPr lang="pt-BR" sz="1200" i="1" dirty="0"/>
-              <a:t>TV Box</a:t>
-            </a:r>
-          </a:p>
-          <a:p>
-            <a:r>
-              <a:rPr lang="pt-BR" sz="1200" i="1" dirty="0"/>
-              <a:t>Outra (tipo/categoria não listada acima)</a:t>
-            </a:r>
-          </a:p>
-        </p:txBody>
-      </p:sp>
-      <p:grpSp>
-        <p:nvGrpSpPr>
-          <p:cNvPr id="3" name="Agrupar 2">
-            <a:extLst>
-              <a:ext uri="{FF2B5EF4-FFF2-40B4-BE49-F238E27FC236}">
-                <a16:creationId xmlns:a16="http://schemas.microsoft.com/office/drawing/2014/main" id="{BD003B5F-8440-13C4-2066-548D43ACAF49}"/>
-              </a:ext>
-            </a:extLst>
-          </p:cNvPr>
-          <p:cNvGrpSpPr/>
-          <p:nvPr/>
-        </p:nvGrpSpPr>
-        <p:grpSpPr>
-          <a:xfrm>
-            <a:off x="514800" y="2005200"/>
-            <a:ext cx="3420000" cy="1523919"/>
-            <a:chOff x="1400128" y="2223395"/>
-            <a:chExt cx="2539866" cy="1523919"/>
-          </a:xfrm>
-        </p:grpSpPr>
-        <p:sp>
-          <p:nvSpPr>
-            <p:cNvPr id="4" name="Retângulo 3">
-              <a:extLst>
-                <a:ext uri="{FF2B5EF4-FFF2-40B4-BE49-F238E27FC236}">
-                  <a16:creationId xmlns:a16="http://schemas.microsoft.com/office/drawing/2014/main" id="{21633B35-7925-6538-AC43-B93252247552}"/>
-                </a:ext>
-              </a:extLst>
-            </p:cNvPr>
-            <p:cNvSpPr/>
-            <p:nvPr/>
-          </p:nvSpPr>
-          <p:spPr>
-            <a:xfrm>
-              <a:off x="1400128" y="2223395"/>
-              <a:ext cx="2539866" cy="1523919"/>
-            </a:xfrm>
-            <a:prstGeom prst="rect">
-              <a:avLst/>
-            </a:prstGeom>
-            <a:solidFill>
-              <a:schemeClr val="accent3">
-                <a:lumMod val="20000"/>
-                <a:lumOff val="80000"/>
-              </a:schemeClr>
-            </a:solidFill>
-          </p:spPr>
-          <p:style>
-            <a:lnRef idx="2">
-              <a:schemeClr val="dk2">
-                <a:shade val="80000"/>
-                <a:hueOff val="0"/>
-                <a:satOff val="0"/>
-                <a:lumOff val="0"/>
-                <a:alphaOff val="0"/>
-              </a:schemeClr>
-            </a:lnRef>
-            <a:fillRef idx="1">
-              <a:scrgbClr r="0" g="0" b="0"/>
-            </a:fillRef>
-            <a:effectRef idx="0">
-              <a:schemeClr val="lt1">
-                <a:hueOff val="0"/>
-                <a:satOff val="0"/>
-                <a:lumOff val="0"/>
-                <a:alphaOff val="0"/>
-              </a:schemeClr>
-            </a:effectRef>
-            <a:fontRef idx="minor">
-              <a:schemeClr val="dk2">
-                <a:hueOff val="0"/>
-                <a:satOff val="0"/>
-                <a:lumOff val="0"/>
-                <a:alphaOff val="0"/>
-              </a:schemeClr>
-            </a:fontRef>
-          </p:style>
-          <p:txBody>
-            <a:bodyPr/>
-            <a:lstStyle/>
-            <a:p>
-              <a:endParaRPr lang="pt-BR"/>
-            </a:p>
-          </p:txBody>
-        </p:sp>
-        <p:sp>
-          <p:nvSpPr>
-            <p:cNvPr id="5" name="CaixaDeTexto 4">
-              <a:extLst>
-                <a:ext uri="{FF2B5EF4-FFF2-40B4-BE49-F238E27FC236}">
-                  <a16:creationId xmlns:a16="http://schemas.microsoft.com/office/drawing/2014/main" id="{F49A02A6-B6A0-EC0F-1C80-4FA5D94916C2}"/>
-                </a:ext>
-              </a:extLst>
-            </p:cNvPr>
-            <p:cNvSpPr txBox="1"/>
-            <p:nvPr/>
-          </p:nvSpPr>
-          <p:spPr>
-            <a:xfrm>
-              <a:off x="1400128" y="2223395"/>
-              <a:ext cx="2539866" cy="1523919"/>
-            </a:xfrm>
-            <a:prstGeom prst="rect">
-              <a:avLst/>
-            </a:prstGeom>
-          </p:spPr>
-          <p:style>
-            <a:lnRef idx="0">
-              <a:scrgbClr r="0" g="0" b="0"/>
-            </a:lnRef>
-            <a:fillRef idx="0">
-              <a:scrgbClr r="0" g="0" b="0"/>
-            </a:fillRef>
-            <a:effectRef idx="0">
-              <a:scrgbClr r="0" g="0" b="0"/>
-            </a:effectRef>
-            <a:fontRef idx="minor">
-              <a:schemeClr val="dk2">
-                <a:hueOff val="0"/>
-                <a:satOff val="0"/>
-                <a:lumOff val="0"/>
-                <a:alphaOff val="0"/>
-              </a:schemeClr>
-            </a:fontRef>
-          </p:style>
-          <p:txBody>
-            <a:bodyPr spcFirstLastPara="0" vert="horz" wrap="square" lIns="114300" tIns="114300" rIns="114300" bIns="114300" numCol="1" spcCol="1270" anchor="ctr" anchorCtr="0">
-              <a:noAutofit/>
-            </a:bodyPr>
-            <a:lstStyle/>
-            <a:p>
-              <a:pPr marL="0" lvl="0" indent="0" algn="ctr" defTabSz="1333500">
-                <a:lnSpc>
-                  <a:spcPct val="90000"/>
-                </a:lnSpc>
-                <a:spcBef>
-                  <a:spcPct val="0"/>
-                </a:spcBef>
-                <a:spcAft>
-                  <a:spcPct val="35000"/>
-                </a:spcAft>
-                <a:buNone/>
-              </a:pPr>
-              <a:r>
-                <a:rPr lang="pt-BR" sz="2800" kern="1200" dirty="0"/>
-                <a:t>É produto para telecomunicações?</a:t>
-              </a:r>
-              <a:endParaRPr lang="en-US" sz="2800" kern="1200" dirty="0"/>
-            </a:p>
-          </p:txBody>
-        </p:sp>
-      </p:grpSp>
-      <p:grpSp>
-        <p:nvGrpSpPr>
-          <p:cNvPr id="6" name="Agrupar 5">
-            <a:extLst>
-              <a:ext uri="{FF2B5EF4-FFF2-40B4-BE49-F238E27FC236}">
-                <a16:creationId xmlns:a16="http://schemas.microsoft.com/office/drawing/2014/main" id="{56C760B1-B1DE-EEC8-B102-D9E70E2D124B}"/>
-              </a:ext>
-            </a:extLst>
-          </p:cNvPr>
-          <p:cNvGrpSpPr/>
-          <p:nvPr/>
-        </p:nvGrpSpPr>
-        <p:grpSpPr>
-          <a:xfrm>
-            <a:off x="4386000" y="2005200"/>
-            <a:ext cx="3420000" cy="1527674"/>
-            <a:chOff x="4193981" y="2223395"/>
-            <a:chExt cx="2539866" cy="1527674"/>
-          </a:xfrm>
-        </p:grpSpPr>
-        <p:sp>
-          <p:nvSpPr>
-            <p:cNvPr id="8" name="Retângulo 7">
-              <a:extLst>
-                <a:ext uri="{FF2B5EF4-FFF2-40B4-BE49-F238E27FC236}">
-                  <a16:creationId xmlns:a16="http://schemas.microsoft.com/office/drawing/2014/main" id="{3CEA12F4-ACB3-FF5E-41E3-3A7D3951381D}"/>
-                </a:ext>
-              </a:extLst>
-            </p:cNvPr>
-            <p:cNvSpPr/>
-            <p:nvPr/>
-          </p:nvSpPr>
-          <p:spPr>
-            <a:xfrm>
-              <a:off x="4193981" y="2223395"/>
-              <a:ext cx="2539866" cy="1523919"/>
-            </a:xfrm>
-            <a:prstGeom prst="rect">
-              <a:avLst/>
-            </a:prstGeom>
-            <a:solidFill>
-              <a:schemeClr val="accent3">
-                <a:lumMod val="20000"/>
-                <a:lumOff val="80000"/>
-              </a:schemeClr>
-            </a:solidFill>
-          </p:spPr>
-          <p:style>
-            <a:lnRef idx="2">
-              <a:schemeClr val="dk2">
-                <a:shade val="80000"/>
-                <a:hueOff val="0"/>
-                <a:satOff val="0"/>
-                <a:lumOff val="0"/>
-                <a:alphaOff val="0"/>
-              </a:schemeClr>
-            </a:lnRef>
-            <a:fillRef idx="1">
-              <a:scrgbClr r="0" g="0" b="0"/>
-            </a:fillRef>
-            <a:effectRef idx="0">
-              <a:schemeClr val="lt1">
-                <a:hueOff val="0"/>
-                <a:satOff val="0"/>
-                <a:lumOff val="0"/>
-                <a:alphaOff val="0"/>
-              </a:schemeClr>
-            </a:effectRef>
-            <a:fontRef idx="minor">
-              <a:schemeClr val="dk2">
-                <a:hueOff val="0"/>
-                <a:satOff val="0"/>
-                <a:lumOff val="0"/>
-                <a:alphaOff val="0"/>
-              </a:schemeClr>
-            </a:fontRef>
-          </p:style>
-          <p:txBody>
-            <a:bodyPr/>
-            <a:lstStyle/>
-            <a:p>
-              <a:endParaRPr lang="pt-BR"/>
-            </a:p>
-          </p:txBody>
-        </p:sp>
-        <p:sp>
-          <p:nvSpPr>
-            <p:cNvPr id="28" name="CaixaDeTexto 27">
-              <a:extLst>
-                <a:ext uri="{FF2B5EF4-FFF2-40B4-BE49-F238E27FC236}">
-                  <a16:creationId xmlns:a16="http://schemas.microsoft.com/office/drawing/2014/main" id="{22B31459-C3D1-A324-CB41-38B643751B5D}"/>
-                </a:ext>
-              </a:extLst>
-            </p:cNvPr>
-            <p:cNvSpPr txBox="1"/>
-            <p:nvPr/>
-          </p:nvSpPr>
-          <p:spPr>
-            <a:xfrm>
-              <a:off x="4193981" y="2227150"/>
-              <a:ext cx="2539866" cy="1523919"/>
-            </a:xfrm>
-            <a:prstGeom prst="rect">
-              <a:avLst/>
-            </a:prstGeom>
-          </p:spPr>
-          <p:style>
-            <a:lnRef idx="0">
-              <a:scrgbClr r="0" g="0" b="0"/>
-            </a:lnRef>
-            <a:fillRef idx="0">
-              <a:scrgbClr r="0" g="0" b="0"/>
-            </a:fillRef>
-            <a:effectRef idx="0">
-              <a:scrgbClr r="0" g="0" b="0"/>
-            </a:effectRef>
-            <a:fontRef idx="minor">
-              <a:schemeClr val="dk2">
-                <a:hueOff val="0"/>
-                <a:satOff val="0"/>
-                <a:lumOff val="0"/>
-                <a:alphaOff val="0"/>
-              </a:schemeClr>
-            </a:fontRef>
-          </p:style>
-          <p:txBody>
-            <a:bodyPr spcFirstLastPara="0" vert="horz" wrap="square" lIns="114300" tIns="114300" rIns="114300" bIns="114300" numCol="1" spcCol="1270" anchor="ctr" anchorCtr="0">
-              <a:noAutofit/>
-            </a:bodyPr>
-            <a:lstStyle/>
-            <a:p>
-              <a:pPr marL="0" lvl="0" indent="0" algn="ctr" defTabSz="1333500">
-                <a:lnSpc>
-                  <a:spcPct val="90000"/>
-                </a:lnSpc>
-                <a:spcBef>
-                  <a:spcPct val="0"/>
-                </a:spcBef>
-                <a:spcAft>
-                  <a:spcPct val="35000"/>
-                </a:spcAft>
-                <a:buNone/>
-              </a:pPr>
-              <a:r>
-                <a:rPr lang="pt-BR" sz="2800" kern="1200" dirty="0"/>
-                <a:t>É transmissor de RF?</a:t>
-              </a:r>
-              <a:endParaRPr lang="en-US" sz="2800" kern="1200" dirty="0"/>
-            </a:p>
-          </p:txBody>
-        </p:sp>
-      </p:grpSp>
-      <p:grpSp>
-        <p:nvGrpSpPr>
-          <p:cNvPr id="30" name="Agrupar 29">
-            <a:extLst>
-              <a:ext uri="{FF2B5EF4-FFF2-40B4-BE49-F238E27FC236}">
-                <a16:creationId xmlns:a16="http://schemas.microsoft.com/office/drawing/2014/main" id="{6FC86C17-130F-FC6B-4D54-1A1A48D1D26F}"/>
-              </a:ext>
-            </a:extLst>
-          </p:cNvPr>
-          <p:cNvGrpSpPr/>
-          <p:nvPr/>
-        </p:nvGrpSpPr>
-        <p:grpSpPr>
-          <a:xfrm>
-            <a:off x="8257200" y="2005200"/>
-            <a:ext cx="3420000" cy="1552028"/>
-            <a:chOff x="6987828" y="2223395"/>
-            <a:chExt cx="2539872" cy="1552028"/>
-          </a:xfrm>
-        </p:grpSpPr>
-        <p:sp>
-          <p:nvSpPr>
-            <p:cNvPr id="31" name="Retângulo 30">
-              <a:extLst>
-                <a:ext uri="{FF2B5EF4-FFF2-40B4-BE49-F238E27FC236}">
-                  <a16:creationId xmlns:a16="http://schemas.microsoft.com/office/drawing/2014/main" id="{E5C47A9F-C3B1-8C27-C1CE-5A0F8EA45B43}"/>
-                </a:ext>
-              </a:extLst>
-            </p:cNvPr>
-            <p:cNvSpPr/>
-            <p:nvPr/>
-          </p:nvSpPr>
-          <p:spPr>
-            <a:xfrm>
-              <a:off x="6987834" y="2223395"/>
-              <a:ext cx="2539866" cy="1523919"/>
-            </a:xfrm>
-            <a:prstGeom prst="rect">
-              <a:avLst/>
-            </a:prstGeom>
-            <a:solidFill>
-              <a:schemeClr val="accent3">
-                <a:lumMod val="20000"/>
-                <a:lumOff val="80000"/>
-              </a:schemeClr>
-            </a:solidFill>
-          </p:spPr>
-          <p:style>
-            <a:lnRef idx="2">
-              <a:schemeClr val="dk2">
-                <a:shade val="80000"/>
-                <a:hueOff val="0"/>
-                <a:satOff val="0"/>
-                <a:lumOff val="0"/>
-                <a:alphaOff val="0"/>
-              </a:schemeClr>
-            </a:lnRef>
-            <a:fillRef idx="1">
-              <a:scrgbClr r="0" g="0" b="0"/>
-            </a:fillRef>
-            <a:effectRef idx="0">
-              <a:schemeClr val="lt1">
-                <a:hueOff val="0"/>
-                <a:satOff val="0"/>
-                <a:lumOff val="0"/>
-                <a:alphaOff val="0"/>
-              </a:schemeClr>
-            </a:effectRef>
-            <a:fontRef idx="minor">
-              <a:schemeClr val="dk2">
-                <a:hueOff val="0"/>
-                <a:satOff val="0"/>
-                <a:lumOff val="0"/>
-                <a:alphaOff val="0"/>
-              </a:schemeClr>
-            </a:fontRef>
-          </p:style>
-          <p:txBody>
-            <a:bodyPr/>
-            <a:lstStyle/>
-            <a:p>
-              <a:endParaRPr lang="pt-BR"/>
-            </a:p>
-          </p:txBody>
-        </p:sp>
-        <p:sp>
-          <p:nvSpPr>
-            <p:cNvPr id="32" name="CaixaDeTexto 31">
-              <a:extLst>
-                <a:ext uri="{FF2B5EF4-FFF2-40B4-BE49-F238E27FC236}">
-                  <a16:creationId xmlns:a16="http://schemas.microsoft.com/office/drawing/2014/main" id="{99DD1E1B-E443-9C0E-457E-5A43A7BC5907}"/>
-                </a:ext>
-              </a:extLst>
-            </p:cNvPr>
-            <p:cNvSpPr txBox="1"/>
-            <p:nvPr/>
-          </p:nvSpPr>
-          <p:spPr>
-            <a:xfrm>
-              <a:off x="6987828" y="2251504"/>
-              <a:ext cx="2539866" cy="1523919"/>
-            </a:xfrm>
-            <a:prstGeom prst="rect">
-              <a:avLst/>
-            </a:prstGeom>
-          </p:spPr>
-          <p:style>
-            <a:lnRef idx="0">
-              <a:scrgbClr r="0" g="0" b="0"/>
-            </a:lnRef>
-            <a:fillRef idx="0">
-              <a:scrgbClr r="0" g="0" b="0"/>
-            </a:fillRef>
-            <a:effectRef idx="0">
-              <a:scrgbClr r="0" g="0" b="0"/>
-            </a:effectRef>
-            <a:fontRef idx="minor">
-              <a:schemeClr val="dk2">
-                <a:hueOff val="0"/>
-                <a:satOff val="0"/>
-                <a:lumOff val="0"/>
-                <a:alphaOff val="0"/>
-              </a:schemeClr>
-            </a:fontRef>
-          </p:style>
-          <p:txBody>
-            <a:bodyPr spcFirstLastPara="0" vert="horz" wrap="square" lIns="114300" tIns="114300" rIns="114300" bIns="114300" numCol="1" spcCol="1270" anchor="ctr" anchorCtr="0">
-              <a:noAutofit/>
-            </a:bodyPr>
-            <a:lstStyle/>
-            <a:p>
-              <a:pPr marL="0" lvl="0" indent="0" algn="ctr" defTabSz="1333500">
-                <a:lnSpc>
-                  <a:spcPct val="90000"/>
-                </a:lnSpc>
-                <a:spcBef>
-                  <a:spcPct val="0"/>
-                </a:spcBef>
-                <a:spcAft>
-                  <a:spcPct val="35000"/>
-                </a:spcAft>
-                <a:buNone/>
-              </a:pPr>
-              <a:r>
-                <a:rPr lang="pt-BR" sz="2800" kern="1200" dirty="0"/>
-                <a:t>Qual o tipo do produto?</a:t>
-              </a:r>
-              <a:endParaRPr lang="en-US" sz="2800" kern="1200" dirty="0"/>
-            </a:p>
-          </p:txBody>
-        </p:sp>
-      </p:grpSp>
-    </p:spTree>
-    <p:extLst>
-      <p:ext uri="{BB962C8B-B14F-4D97-AF65-F5344CB8AC3E}">
-        <p14:creationId xmlns:p14="http://schemas.microsoft.com/office/powerpoint/2010/main" val="3814030828"/>
-      </p:ext>
-    </p:extLst>
-  </p:cSld>
-  <p:clrMapOvr>
-    <a:masterClrMapping/>
-  </p:clrMapOvr>
-</p:sld>
-</file>
-
-<file path=ppt/slides/slide11.xml><?xml version="1.0" encoding="utf-8"?>
-<p:sld xmlns:a="http://schemas.openxmlformats.org/drawingml/2006/main" xmlns:r="http://schemas.openxmlformats.org/officeDocument/2006/relationships" xmlns:p="http://schemas.openxmlformats.org/presentationml/2006/main">
-  <p:cSld>
-    <p:bg>
-      <p:bgPr>
-        <a:solidFill>
-          <a:schemeClr val="bg1"/>
-        </a:solidFill>
-        <a:effectLst/>
-      </p:bgPr>
-    </p:bg>
-    <p:spTree>
-      <p:nvGrpSpPr>
-        <p:cNvPr id="1" name=""/>
-        <p:cNvGrpSpPr/>
-        <p:nvPr/>
-      </p:nvGrpSpPr>
-      <p:grpSpPr>
-        <a:xfrm>
-          <a:off x="0" y="0"/>
-          <a:ext cx="0" cy="0"/>
-          <a:chOff x="0" y="0"/>
-          <a:chExt cx="0" cy="0"/>
-        </a:xfrm>
-      </p:grpSpPr>
-      <p:sp useBgFill="1">
-        <p:nvSpPr>
-          <p:cNvPr id="9" name="Rectangle 8">
-            <a:extLst>
-              <a:ext uri="{FF2B5EF4-FFF2-40B4-BE49-F238E27FC236}">
-                <a16:creationId xmlns:a16="http://schemas.microsoft.com/office/drawing/2014/main" id="{BACC6370-2D7E-4714-9D71-7542949D7D5D}"/>
-              </a:ext>
-              <a:ext uri="{C183D7F6-B498-43B3-948B-1728B52AA6E4}">
-                <adec:decorative xmlns:adec="http://schemas.microsoft.com/office/drawing/2017/decorative" val="1"/>
-              </a:ext>
-            </a:extLst>
-          </p:cNvPr>
-          <p:cNvSpPr>
-            <a:spLocks noGrp="1" noRot="1" noChangeAspect="1" noMove="1" noResize="1" noEditPoints="1" noAdjustHandles="1" noChangeArrowheads="1" noChangeShapeType="1" noTextEdit="1"/>
-          </p:cNvSpPr>
-          <p:nvPr>
-            <p:extLst>
-              <p:ext uri="{386F3935-93C4-4BCD-93E2-E3B085C9AB24}">
-                <p16:designElem xmlns:p16="http://schemas.microsoft.com/office/powerpoint/2015/main" val="1"/>
-              </p:ext>
-            </p:extLst>
-          </p:nvPr>
-        </p:nvSpPr>
-        <p:spPr>
-          <a:xfrm>
-            <a:off x="0" y="0"/>
-            <a:ext cx="12192000" cy="6858000"/>
-          </a:xfrm>
-          <a:prstGeom prst="rect">
-            <a:avLst/>
-          </a:prstGeom>
-          <a:ln w="12700" cap="flat" cmpd="sng" algn="ctr">
-            <a:noFill/>
-            <a:prstDash val="solid"/>
-            <a:miter lim="800000"/>
-          </a:ln>
-          <a:effectLst/>
-          <a:extLst>
-            <a:ext uri="{91240B29-F687-4F45-9708-019B960494DF}">
-              <a14:hiddenLine xmlns:a14="http://schemas.microsoft.com/office/drawing/2010/main" w="12700" cap="flat" cmpd="sng" algn="ctr">
-                <a:solidFill>
-                  <a:schemeClr val="accent1">
-                    <a:shade val="50000"/>
-                  </a:schemeClr>
-                </a:solidFill>
-                <a:prstDash val="solid"/>
-                <a:miter lim="800000"/>
-              </a14:hiddenLine>
-            </a:ext>
-          </a:extLst>
-        </p:spPr>
-        <p:style>
-          <a:lnRef idx="2">
-            <a:schemeClr val="accent1">
-              <a:shade val="50000"/>
-            </a:schemeClr>
-          </a:lnRef>
-          <a:fillRef idx="1">
-            <a:schemeClr val="accent1"/>
-          </a:fillRef>
-          <a:effectRef idx="0">
-            <a:schemeClr val="accent1"/>
-          </a:effectRef>
-          <a:fontRef idx="minor">
-            <a:schemeClr val="lt1"/>
-          </a:fontRef>
-        </p:style>
-        <p:txBody>
-          <a:bodyPr rtlCol="0" anchor="ctr"/>
-          <a:lstStyle/>
-          <a:p>
-            <a:pPr algn="ctr"/>
-            <a:endParaRPr lang="en-US"/>
-          </a:p>
-        </p:txBody>
-      </p:sp>
-      <p:sp>
-        <p:nvSpPr>
-          <p:cNvPr id="11" name="Rectangle 10">
-            <a:extLst>
-              <a:ext uri="{FF2B5EF4-FFF2-40B4-BE49-F238E27FC236}">
-                <a16:creationId xmlns:a16="http://schemas.microsoft.com/office/drawing/2014/main" id="{F68B3F68-107C-434F-AA38-110D5EA91B85}"/>
-              </a:ext>
-              <a:ext uri="{C183D7F6-B498-43B3-948B-1728B52AA6E4}">
-                <adec:decorative xmlns:adec="http://schemas.microsoft.com/office/drawing/2017/decorative" val="1"/>
-              </a:ext>
-            </a:extLst>
-          </p:cNvPr>
-          <p:cNvSpPr>
-            <a:spLocks noGrp="1" noRot="1" noChangeAspect="1" noMove="1" noResize="1" noEditPoints="1" noAdjustHandles="1" noChangeArrowheads="1" noChangeShapeType="1" noTextEdit="1"/>
-          </p:cNvSpPr>
-          <p:nvPr>
-            <p:extLst>
-              <p:ext uri="{386F3935-93C4-4BCD-93E2-E3B085C9AB24}">
-                <p16:designElem xmlns:p16="http://schemas.microsoft.com/office/powerpoint/2015/main" val="1"/>
-              </p:ext>
-            </p:extLst>
-          </p:nvPr>
-        </p:nvSpPr>
-        <p:spPr>
-          <a:xfrm flipH="1">
-            <a:off x="2" y="0"/>
-            <a:ext cx="12191998" cy="1575955"/>
-          </a:xfrm>
-          <a:prstGeom prst="rect">
-            <a:avLst/>
-          </a:prstGeom>
-          <a:gradFill>
-            <a:gsLst>
-              <a:gs pos="0">
-                <a:srgbClr val="000000">
-                  <a:alpha val="96000"/>
-                </a:srgbClr>
-              </a:gs>
-              <a:gs pos="100000">
-                <a:schemeClr val="accent1">
-                  <a:lumMod val="75000"/>
-                </a:schemeClr>
-              </a:gs>
-            </a:gsLst>
-            <a:lin ang="8400000" scaled="0"/>
-          </a:gradFill>
-          <a:ln>
-            <a:noFill/>
-          </a:ln>
-        </p:spPr>
-        <p:style>
-          <a:lnRef idx="2">
-            <a:schemeClr val="accent1">
-              <a:shade val="50000"/>
-            </a:schemeClr>
-          </a:lnRef>
-          <a:fillRef idx="1">
-            <a:schemeClr val="accent1"/>
-          </a:fillRef>
-          <a:effectRef idx="0">
-            <a:schemeClr val="accent1"/>
-          </a:effectRef>
-          <a:fontRef idx="minor">
-            <a:schemeClr val="lt1"/>
-          </a:fontRef>
-        </p:style>
-        <p:txBody>
-          <a:bodyPr rtlCol="0" anchor="ctr"/>
-          <a:lstStyle/>
-          <a:p>
-            <a:pPr algn="ctr"/>
-            <a:endParaRPr lang="en-US"/>
-          </a:p>
-        </p:txBody>
-      </p:sp>
-      <p:sp>
-        <p:nvSpPr>
-          <p:cNvPr id="13" name="Rectangle 12">
-            <a:extLst>
-              <a:ext uri="{FF2B5EF4-FFF2-40B4-BE49-F238E27FC236}">
-                <a16:creationId xmlns:a16="http://schemas.microsoft.com/office/drawing/2014/main" id="{AAD0DBB9-1A4B-4391-81D4-CB19F9AB918A}"/>
-              </a:ext>
-              <a:ext uri="{C183D7F6-B498-43B3-948B-1728B52AA6E4}">
-                <adec:decorative xmlns:adec="http://schemas.microsoft.com/office/drawing/2017/decorative" val="1"/>
-              </a:ext>
-            </a:extLst>
-          </p:cNvPr>
-          <p:cNvSpPr>
-            <a:spLocks noGrp="1" noRot="1" noChangeAspect="1" noMove="1" noResize="1" noEditPoints="1" noAdjustHandles="1" noChangeArrowheads="1" noChangeShapeType="1" noTextEdit="1"/>
-          </p:cNvSpPr>
-          <p:nvPr>
-            <p:extLst>
-              <p:ext uri="{386F3935-93C4-4BCD-93E2-E3B085C9AB24}">
-                <p16:designElem xmlns:p16="http://schemas.microsoft.com/office/powerpoint/2015/main" val="1"/>
-              </p:ext>
-            </p:extLst>
-          </p:nvPr>
-        </p:nvSpPr>
-        <p:spPr>
-          <a:xfrm rot="10800000" flipH="1">
-            <a:off x="8128857" y="0"/>
-            <a:ext cx="4063143" cy="1576412"/>
-          </a:xfrm>
-          <a:prstGeom prst="rect">
-            <a:avLst/>
-          </a:prstGeom>
-          <a:gradFill>
-            <a:gsLst>
-              <a:gs pos="19000">
-                <a:schemeClr val="accent1">
-                  <a:lumMod val="50000"/>
-                  <a:alpha val="68000"/>
-                </a:schemeClr>
-              </a:gs>
-              <a:gs pos="100000">
-                <a:schemeClr val="accent1">
-                  <a:alpha val="79000"/>
-                </a:schemeClr>
-              </a:gs>
-            </a:gsLst>
-            <a:lin ang="19200000" scaled="0"/>
-          </a:gradFill>
-          <a:ln>
-            <a:noFill/>
-          </a:ln>
-        </p:spPr>
-        <p:style>
-          <a:lnRef idx="2">
-            <a:schemeClr val="accent1">
-              <a:shade val="50000"/>
-            </a:schemeClr>
-          </a:lnRef>
-          <a:fillRef idx="1">
-            <a:schemeClr val="accent1"/>
-          </a:fillRef>
-          <a:effectRef idx="0">
-            <a:schemeClr val="accent1"/>
-          </a:effectRef>
-          <a:fontRef idx="minor">
-            <a:schemeClr val="lt1"/>
-          </a:fontRef>
-        </p:style>
-        <p:txBody>
-          <a:bodyPr rtlCol="0" anchor="ctr"/>
-          <a:lstStyle/>
-          <a:p>
-            <a:pPr algn="ctr"/>
-            <a:endParaRPr lang="en-US"/>
-          </a:p>
-        </p:txBody>
-      </p:sp>
-      <p:sp>
-        <p:nvSpPr>
-          <p:cNvPr id="15" name="Rectangle 14">
-            <a:extLst>
-              <a:ext uri="{FF2B5EF4-FFF2-40B4-BE49-F238E27FC236}">
-                <a16:creationId xmlns:a16="http://schemas.microsoft.com/office/drawing/2014/main" id="{063BBA22-50EA-4C4D-BE05-F1CE4E63AA56}"/>
-              </a:ext>
-              <a:ext uri="{C183D7F6-B498-43B3-948B-1728B52AA6E4}">
-                <adec:decorative xmlns:adec="http://schemas.microsoft.com/office/drawing/2017/decorative" val="1"/>
-              </a:ext>
-            </a:extLst>
-          </p:cNvPr>
-          <p:cNvSpPr>
-            <a:spLocks noGrp="1" noRot="1" noChangeAspect="1" noMove="1" noResize="1" noEditPoints="1" noAdjustHandles="1" noChangeArrowheads="1" noChangeShapeType="1" noTextEdit="1"/>
-          </p:cNvSpPr>
-          <p:nvPr>
-            <p:extLst>
-              <p:ext uri="{386F3935-93C4-4BCD-93E2-E3B085C9AB24}">
-                <p16:designElem xmlns:p16="http://schemas.microsoft.com/office/powerpoint/2015/main" val="1"/>
-              </p:ext>
-            </p:extLst>
-          </p:nvPr>
-        </p:nvSpPr>
-        <p:spPr>
-          <a:xfrm rot="5400000">
-            <a:off x="5307777" y="-5307778"/>
-            <a:ext cx="1576446" cy="12192002"/>
-          </a:xfrm>
-          <a:prstGeom prst="rect">
-            <a:avLst/>
-          </a:prstGeom>
-          <a:gradFill>
-            <a:gsLst>
-              <a:gs pos="23000">
-                <a:schemeClr val="accent1">
-                  <a:alpha val="0"/>
-                </a:schemeClr>
-              </a:gs>
-              <a:gs pos="99000">
-                <a:srgbClr val="000000">
-                  <a:alpha val="74000"/>
-                </a:srgbClr>
-              </a:gs>
-            </a:gsLst>
-            <a:lin ang="20400000" scaled="0"/>
-          </a:gradFill>
-          <a:ln>
-            <a:noFill/>
-          </a:ln>
-        </p:spPr>
-        <p:style>
-          <a:lnRef idx="2">
-            <a:schemeClr val="accent1">
-              <a:shade val="50000"/>
-            </a:schemeClr>
-          </a:lnRef>
-          <a:fillRef idx="1">
-            <a:schemeClr val="accent1"/>
-          </a:fillRef>
-          <a:effectRef idx="0">
-            <a:schemeClr val="accent1"/>
-          </a:effectRef>
-          <a:fontRef idx="minor">
-            <a:schemeClr val="lt1"/>
-          </a:fontRef>
-        </p:style>
-        <p:txBody>
-          <a:bodyPr rtlCol="0" anchor="ctr"/>
-          <a:lstStyle/>
-          <a:p>
-            <a:pPr algn="ctr"/>
-            <a:endParaRPr lang="en-US" dirty="0"/>
-          </a:p>
-        </p:txBody>
-      </p:sp>
-      <p:sp>
-        <p:nvSpPr>
-          <p:cNvPr id="2" name="Título 1">
-            <a:extLst>
-              <a:ext uri="{FF2B5EF4-FFF2-40B4-BE49-F238E27FC236}">
-                <a16:creationId xmlns:a16="http://schemas.microsoft.com/office/drawing/2014/main" id="{FF793BD3-4745-E603-1B4A-91C33297DA13}"/>
-              </a:ext>
-            </a:extLst>
-          </p:cNvPr>
-          <p:cNvSpPr>
-            <a:spLocks noGrp="1"/>
-          </p:cNvSpPr>
-          <p:nvPr>
-            <p:ph type="title"/>
-          </p:nvPr>
-        </p:nvSpPr>
-        <p:spPr>
-          <a:xfrm>
-            <a:off x="1371597" y="348865"/>
-            <a:ext cx="10044023" cy="877729"/>
-          </a:xfrm>
-        </p:spPr>
-        <p:txBody>
-          <a:bodyPr anchor="ctr">
-            <a:normAutofit/>
-          </a:bodyPr>
-          <a:lstStyle/>
-          <a:p>
-            <a:r>
               <a:rPr lang="pt-BR" sz="4000" dirty="0">
                 <a:solidFill>
                   <a:srgbClr val="FFFFFF"/>
@@ -23164,6 +22285,802 @@
     <p:extLst>
       <p:ext uri="{BB962C8B-B14F-4D97-AF65-F5344CB8AC3E}">
         <p14:creationId xmlns:p14="http://schemas.microsoft.com/office/powerpoint/2010/main" val="1335820889"/>
+      </p:ext>
+    </p:extLst>
+  </p:cSld>
+  <p:clrMapOvr>
+    <a:masterClrMapping/>
+  </p:clrMapOvr>
+</p:sld>
+</file>
+
+<file path=ppt/slides/slide11.xml><?xml version="1.0" encoding="utf-8"?>
+<p:sld xmlns:a="http://schemas.openxmlformats.org/drawingml/2006/main" xmlns:r="http://schemas.openxmlformats.org/officeDocument/2006/relationships" xmlns:p="http://schemas.openxmlformats.org/presentationml/2006/main">
+  <p:cSld>
+    <p:bg>
+      <p:bgPr>
+        <a:solidFill>
+          <a:schemeClr val="bg1"/>
+        </a:solidFill>
+        <a:effectLst/>
+      </p:bgPr>
+    </p:bg>
+    <p:spTree>
+      <p:nvGrpSpPr>
+        <p:cNvPr id="1" name=""/>
+        <p:cNvGrpSpPr/>
+        <p:nvPr/>
+      </p:nvGrpSpPr>
+      <p:grpSpPr>
+        <a:xfrm>
+          <a:off x="0" y="0"/>
+          <a:ext cx="0" cy="0"/>
+          <a:chOff x="0" y="0"/>
+          <a:chExt cx="0" cy="0"/>
+        </a:xfrm>
+      </p:grpSpPr>
+      <p:sp useBgFill="1">
+        <p:nvSpPr>
+          <p:cNvPr id="9" name="Rectangle 8">
+            <a:extLst>
+              <a:ext uri="{FF2B5EF4-FFF2-40B4-BE49-F238E27FC236}">
+                <a16:creationId xmlns:a16="http://schemas.microsoft.com/office/drawing/2014/main" id="{BACC6370-2D7E-4714-9D71-7542949D7D5D}"/>
+              </a:ext>
+              <a:ext uri="{C183D7F6-B498-43B3-948B-1728B52AA6E4}">
+                <adec:decorative xmlns:adec="http://schemas.microsoft.com/office/drawing/2017/decorative" val="1"/>
+              </a:ext>
+            </a:extLst>
+          </p:cNvPr>
+          <p:cNvSpPr>
+            <a:spLocks noGrp="1" noRot="1" noChangeAspect="1" noMove="1" noResize="1" noEditPoints="1" noAdjustHandles="1" noChangeArrowheads="1" noChangeShapeType="1" noTextEdit="1"/>
+          </p:cNvSpPr>
+          <p:nvPr>
+            <p:extLst>
+              <p:ext uri="{386F3935-93C4-4BCD-93E2-E3B085C9AB24}">
+                <p16:designElem xmlns:p16="http://schemas.microsoft.com/office/powerpoint/2015/main" val="1"/>
+              </p:ext>
+            </p:extLst>
+          </p:nvPr>
+        </p:nvSpPr>
+        <p:spPr>
+          <a:xfrm>
+            <a:off x="0" y="0"/>
+            <a:ext cx="12192000" cy="6858000"/>
+          </a:xfrm>
+          <a:prstGeom prst="rect">
+            <a:avLst/>
+          </a:prstGeom>
+          <a:ln w="12700" cap="flat" cmpd="sng" algn="ctr">
+            <a:noFill/>
+            <a:prstDash val="solid"/>
+            <a:miter lim="800000"/>
+          </a:ln>
+          <a:effectLst/>
+          <a:extLst>
+            <a:ext uri="{91240B29-F687-4F45-9708-019B960494DF}">
+              <a14:hiddenLine xmlns:a14="http://schemas.microsoft.com/office/drawing/2010/main" w="12700" cap="flat" cmpd="sng" algn="ctr">
+                <a:solidFill>
+                  <a:schemeClr val="accent1">
+                    <a:shade val="50000"/>
+                  </a:schemeClr>
+                </a:solidFill>
+                <a:prstDash val="solid"/>
+                <a:miter lim="800000"/>
+              </a14:hiddenLine>
+            </a:ext>
+          </a:extLst>
+        </p:spPr>
+        <p:style>
+          <a:lnRef idx="2">
+            <a:schemeClr val="accent1">
+              <a:shade val="50000"/>
+            </a:schemeClr>
+          </a:lnRef>
+          <a:fillRef idx="1">
+            <a:schemeClr val="accent1"/>
+          </a:fillRef>
+          <a:effectRef idx="0">
+            <a:schemeClr val="accent1"/>
+          </a:effectRef>
+          <a:fontRef idx="minor">
+            <a:schemeClr val="lt1"/>
+          </a:fontRef>
+        </p:style>
+        <p:txBody>
+          <a:bodyPr rtlCol="0" anchor="ctr"/>
+          <a:lstStyle/>
+          <a:p>
+            <a:pPr algn="ctr"/>
+            <a:endParaRPr lang="en-US"/>
+          </a:p>
+        </p:txBody>
+      </p:sp>
+      <p:sp>
+        <p:nvSpPr>
+          <p:cNvPr id="11" name="Rectangle 10">
+            <a:extLst>
+              <a:ext uri="{FF2B5EF4-FFF2-40B4-BE49-F238E27FC236}">
+                <a16:creationId xmlns:a16="http://schemas.microsoft.com/office/drawing/2014/main" id="{F68B3F68-107C-434F-AA38-110D5EA91B85}"/>
+              </a:ext>
+              <a:ext uri="{C183D7F6-B498-43B3-948B-1728B52AA6E4}">
+                <adec:decorative xmlns:adec="http://schemas.microsoft.com/office/drawing/2017/decorative" val="1"/>
+              </a:ext>
+            </a:extLst>
+          </p:cNvPr>
+          <p:cNvSpPr>
+            <a:spLocks noGrp="1" noRot="1" noChangeAspect="1" noMove="1" noResize="1" noEditPoints="1" noAdjustHandles="1" noChangeArrowheads="1" noChangeShapeType="1" noTextEdit="1"/>
+          </p:cNvSpPr>
+          <p:nvPr>
+            <p:extLst>
+              <p:ext uri="{386F3935-93C4-4BCD-93E2-E3B085C9AB24}">
+                <p16:designElem xmlns:p16="http://schemas.microsoft.com/office/powerpoint/2015/main" val="1"/>
+              </p:ext>
+            </p:extLst>
+          </p:nvPr>
+        </p:nvSpPr>
+        <p:spPr>
+          <a:xfrm flipH="1">
+            <a:off x="2" y="0"/>
+            <a:ext cx="12191998" cy="1575955"/>
+          </a:xfrm>
+          <a:prstGeom prst="rect">
+            <a:avLst/>
+          </a:prstGeom>
+          <a:gradFill>
+            <a:gsLst>
+              <a:gs pos="0">
+                <a:srgbClr val="000000">
+                  <a:alpha val="96000"/>
+                </a:srgbClr>
+              </a:gs>
+              <a:gs pos="100000">
+                <a:schemeClr val="accent1">
+                  <a:lumMod val="75000"/>
+                </a:schemeClr>
+              </a:gs>
+            </a:gsLst>
+            <a:lin ang="8400000" scaled="0"/>
+          </a:gradFill>
+          <a:ln>
+            <a:noFill/>
+          </a:ln>
+        </p:spPr>
+        <p:style>
+          <a:lnRef idx="2">
+            <a:schemeClr val="accent1">
+              <a:shade val="50000"/>
+            </a:schemeClr>
+          </a:lnRef>
+          <a:fillRef idx="1">
+            <a:schemeClr val="accent1"/>
+          </a:fillRef>
+          <a:effectRef idx="0">
+            <a:schemeClr val="accent1"/>
+          </a:effectRef>
+          <a:fontRef idx="minor">
+            <a:schemeClr val="lt1"/>
+          </a:fontRef>
+        </p:style>
+        <p:txBody>
+          <a:bodyPr rtlCol="0" anchor="ctr"/>
+          <a:lstStyle/>
+          <a:p>
+            <a:pPr algn="ctr"/>
+            <a:endParaRPr lang="en-US"/>
+          </a:p>
+        </p:txBody>
+      </p:sp>
+      <p:sp>
+        <p:nvSpPr>
+          <p:cNvPr id="13" name="Rectangle 12">
+            <a:extLst>
+              <a:ext uri="{FF2B5EF4-FFF2-40B4-BE49-F238E27FC236}">
+                <a16:creationId xmlns:a16="http://schemas.microsoft.com/office/drawing/2014/main" id="{AAD0DBB9-1A4B-4391-81D4-CB19F9AB918A}"/>
+              </a:ext>
+              <a:ext uri="{C183D7F6-B498-43B3-948B-1728B52AA6E4}">
+                <adec:decorative xmlns:adec="http://schemas.microsoft.com/office/drawing/2017/decorative" val="1"/>
+              </a:ext>
+            </a:extLst>
+          </p:cNvPr>
+          <p:cNvSpPr>
+            <a:spLocks noGrp="1" noRot="1" noChangeAspect="1" noMove="1" noResize="1" noEditPoints="1" noAdjustHandles="1" noChangeArrowheads="1" noChangeShapeType="1" noTextEdit="1"/>
+          </p:cNvSpPr>
+          <p:nvPr>
+            <p:extLst>
+              <p:ext uri="{386F3935-93C4-4BCD-93E2-E3B085C9AB24}">
+                <p16:designElem xmlns:p16="http://schemas.microsoft.com/office/powerpoint/2015/main" val="1"/>
+              </p:ext>
+            </p:extLst>
+          </p:nvPr>
+        </p:nvSpPr>
+        <p:spPr>
+          <a:xfrm rot="10800000" flipH="1">
+            <a:off x="8128857" y="0"/>
+            <a:ext cx="4063143" cy="1576412"/>
+          </a:xfrm>
+          <a:prstGeom prst="rect">
+            <a:avLst/>
+          </a:prstGeom>
+          <a:gradFill>
+            <a:gsLst>
+              <a:gs pos="19000">
+                <a:schemeClr val="accent1">
+                  <a:lumMod val="50000"/>
+                  <a:alpha val="68000"/>
+                </a:schemeClr>
+              </a:gs>
+              <a:gs pos="100000">
+                <a:schemeClr val="accent1">
+                  <a:alpha val="79000"/>
+                </a:schemeClr>
+              </a:gs>
+            </a:gsLst>
+            <a:lin ang="19200000" scaled="0"/>
+          </a:gradFill>
+          <a:ln>
+            <a:noFill/>
+          </a:ln>
+        </p:spPr>
+        <p:style>
+          <a:lnRef idx="2">
+            <a:schemeClr val="accent1">
+              <a:shade val="50000"/>
+            </a:schemeClr>
+          </a:lnRef>
+          <a:fillRef idx="1">
+            <a:schemeClr val="accent1"/>
+          </a:fillRef>
+          <a:effectRef idx="0">
+            <a:schemeClr val="accent1"/>
+          </a:effectRef>
+          <a:fontRef idx="minor">
+            <a:schemeClr val="lt1"/>
+          </a:fontRef>
+        </p:style>
+        <p:txBody>
+          <a:bodyPr rtlCol="0" anchor="ctr"/>
+          <a:lstStyle/>
+          <a:p>
+            <a:pPr algn="ctr"/>
+            <a:endParaRPr lang="en-US"/>
+          </a:p>
+        </p:txBody>
+      </p:sp>
+      <p:sp>
+        <p:nvSpPr>
+          <p:cNvPr id="15" name="Rectangle 14">
+            <a:extLst>
+              <a:ext uri="{FF2B5EF4-FFF2-40B4-BE49-F238E27FC236}">
+                <a16:creationId xmlns:a16="http://schemas.microsoft.com/office/drawing/2014/main" id="{063BBA22-50EA-4C4D-BE05-F1CE4E63AA56}"/>
+              </a:ext>
+              <a:ext uri="{C183D7F6-B498-43B3-948B-1728B52AA6E4}">
+                <adec:decorative xmlns:adec="http://schemas.microsoft.com/office/drawing/2017/decorative" val="1"/>
+              </a:ext>
+            </a:extLst>
+          </p:cNvPr>
+          <p:cNvSpPr>
+            <a:spLocks noGrp="1" noRot="1" noChangeAspect="1" noMove="1" noResize="1" noEditPoints="1" noAdjustHandles="1" noChangeArrowheads="1" noChangeShapeType="1" noTextEdit="1"/>
+          </p:cNvSpPr>
+          <p:nvPr>
+            <p:extLst>
+              <p:ext uri="{386F3935-93C4-4BCD-93E2-E3B085C9AB24}">
+                <p16:designElem xmlns:p16="http://schemas.microsoft.com/office/powerpoint/2015/main" val="1"/>
+              </p:ext>
+            </p:extLst>
+          </p:nvPr>
+        </p:nvSpPr>
+        <p:spPr>
+          <a:xfrm rot="5400000">
+            <a:off x="5307777" y="-5307778"/>
+            <a:ext cx="1576446" cy="12192002"/>
+          </a:xfrm>
+          <a:prstGeom prst="rect">
+            <a:avLst/>
+          </a:prstGeom>
+          <a:gradFill>
+            <a:gsLst>
+              <a:gs pos="23000">
+                <a:schemeClr val="accent1">
+                  <a:alpha val="0"/>
+                </a:schemeClr>
+              </a:gs>
+              <a:gs pos="99000">
+                <a:srgbClr val="000000">
+                  <a:alpha val="74000"/>
+                </a:srgbClr>
+              </a:gs>
+            </a:gsLst>
+            <a:lin ang="20400000" scaled="0"/>
+          </a:gradFill>
+          <a:ln>
+            <a:noFill/>
+          </a:ln>
+        </p:spPr>
+        <p:style>
+          <a:lnRef idx="2">
+            <a:schemeClr val="accent1">
+              <a:shade val="50000"/>
+            </a:schemeClr>
+          </a:lnRef>
+          <a:fillRef idx="1">
+            <a:schemeClr val="accent1"/>
+          </a:fillRef>
+          <a:effectRef idx="0">
+            <a:schemeClr val="accent1"/>
+          </a:effectRef>
+          <a:fontRef idx="minor">
+            <a:schemeClr val="lt1"/>
+          </a:fontRef>
+        </p:style>
+        <p:txBody>
+          <a:bodyPr rtlCol="0" anchor="ctr"/>
+          <a:lstStyle/>
+          <a:p>
+            <a:pPr algn="ctr"/>
+            <a:endParaRPr lang="en-US" dirty="0"/>
+          </a:p>
+        </p:txBody>
+      </p:sp>
+      <p:sp>
+        <p:nvSpPr>
+          <p:cNvPr id="2" name="Título 1">
+            <a:extLst>
+              <a:ext uri="{FF2B5EF4-FFF2-40B4-BE49-F238E27FC236}">
+                <a16:creationId xmlns:a16="http://schemas.microsoft.com/office/drawing/2014/main" id="{FF793BD3-4745-E603-1B4A-91C33297DA13}"/>
+              </a:ext>
+            </a:extLst>
+          </p:cNvPr>
+          <p:cNvSpPr>
+            <a:spLocks noGrp="1"/>
+          </p:cNvSpPr>
+          <p:nvPr>
+            <p:ph type="title"/>
+          </p:nvPr>
+        </p:nvSpPr>
+        <p:spPr>
+          <a:xfrm>
+            <a:off x="1371597" y="348865"/>
+            <a:ext cx="10044023" cy="877729"/>
+          </a:xfrm>
+        </p:spPr>
+        <p:txBody>
+          <a:bodyPr anchor="ctr">
+            <a:normAutofit/>
+          </a:bodyPr>
+          <a:lstStyle/>
+          <a:p>
+            <a:r>
+              <a:rPr lang="pt-BR" sz="4000" dirty="0">
+                <a:solidFill>
+                  <a:srgbClr val="FFFFFF"/>
+                </a:solidFill>
+              </a:rPr>
+              <a:t>Rotulagem</a:t>
+            </a:r>
+          </a:p>
+        </p:txBody>
+      </p:sp>
+      <p:grpSp>
+        <p:nvGrpSpPr>
+          <p:cNvPr id="20" name="Agrupar 19">
+            <a:extLst>
+              <a:ext uri="{FF2B5EF4-FFF2-40B4-BE49-F238E27FC236}">
+                <a16:creationId xmlns:a16="http://schemas.microsoft.com/office/drawing/2014/main" id="{C03CE021-68C6-1571-A8EB-EC32FFBFAB67}"/>
+              </a:ext>
+            </a:extLst>
+          </p:cNvPr>
+          <p:cNvGrpSpPr/>
+          <p:nvPr/>
+        </p:nvGrpSpPr>
+        <p:grpSpPr>
+          <a:xfrm>
+            <a:off x="514800" y="2005200"/>
+            <a:ext cx="2539866" cy="1523919"/>
+            <a:chOff x="5590907" y="445489"/>
+            <a:chExt cx="2539866" cy="1523919"/>
+          </a:xfrm>
+        </p:grpSpPr>
+        <p:sp>
+          <p:nvSpPr>
+            <p:cNvPr id="21" name="Retângulo 20">
+              <a:extLst>
+                <a:ext uri="{FF2B5EF4-FFF2-40B4-BE49-F238E27FC236}">
+                  <a16:creationId xmlns:a16="http://schemas.microsoft.com/office/drawing/2014/main" id="{7229B05E-8D85-CB3F-3094-97208BFB1D0C}"/>
+                </a:ext>
+              </a:extLst>
+            </p:cNvPr>
+            <p:cNvSpPr/>
+            <p:nvPr/>
+          </p:nvSpPr>
+          <p:spPr>
+            <a:xfrm>
+              <a:off x="5590907" y="445489"/>
+              <a:ext cx="2539866" cy="1523919"/>
+            </a:xfrm>
+            <a:prstGeom prst="rect">
+              <a:avLst/>
+            </a:prstGeom>
+            <a:solidFill>
+              <a:schemeClr val="accent4">
+                <a:lumMod val="20000"/>
+                <a:lumOff val="80000"/>
+              </a:schemeClr>
+            </a:solidFill>
+          </p:spPr>
+          <p:style>
+            <a:lnRef idx="2">
+              <a:schemeClr val="dk2">
+                <a:shade val="80000"/>
+                <a:hueOff val="0"/>
+                <a:satOff val="0"/>
+                <a:lumOff val="0"/>
+                <a:alphaOff val="0"/>
+              </a:schemeClr>
+            </a:lnRef>
+            <a:fillRef idx="1">
+              <a:scrgbClr r="0" g="0" b="0"/>
+            </a:fillRef>
+            <a:effectRef idx="0">
+              <a:schemeClr val="lt1">
+                <a:hueOff val="0"/>
+                <a:satOff val="0"/>
+                <a:lumOff val="0"/>
+                <a:alphaOff val="0"/>
+              </a:schemeClr>
+            </a:effectRef>
+            <a:fontRef idx="minor">
+              <a:schemeClr val="dk2">
+                <a:hueOff val="0"/>
+                <a:satOff val="0"/>
+                <a:lumOff val="0"/>
+                <a:alphaOff val="0"/>
+              </a:schemeClr>
+            </a:fontRef>
+          </p:style>
+          <p:txBody>
+            <a:bodyPr/>
+            <a:lstStyle/>
+            <a:p>
+              <a:endParaRPr lang="pt-BR"/>
+            </a:p>
+          </p:txBody>
+        </p:sp>
+        <p:sp>
+          <p:nvSpPr>
+            <p:cNvPr id="22" name="CaixaDeTexto 21">
+              <a:extLst>
+                <a:ext uri="{FF2B5EF4-FFF2-40B4-BE49-F238E27FC236}">
+                  <a16:creationId xmlns:a16="http://schemas.microsoft.com/office/drawing/2014/main" id="{A0B0FE1E-A2F2-B558-9EA6-1A83734D721D}"/>
+                </a:ext>
+              </a:extLst>
+            </p:cNvPr>
+            <p:cNvSpPr txBox="1"/>
+            <p:nvPr/>
+          </p:nvSpPr>
+          <p:spPr>
+            <a:xfrm>
+              <a:off x="5590907" y="445489"/>
+              <a:ext cx="2539866" cy="1523919"/>
+            </a:xfrm>
+            <a:prstGeom prst="rect">
+              <a:avLst/>
+            </a:prstGeom>
+          </p:spPr>
+          <p:style>
+            <a:lnRef idx="0">
+              <a:scrgbClr r="0" g="0" b="0"/>
+            </a:lnRef>
+            <a:fillRef idx="0">
+              <a:scrgbClr r="0" g="0" b="0"/>
+            </a:fillRef>
+            <a:effectRef idx="0">
+              <a:scrgbClr r="0" g="0" b="0"/>
+            </a:effectRef>
+            <a:fontRef idx="minor">
+              <a:schemeClr val="dk2">
+                <a:hueOff val="0"/>
+                <a:satOff val="0"/>
+                <a:lumOff val="0"/>
+                <a:alphaOff val="0"/>
+              </a:schemeClr>
+            </a:fontRef>
+          </p:style>
+          <p:txBody>
+            <a:bodyPr spcFirstLastPara="0" vert="horz" wrap="square" lIns="114300" tIns="114300" rIns="114300" bIns="114300" numCol="1" spcCol="1270" anchor="ctr" anchorCtr="0">
+              <a:noAutofit/>
+            </a:bodyPr>
+            <a:lstStyle/>
+            <a:p>
+              <a:pPr marL="0" lvl="0" indent="0" algn="ctr" defTabSz="1333500">
+                <a:lnSpc>
+                  <a:spcPct val="90000"/>
+                </a:lnSpc>
+                <a:spcBef>
+                  <a:spcPct val="0"/>
+                </a:spcBef>
+                <a:spcAft>
+                  <a:spcPct val="35000"/>
+                </a:spcAft>
+                <a:buNone/>
+              </a:pPr>
+              <a:r>
+                <a:rPr lang="pt-BR" sz="3000" kern="1200" dirty="0"/>
+                <a:t>Descrição bem elaborada?</a:t>
+              </a:r>
+              <a:endParaRPr lang="en-US" sz="3000" kern="1200" dirty="0"/>
+            </a:p>
+          </p:txBody>
+        </p:sp>
+      </p:grpSp>
+      <p:grpSp>
+        <p:nvGrpSpPr>
+          <p:cNvPr id="23" name="Agrupar 22">
+            <a:extLst>
+              <a:ext uri="{FF2B5EF4-FFF2-40B4-BE49-F238E27FC236}">
+                <a16:creationId xmlns:a16="http://schemas.microsoft.com/office/drawing/2014/main" id="{DEB4A687-9904-1FF7-3C62-D44924598BD5}"/>
+              </a:ext>
+            </a:extLst>
+          </p:cNvPr>
+          <p:cNvGrpSpPr/>
+          <p:nvPr/>
+        </p:nvGrpSpPr>
+        <p:grpSpPr>
+          <a:xfrm>
+            <a:off x="514800" y="3956400"/>
+            <a:ext cx="2539866" cy="1523919"/>
+            <a:chOff x="8384760" y="445489"/>
+            <a:chExt cx="2539866" cy="1523919"/>
+          </a:xfrm>
+        </p:grpSpPr>
+        <p:sp>
+          <p:nvSpPr>
+            <p:cNvPr id="24" name="Retângulo 23">
+              <a:extLst>
+                <a:ext uri="{FF2B5EF4-FFF2-40B4-BE49-F238E27FC236}">
+                  <a16:creationId xmlns:a16="http://schemas.microsoft.com/office/drawing/2014/main" id="{2236C107-D928-E841-3FB4-998D10288E27}"/>
+                </a:ext>
+              </a:extLst>
+            </p:cNvPr>
+            <p:cNvSpPr/>
+            <p:nvPr/>
+          </p:nvSpPr>
+          <p:spPr>
+            <a:xfrm>
+              <a:off x="8384760" y="445489"/>
+              <a:ext cx="2539866" cy="1523919"/>
+            </a:xfrm>
+            <a:prstGeom prst="rect">
+              <a:avLst/>
+            </a:prstGeom>
+            <a:solidFill>
+              <a:schemeClr val="accent4">
+                <a:lumMod val="20000"/>
+                <a:lumOff val="80000"/>
+              </a:schemeClr>
+            </a:solidFill>
+          </p:spPr>
+          <p:style>
+            <a:lnRef idx="2">
+              <a:schemeClr val="dk2">
+                <a:shade val="80000"/>
+                <a:hueOff val="0"/>
+                <a:satOff val="0"/>
+                <a:lumOff val="0"/>
+                <a:alphaOff val="0"/>
+              </a:schemeClr>
+            </a:lnRef>
+            <a:fillRef idx="1">
+              <a:scrgbClr r="0" g="0" b="0"/>
+            </a:fillRef>
+            <a:effectRef idx="0">
+              <a:schemeClr val="lt1">
+                <a:hueOff val="0"/>
+                <a:satOff val="0"/>
+                <a:lumOff val="0"/>
+                <a:alphaOff val="0"/>
+              </a:schemeClr>
+            </a:effectRef>
+            <a:fontRef idx="minor">
+              <a:schemeClr val="dk2">
+                <a:hueOff val="0"/>
+                <a:satOff val="0"/>
+                <a:lumOff val="0"/>
+                <a:alphaOff val="0"/>
+              </a:schemeClr>
+            </a:fontRef>
+          </p:style>
+          <p:txBody>
+            <a:bodyPr/>
+            <a:lstStyle/>
+            <a:p>
+              <a:endParaRPr lang="pt-BR"/>
+            </a:p>
+          </p:txBody>
+        </p:sp>
+        <p:sp>
+          <p:nvSpPr>
+            <p:cNvPr id="25" name="CaixaDeTexto 24">
+              <a:extLst>
+                <a:ext uri="{FF2B5EF4-FFF2-40B4-BE49-F238E27FC236}">
+                  <a16:creationId xmlns:a16="http://schemas.microsoft.com/office/drawing/2014/main" id="{544002BE-4216-3BEC-D430-AEBC9CE491A9}"/>
+                </a:ext>
+              </a:extLst>
+            </p:cNvPr>
+            <p:cNvSpPr txBox="1"/>
+            <p:nvPr/>
+          </p:nvSpPr>
+          <p:spPr>
+            <a:xfrm>
+              <a:off x="8384760" y="445489"/>
+              <a:ext cx="2539866" cy="1523919"/>
+            </a:xfrm>
+            <a:prstGeom prst="rect">
+              <a:avLst/>
+            </a:prstGeom>
+          </p:spPr>
+          <p:style>
+            <a:lnRef idx="0">
+              <a:scrgbClr r="0" g="0" b="0"/>
+            </a:lnRef>
+            <a:fillRef idx="0">
+              <a:scrgbClr r="0" g="0" b="0"/>
+            </a:fillRef>
+            <a:effectRef idx="0">
+              <a:scrgbClr r="0" g="0" b="0"/>
+            </a:effectRef>
+            <a:fontRef idx="minor">
+              <a:schemeClr val="dk2">
+                <a:hueOff val="0"/>
+                <a:satOff val="0"/>
+                <a:lumOff val="0"/>
+                <a:alphaOff val="0"/>
+              </a:schemeClr>
+            </a:fontRef>
+          </p:style>
+          <p:txBody>
+            <a:bodyPr spcFirstLastPara="0" vert="horz" wrap="square" lIns="114300" tIns="114300" rIns="114300" bIns="114300" numCol="1" spcCol="1270" anchor="ctr" anchorCtr="0">
+              <a:noAutofit/>
+            </a:bodyPr>
+            <a:lstStyle/>
+            <a:p>
+              <a:pPr marL="0" lvl="0" indent="0" algn="ctr" defTabSz="1333500">
+                <a:lnSpc>
+                  <a:spcPct val="90000"/>
+                </a:lnSpc>
+                <a:spcBef>
+                  <a:spcPct val="0"/>
+                </a:spcBef>
+                <a:spcAft>
+                  <a:spcPct val="35000"/>
+                </a:spcAft>
+                <a:buNone/>
+              </a:pPr>
+              <a:r>
+                <a:rPr lang="pt-BR" sz="3000" kern="1200"/>
+                <a:t>Descrição identifica produto?</a:t>
+              </a:r>
+              <a:endParaRPr lang="en-US" sz="3000" kern="1200"/>
+            </a:p>
+          </p:txBody>
+        </p:sp>
+      </p:grpSp>
+      <p:sp>
+        <p:nvSpPr>
+          <p:cNvPr id="33" name="CaixaDeTexto 32">
+            <a:extLst>
+              <a:ext uri="{FF2B5EF4-FFF2-40B4-BE49-F238E27FC236}">
+                <a16:creationId xmlns:a16="http://schemas.microsoft.com/office/drawing/2014/main" id="{84DA5B08-3A68-A8DB-9A13-FF39EA067EAC}"/>
+              </a:ext>
+            </a:extLst>
+          </p:cNvPr>
+          <p:cNvSpPr txBox="1"/>
+          <p:nvPr/>
+        </p:nvSpPr>
+        <p:spPr>
+          <a:xfrm>
+            <a:off x="3819598" y="2005200"/>
+            <a:ext cx="7812000" cy="1384995"/>
+          </a:xfrm>
+          <a:prstGeom prst="rect">
+            <a:avLst/>
+          </a:prstGeom>
+          <a:noFill/>
+        </p:spPr>
+        <p:txBody>
+          <a:bodyPr wrap="square">
+            <a:spAutoFit/>
+          </a:bodyPr>
+          <a:lstStyle/>
+          <a:p>
+            <a:r>
+              <a:rPr lang="pt-BR" b="1" i="1" dirty="0"/>
+              <a:t>A descrição contém todas as informações necessárias e suficientes para tirar qualquer dúvida sobre as características do produto?</a:t>
+            </a:r>
+          </a:p>
+          <a:p>
+            <a:r>
+              <a:rPr lang="pt-BR" sz="1600" i="1" dirty="0"/>
+              <a:t>Uma boa descrição de produto precisa ter todas as informações necessárias, de forma que o cliente consiga tirar suas dúvidas e comprar com tranquilidade, evitando reclamações, trocas e cancelamentos. (Fonte: Olist, adaptado)</a:t>
+            </a:r>
+          </a:p>
+        </p:txBody>
+      </p:sp>
+      <p:sp>
+        <p:nvSpPr>
+          <p:cNvPr id="34" name="CaixaDeTexto 33">
+            <a:extLst>
+              <a:ext uri="{FF2B5EF4-FFF2-40B4-BE49-F238E27FC236}">
+                <a16:creationId xmlns:a16="http://schemas.microsoft.com/office/drawing/2014/main" id="{6743EC91-C9D6-F539-AB73-D1FBCB1B8FA5}"/>
+              </a:ext>
+            </a:extLst>
+          </p:cNvPr>
+          <p:cNvSpPr txBox="1"/>
+          <p:nvPr/>
+        </p:nvSpPr>
+        <p:spPr>
+          <a:xfrm>
+            <a:off x="3819600" y="3956400"/>
+            <a:ext cx="7812000" cy="923330"/>
+          </a:xfrm>
+          <a:prstGeom prst="rect">
+            <a:avLst/>
+          </a:prstGeom>
+          <a:noFill/>
+        </p:spPr>
+        <p:txBody>
+          <a:bodyPr wrap="square">
+            <a:spAutoFit/>
+          </a:bodyPr>
+          <a:lstStyle/>
+          <a:p>
+            <a:r>
+              <a:rPr lang="pt-BR" b="1" i="1" dirty="0"/>
+              <a:t>As informações contidas na descrição são suficientes para identificar com clareza o produto anunciado?</a:t>
+            </a:r>
+          </a:p>
+        </p:txBody>
+      </p:sp>
+      <p:sp>
+        <p:nvSpPr>
+          <p:cNvPr id="35" name="CaixaDeTexto 34">
+            <a:extLst>
+              <a:ext uri="{FF2B5EF4-FFF2-40B4-BE49-F238E27FC236}">
+                <a16:creationId xmlns:a16="http://schemas.microsoft.com/office/drawing/2014/main" id="{59E7BB01-3878-F826-C27A-BF8B8F316CA0}"/>
+              </a:ext>
+            </a:extLst>
+          </p:cNvPr>
+          <p:cNvSpPr txBox="1"/>
+          <p:nvPr/>
+        </p:nvSpPr>
+        <p:spPr>
+          <a:xfrm>
+            <a:off x="6263277" y="6256137"/>
+            <a:ext cx="5414286" cy="369332"/>
+          </a:xfrm>
+          <a:prstGeom prst="rect">
+            <a:avLst/>
+          </a:prstGeom>
+          <a:noFill/>
+        </p:spPr>
+        <p:txBody>
+          <a:bodyPr wrap="square">
+            <a:spAutoFit/>
+          </a:bodyPr>
+          <a:lstStyle/>
+          <a:p>
+            <a:pPr algn="ctr"/>
+            <a:r>
+              <a:rPr lang="pt-BR" i="1" dirty="0"/>
+              <a:t>Se não houver descrição: "Não se aplica"</a:t>
+            </a:r>
+            <a:endParaRPr lang="pt-BR" dirty="0"/>
+          </a:p>
+        </p:txBody>
+      </p:sp>
+    </p:spTree>
+    <p:extLst>
+      <p:ext uri="{BB962C8B-B14F-4D97-AF65-F5344CB8AC3E}">
+        <p14:creationId xmlns:p14="http://schemas.microsoft.com/office/powerpoint/2010/main" val="3927174657"/>
       </p:ext>
     </p:extLst>
   </p:cSld>
@@ -24549,6 +24466,1056 @@
           <a:lstStyle/>
           <a:p>
             <a:r>
+              <a:rPr lang="pt-BR" sz="4000">
+                <a:solidFill>
+                  <a:srgbClr val="FFFFFF"/>
+                </a:solidFill>
+              </a:rPr>
+              <a:t>Rotulagem</a:t>
+            </a:r>
+          </a:p>
+        </p:txBody>
+      </p:sp>
+      <p:sp>
+        <p:nvSpPr>
+          <p:cNvPr id="7" name="CaixaDeTexto 6">
+            <a:extLst>
+              <a:ext uri="{FF2B5EF4-FFF2-40B4-BE49-F238E27FC236}">
+                <a16:creationId xmlns:a16="http://schemas.microsoft.com/office/drawing/2014/main" id="{A97B8F91-65A7-EDB2-2FD7-F0392C070206}"/>
+              </a:ext>
+            </a:extLst>
+          </p:cNvPr>
+          <p:cNvSpPr txBox="1"/>
+          <p:nvPr/>
+        </p:nvSpPr>
+        <p:spPr>
+          <a:xfrm>
+            <a:off x="514049" y="3697908"/>
+            <a:ext cx="3420000" cy="2585323"/>
+          </a:xfrm>
+          <a:prstGeom prst="rect">
+            <a:avLst/>
+          </a:prstGeom>
+          <a:noFill/>
+        </p:spPr>
+        <p:txBody>
+          <a:bodyPr wrap="square">
+            <a:spAutoFit/>
+          </a:bodyPr>
+          <a:lstStyle/>
+          <a:p>
+            <a:r>
+              <a:rPr lang="pt-BR" b="1" i="1" dirty="0"/>
+              <a:t>O produto anunciado é um produto para telecomunicações?</a:t>
+            </a:r>
+          </a:p>
+          <a:p>
+            <a:r>
+              <a:rPr lang="pt-BR" i="1" dirty="0"/>
+              <a:t>Equipamento, aparelho, dispositivo ou elemento que compõe meio necessário ou suficiente à realização de telecomunicações, seus acessórios e periféricos?</a:t>
+            </a:r>
+            <a:endParaRPr lang="pt-BR" sz="1600" i="1" dirty="0"/>
+          </a:p>
+        </p:txBody>
+      </p:sp>
+      <p:sp>
+        <p:nvSpPr>
+          <p:cNvPr id="26" name="CaixaDeTexto 25">
+            <a:extLst>
+              <a:ext uri="{FF2B5EF4-FFF2-40B4-BE49-F238E27FC236}">
+                <a16:creationId xmlns:a16="http://schemas.microsoft.com/office/drawing/2014/main" id="{33E1C0C7-2E7E-092C-CEB6-E00E8CAF9CAE}"/>
+              </a:ext>
+            </a:extLst>
+          </p:cNvPr>
+          <p:cNvSpPr txBox="1"/>
+          <p:nvPr/>
+        </p:nvSpPr>
+        <p:spPr>
+          <a:xfrm>
+            <a:off x="4386001" y="3681005"/>
+            <a:ext cx="3419999" cy="923330"/>
+          </a:xfrm>
+          <a:prstGeom prst="rect">
+            <a:avLst/>
+          </a:prstGeom>
+          <a:noFill/>
+        </p:spPr>
+        <p:txBody>
+          <a:bodyPr wrap="square">
+            <a:spAutoFit/>
+          </a:bodyPr>
+          <a:lstStyle/>
+          <a:p>
+            <a:r>
+              <a:rPr lang="pt-BR" b="1" i="1" dirty="0"/>
+              <a:t>O produto anunciado é transmissor ou transceptor de radiofrequência?</a:t>
+            </a:r>
+            <a:endParaRPr lang="pt-BR" sz="1600" i="1" dirty="0"/>
+          </a:p>
+        </p:txBody>
+      </p:sp>
+      <p:sp>
+        <p:nvSpPr>
+          <p:cNvPr id="27" name="CaixaDeTexto 26">
+            <a:extLst>
+              <a:ext uri="{FF2B5EF4-FFF2-40B4-BE49-F238E27FC236}">
+                <a16:creationId xmlns:a16="http://schemas.microsoft.com/office/drawing/2014/main" id="{D875316E-DDF1-ECF8-85BF-ECFB3CAE1563}"/>
+              </a:ext>
+            </a:extLst>
+          </p:cNvPr>
+          <p:cNvSpPr txBox="1"/>
+          <p:nvPr/>
+        </p:nvSpPr>
+        <p:spPr>
+          <a:xfrm>
+            <a:off x="8289004" y="3697908"/>
+            <a:ext cx="3419992" cy="2862322"/>
+          </a:xfrm>
+          <a:prstGeom prst="rect">
+            <a:avLst/>
+          </a:prstGeom>
+          <a:noFill/>
+        </p:spPr>
+        <p:txBody>
+          <a:bodyPr wrap="square">
+            <a:spAutoFit/>
+          </a:bodyPr>
+          <a:lstStyle/>
+          <a:p>
+            <a:r>
+              <a:rPr lang="pt-BR" sz="1200" i="1" dirty="0"/>
+              <a:t>Bateria não destinada a celular</a:t>
+            </a:r>
+          </a:p>
+          <a:p>
+            <a:r>
+              <a:rPr lang="pt-BR" sz="1200" i="1" dirty="0"/>
+              <a:t>Bateria para telefone celular</a:t>
+            </a:r>
+          </a:p>
+          <a:p>
+            <a:r>
+              <a:rPr lang="pt-BR" sz="1200" i="1" dirty="0"/>
+              <a:t>Bloqueador de sinal de celular (</a:t>
+            </a:r>
+            <a:r>
+              <a:rPr lang="pt-BR" sz="1200" i="1" dirty="0" err="1"/>
+              <a:t>jammer</a:t>
+            </a:r>
+            <a:r>
+              <a:rPr lang="pt-BR" sz="1200" i="1" dirty="0"/>
+              <a:t>/</a:t>
+            </a:r>
+            <a:r>
+              <a:rPr lang="pt-BR" sz="1200" i="1" dirty="0" err="1"/>
+              <a:t>Flipper</a:t>
+            </a:r>
+            <a:r>
+              <a:rPr lang="pt-BR" sz="1200" i="1" dirty="0"/>
+              <a:t> Zero)</a:t>
+            </a:r>
+          </a:p>
+          <a:p>
+            <a:r>
+              <a:rPr lang="pt-BR" sz="1200" i="1" dirty="0"/>
+              <a:t>Carregador de celular: parede ou veicular</a:t>
+            </a:r>
+          </a:p>
+          <a:p>
+            <a:r>
+              <a:rPr lang="pt-BR" sz="1200" i="1" dirty="0"/>
+              <a:t>Carregador de celular: portátil (</a:t>
+            </a:r>
+            <a:r>
+              <a:rPr lang="pt-BR" sz="1200" i="1" dirty="0" err="1"/>
+              <a:t>powerbank</a:t>
+            </a:r>
+            <a:r>
+              <a:rPr lang="pt-BR" sz="1200" i="1" dirty="0"/>
+              <a:t>)</a:t>
+            </a:r>
+          </a:p>
+          <a:p>
+            <a:r>
+              <a:rPr lang="pt-BR" sz="1200" i="1" dirty="0"/>
+              <a:t>Carregador ou fonte não destinada a celular</a:t>
+            </a:r>
+          </a:p>
+          <a:p>
+            <a:r>
+              <a:rPr lang="pt-BR" sz="1200" i="1" dirty="0"/>
+              <a:t>Computador ou notebook</a:t>
+            </a:r>
+          </a:p>
+          <a:p>
+            <a:r>
+              <a:rPr lang="pt-BR" sz="1200" i="1" dirty="0"/>
+              <a:t>Drone</a:t>
+            </a:r>
+          </a:p>
+          <a:p>
+            <a:r>
+              <a:rPr lang="pt-BR" sz="1200" i="1" dirty="0"/>
+              <a:t>Peças e acessórios para computador com fio</a:t>
+            </a:r>
+          </a:p>
+          <a:p>
+            <a:r>
+              <a:rPr lang="pt-BR" sz="1200" i="1" dirty="0"/>
+              <a:t>Roteador/reforçador WiFi</a:t>
+            </a:r>
+          </a:p>
+          <a:p>
+            <a:r>
+              <a:rPr lang="pt-BR" sz="1200" i="1" dirty="0"/>
+              <a:t>Reforçador/repetidor de sinal de celular</a:t>
+            </a:r>
+          </a:p>
+          <a:p>
+            <a:r>
+              <a:rPr lang="pt-BR" sz="1200" i="1" dirty="0"/>
+              <a:t>Telefone celular</a:t>
+            </a:r>
+          </a:p>
+          <a:p>
+            <a:r>
+              <a:rPr lang="pt-BR" sz="1200" i="1" dirty="0"/>
+              <a:t>TV Box</a:t>
+            </a:r>
+          </a:p>
+          <a:p>
+            <a:r>
+              <a:rPr lang="pt-BR" sz="1200" i="1" dirty="0"/>
+              <a:t>Outra (tipo/categoria não listada acima)</a:t>
+            </a:r>
+          </a:p>
+        </p:txBody>
+      </p:sp>
+      <p:grpSp>
+        <p:nvGrpSpPr>
+          <p:cNvPr id="3" name="Agrupar 2">
+            <a:extLst>
+              <a:ext uri="{FF2B5EF4-FFF2-40B4-BE49-F238E27FC236}">
+                <a16:creationId xmlns:a16="http://schemas.microsoft.com/office/drawing/2014/main" id="{BD003B5F-8440-13C4-2066-548D43ACAF49}"/>
+              </a:ext>
+            </a:extLst>
+          </p:cNvPr>
+          <p:cNvGrpSpPr/>
+          <p:nvPr/>
+        </p:nvGrpSpPr>
+        <p:grpSpPr>
+          <a:xfrm>
+            <a:off x="514800" y="2005200"/>
+            <a:ext cx="3420000" cy="1523919"/>
+            <a:chOff x="1400128" y="2223395"/>
+            <a:chExt cx="2539866" cy="1523919"/>
+          </a:xfrm>
+        </p:grpSpPr>
+        <p:sp>
+          <p:nvSpPr>
+            <p:cNvPr id="4" name="Retângulo 3">
+              <a:extLst>
+                <a:ext uri="{FF2B5EF4-FFF2-40B4-BE49-F238E27FC236}">
+                  <a16:creationId xmlns:a16="http://schemas.microsoft.com/office/drawing/2014/main" id="{21633B35-7925-6538-AC43-B93252247552}"/>
+                </a:ext>
+              </a:extLst>
+            </p:cNvPr>
+            <p:cNvSpPr/>
+            <p:nvPr/>
+          </p:nvSpPr>
+          <p:spPr>
+            <a:xfrm>
+              <a:off x="1400128" y="2223395"/>
+              <a:ext cx="2539866" cy="1523919"/>
+            </a:xfrm>
+            <a:prstGeom prst="rect">
+              <a:avLst/>
+            </a:prstGeom>
+            <a:solidFill>
+              <a:schemeClr val="accent3">
+                <a:lumMod val="20000"/>
+                <a:lumOff val="80000"/>
+              </a:schemeClr>
+            </a:solidFill>
+          </p:spPr>
+          <p:style>
+            <a:lnRef idx="2">
+              <a:schemeClr val="dk2">
+                <a:shade val="80000"/>
+                <a:hueOff val="0"/>
+                <a:satOff val="0"/>
+                <a:lumOff val="0"/>
+                <a:alphaOff val="0"/>
+              </a:schemeClr>
+            </a:lnRef>
+            <a:fillRef idx="1">
+              <a:scrgbClr r="0" g="0" b="0"/>
+            </a:fillRef>
+            <a:effectRef idx="0">
+              <a:schemeClr val="lt1">
+                <a:hueOff val="0"/>
+                <a:satOff val="0"/>
+                <a:lumOff val="0"/>
+                <a:alphaOff val="0"/>
+              </a:schemeClr>
+            </a:effectRef>
+            <a:fontRef idx="minor">
+              <a:schemeClr val="dk2">
+                <a:hueOff val="0"/>
+                <a:satOff val="0"/>
+                <a:lumOff val="0"/>
+                <a:alphaOff val="0"/>
+              </a:schemeClr>
+            </a:fontRef>
+          </p:style>
+          <p:txBody>
+            <a:bodyPr/>
+            <a:lstStyle/>
+            <a:p>
+              <a:endParaRPr lang="pt-BR"/>
+            </a:p>
+          </p:txBody>
+        </p:sp>
+        <p:sp>
+          <p:nvSpPr>
+            <p:cNvPr id="5" name="CaixaDeTexto 4">
+              <a:extLst>
+                <a:ext uri="{FF2B5EF4-FFF2-40B4-BE49-F238E27FC236}">
+                  <a16:creationId xmlns:a16="http://schemas.microsoft.com/office/drawing/2014/main" id="{F49A02A6-B6A0-EC0F-1C80-4FA5D94916C2}"/>
+                </a:ext>
+              </a:extLst>
+            </p:cNvPr>
+            <p:cNvSpPr txBox="1"/>
+            <p:nvPr/>
+          </p:nvSpPr>
+          <p:spPr>
+            <a:xfrm>
+              <a:off x="1400128" y="2223395"/>
+              <a:ext cx="2539866" cy="1523919"/>
+            </a:xfrm>
+            <a:prstGeom prst="rect">
+              <a:avLst/>
+            </a:prstGeom>
+          </p:spPr>
+          <p:style>
+            <a:lnRef idx="0">
+              <a:scrgbClr r="0" g="0" b="0"/>
+            </a:lnRef>
+            <a:fillRef idx="0">
+              <a:scrgbClr r="0" g="0" b="0"/>
+            </a:fillRef>
+            <a:effectRef idx="0">
+              <a:scrgbClr r="0" g="0" b="0"/>
+            </a:effectRef>
+            <a:fontRef idx="minor">
+              <a:schemeClr val="dk2">
+                <a:hueOff val="0"/>
+                <a:satOff val="0"/>
+                <a:lumOff val="0"/>
+                <a:alphaOff val="0"/>
+              </a:schemeClr>
+            </a:fontRef>
+          </p:style>
+          <p:txBody>
+            <a:bodyPr spcFirstLastPara="0" vert="horz" wrap="square" lIns="114300" tIns="114300" rIns="114300" bIns="114300" numCol="1" spcCol="1270" anchor="ctr" anchorCtr="0">
+              <a:noAutofit/>
+            </a:bodyPr>
+            <a:lstStyle/>
+            <a:p>
+              <a:pPr marL="0" lvl="0" indent="0" algn="ctr" defTabSz="1333500">
+                <a:lnSpc>
+                  <a:spcPct val="90000"/>
+                </a:lnSpc>
+                <a:spcBef>
+                  <a:spcPct val="0"/>
+                </a:spcBef>
+                <a:spcAft>
+                  <a:spcPct val="35000"/>
+                </a:spcAft>
+                <a:buNone/>
+              </a:pPr>
+              <a:r>
+                <a:rPr lang="pt-BR" sz="2800" kern="1200" dirty="0"/>
+                <a:t>É produto para telecomunicações?</a:t>
+              </a:r>
+              <a:endParaRPr lang="en-US" sz="2800" kern="1200" dirty="0"/>
+            </a:p>
+          </p:txBody>
+        </p:sp>
+      </p:grpSp>
+      <p:grpSp>
+        <p:nvGrpSpPr>
+          <p:cNvPr id="6" name="Agrupar 5">
+            <a:extLst>
+              <a:ext uri="{FF2B5EF4-FFF2-40B4-BE49-F238E27FC236}">
+                <a16:creationId xmlns:a16="http://schemas.microsoft.com/office/drawing/2014/main" id="{56C760B1-B1DE-EEC8-B102-D9E70E2D124B}"/>
+              </a:ext>
+            </a:extLst>
+          </p:cNvPr>
+          <p:cNvGrpSpPr/>
+          <p:nvPr/>
+        </p:nvGrpSpPr>
+        <p:grpSpPr>
+          <a:xfrm>
+            <a:off x="4386000" y="2005200"/>
+            <a:ext cx="3420000" cy="1527674"/>
+            <a:chOff x="4193981" y="2223395"/>
+            <a:chExt cx="2539866" cy="1527674"/>
+          </a:xfrm>
+        </p:grpSpPr>
+        <p:sp>
+          <p:nvSpPr>
+            <p:cNvPr id="8" name="Retângulo 7">
+              <a:extLst>
+                <a:ext uri="{FF2B5EF4-FFF2-40B4-BE49-F238E27FC236}">
+                  <a16:creationId xmlns:a16="http://schemas.microsoft.com/office/drawing/2014/main" id="{3CEA12F4-ACB3-FF5E-41E3-3A7D3951381D}"/>
+                </a:ext>
+              </a:extLst>
+            </p:cNvPr>
+            <p:cNvSpPr/>
+            <p:nvPr/>
+          </p:nvSpPr>
+          <p:spPr>
+            <a:xfrm>
+              <a:off x="4193981" y="2223395"/>
+              <a:ext cx="2539866" cy="1523919"/>
+            </a:xfrm>
+            <a:prstGeom prst="rect">
+              <a:avLst/>
+            </a:prstGeom>
+            <a:solidFill>
+              <a:schemeClr val="accent3">
+                <a:lumMod val="20000"/>
+                <a:lumOff val="80000"/>
+              </a:schemeClr>
+            </a:solidFill>
+          </p:spPr>
+          <p:style>
+            <a:lnRef idx="2">
+              <a:schemeClr val="dk2">
+                <a:shade val="80000"/>
+                <a:hueOff val="0"/>
+                <a:satOff val="0"/>
+                <a:lumOff val="0"/>
+                <a:alphaOff val="0"/>
+              </a:schemeClr>
+            </a:lnRef>
+            <a:fillRef idx="1">
+              <a:scrgbClr r="0" g="0" b="0"/>
+            </a:fillRef>
+            <a:effectRef idx="0">
+              <a:schemeClr val="lt1">
+                <a:hueOff val="0"/>
+                <a:satOff val="0"/>
+                <a:lumOff val="0"/>
+                <a:alphaOff val="0"/>
+              </a:schemeClr>
+            </a:effectRef>
+            <a:fontRef idx="minor">
+              <a:schemeClr val="dk2">
+                <a:hueOff val="0"/>
+                <a:satOff val="0"/>
+                <a:lumOff val="0"/>
+                <a:alphaOff val="0"/>
+              </a:schemeClr>
+            </a:fontRef>
+          </p:style>
+          <p:txBody>
+            <a:bodyPr/>
+            <a:lstStyle/>
+            <a:p>
+              <a:endParaRPr lang="pt-BR"/>
+            </a:p>
+          </p:txBody>
+        </p:sp>
+        <p:sp>
+          <p:nvSpPr>
+            <p:cNvPr id="28" name="CaixaDeTexto 27">
+              <a:extLst>
+                <a:ext uri="{FF2B5EF4-FFF2-40B4-BE49-F238E27FC236}">
+                  <a16:creationId xmlns:a16="http://schemas.microsoft.com/office/drawing/2014/main" id="{22B31459-C3D1-A324-CB41-38B643751B5D}"/>
+                </a:ext>
+              </a:extLst>
+            </p:cNvPr>
+            <p:cNvSpPr txBox="1"/>
+            <p:nvPr/>
+          </p:nvSpPr>
+          <p:spPr>
+            <a:xfrm>
+              <a:off x="4193981" y="2227150"/>
+              <a:ext cx="2539866" cy="1523919"/>
+            </a:xfrm>
+            <a:prstGeom prst="rect">
+              <a:avLst/>
+            </a:prstGeom>
+          </p:spPr>
+          <p:style>
+            <a:lnRef idx="0">
+              <a:scrgbClr r="0" g="0" b="0"/>
+            </a:lnRef>
+            <a:fillRef idx="0">
+              <a:scrgbClr r="0" g="0" b="0"/>
+            </a:fillRef>
+            <a:effectRef idx="0">
+              <a:scrgbClr r="0" g="0" b="0"/>
+            </a:effectRef>
+            <a:fontRef idx="minor">
+              <a:schemeClr val="dk2">
+                <a:hueOff val="0"/>
+                <a:satOff val="0"/>
+                <a:lumOff val="0"/>
+                <a:alphaOff val="0"/>
+              </a:schemeClr>
+            </a:fontRef>
+          </p:style>
+          <p:txBody>
+            <a:bodyPr spcFirstLastPara="0" vert="horz" wrap="square" lIns="114300" tIns="114300" rIns="114300" bIns="114300" numCol="1" spcCol="1270" anchor="ctr" anchorCtr="0">
+              <a:noAutofit/>
+            </a:bodyPr>
+            <a:lstStyle/>
+            <a:p>
+              <a:pPr marL="0" lvl="0" indent="0" algn="ctr" defTabSz="1333500">
+                <a:lnSpc>
+                  <a:spcPct val="90000"/>
+                </a:lnSpc>
+                <a:spcBef>
+                  <a:spcPct val="0"/>
+                </a:spcBef>
+                <a:spcAft>
+                  <a:spcPct val="35000"/>
+                </a:spcAft>
+                <a:buNone/>
+              </a:pPr>
+              <a:r>
+                <a:rPr lang="pt-BR" sz="2800" kern="1200" dirty="0"/>
+                <a:t>É transmissor de RF?</a:t>
+              </a:r>
+              <a:endParaRPr lang="en-US" sz="2800" kern="1200" dirty="0"/>
+            </a:p>
+          </p:txBody>
+        </p:sp>
+      </p:grpSp>
+      <p:grpSp>
+        <p:nvGrpSpPr>
+          <p:cNvPr id="30" name="Agrupar 29">
+            <a:extLst>
+              <a:ext uri="{FF2B5EF4-FFF2-40B4-BE49-F238E27FC236}">
+                <a16:creationId xmlns:a16="http://schemas.microsoft.com/office/drawing/2014/main" id="{6FC86C17-130F-FC6B-4D54-1A1A48D1D26F}"/>
+              </a:ext>
+            </a:extLst>
+          </p:cNvPr>
+          <p:cNvGrpSpPr/>
+          <p:nvPr/>
+        </p:nvGrpSpPr>
+        <p:grpSpPr>
+          <a:xfrm>
+            <a:off x="8257200" y="2005200"/>
+            <a:ext cx="3420000" cy="1552028"/>
+            <a:chOff x="6987828" y="2223395"/>
+            <a:chExt cx="2539872" cy="1552028"/>
+          </a:xfrm>
+        </p:grpSpPr>
+        <p:sp>
+          <p:nvSpPr>
+            <p:cNvPr id="31" name="Retângulo 30">
+              <a:extLst>
+                <a:ext uri="{FF2B5EF4-FFF2-40B4-BE49-F238E27FC236}">
+                  <a16:creationId xmlns:a16="http://schemas.microsoft.com/office/drawing/2014/main" id="{E5C47A9F-C3B1-8C27-C1CE-5A0F8EA45B43}"/>
+                </a:ext>
+              </a:extLst>
+            </p:cNvPr>
+            <p:cNvSpPr/>
+            <p:nvPr/>
+          </p:nvSpPr>
+          <p:spPr>
+            <a:xfrm>
+              <a:off x="6987834" y="2223395"/>
+              <a:ext cx="2539866" cy="1523919"/>
+            </a:xfrm>
+            <a:prstGeom prst="rect">
+              <a:avLst/>
+            </a:prstGeom>
+            <a:solidFill>
+              <a:schemeClr val="accent3">
+                <a:lumMod val="20000"/>
+                <a:lumOff val="80000"/>
+              </a:schemeClr>
+            </a:solidFill>
+          </p:spPr>
+          <p:style>
+            <a:lnRef idx="2">
+              <a:schemeClr val="dk2">
+                <a:shade val="80000"/>
+                <a:hueOff val="0"/>
+                <a:satOff val="0"/>
+                <a:lumOff val="0"/>
+                <a:alphaOff val="0"/>
+              </a:schemeClr>
+            </a:lnRef>
+            <a:fillRef idx="1">
+              <a:scrgbClr r="0" g="0" b="0"/>
+            </a:fillRef>
+            <a:effectRef idx="0">
+              <a:schemeClr val="lt1">
+                <a:hueOff val="0"/>
+                <a:satOff val="0"/>
+                <a:lumOff val="0"/>
+                <a:alphaOff val="0"/>
+              </a:schemeClr>
+            </a:effectRef>
+            <a:fontRef idx="minor">
+              <a:schemeClr val="dk2">
+                <a:hueOff val="0"/>
+                <a:satOff val="0"/>
+                <a:lumOff val="0"/>
+                <a:alphaOff val="0"/>
+              </a:schemeClr>
+            </a:fontRef>
+          </p:style>
+          <p:txBody>
+            <a:bodyPr/>
+            <a:lstStyle/>
+            <a:p>
+              <a:endParaRPr lang="pt-BR"/>
+            </a:p>
+          </p:txBody>
+        </p:sp>
+        <p:sp>
+          <p:nvSpPr>
+            <p:cNvPr id="32" name="CaixaDeTexto 31">
+              <a:extLst>
+                <a:ext uri="{FF2B5EF4-FFF2-40B4-BE49-F238E27FC236}">
+                  <a16:creationId xmlns:a16="http://schemas.microsoft.com/office/drawing/2014/main" id="{99DD1E1B-E443-9C0E-457E-5A43A7BC5907}"/>
+                </a:ext>
+              </a:extLst>
+            </p:cNvPr>
+            <p:cNvSpPr txBox="1"/>
+            <p:nvPr/>
+          </p:nvSpPr>
+          <p:spPr>
+            <a:xfrm>
+              <a:off x="6987828" y="2251504"/>
+              <a:ext cx="2539866" cy="1523919"/>
+            </a:xfrm>
+            <a:prstGeom prst="rect">
+              <a:avLst/>
+            </a:prstGeom>
+          </p:spPr>
+          <p:style>
+            <a:lnRef idx="0">
+              <a:scrgbClr r="0" g="0" b="0"/>
+            </a:lnRef>
+            <a:fillRef idx="0">
+              <a:scrgbClr r="0" g="0" b="0"/>
+            </a:fillRef>
+            <a:effectRef idx="0">
+              <a:scrgbClr r="0" g="0" b="0"/>
+            </a:effectRef>
+            <a:fontRef idx="minor">
+              <a:schemeClr val="dk2">
+                <a:hueOff val="0"/>
+                <a:satOff val="0"/>
+                <a:lumOff val="0"/>
+                <a:alphaOff val="0"/>
+              </a:schemeClr>
+            </a:fontRef>
+          </p:style>
+          <p:txBody>
+            <a:bodyPr spcFirstLastPara="0" vert="horz" wrap="square" lIns="114300" tIns="114300" rIns="114300" bIns="114300" numCol="1" spcCol="1270" anchor="ctr" anchorCtr="0">
+              <a:noAutofit/>
+            </a:bodyPr>
+            <a:lstStyle/>
+            <a:p>
+              <a:pPr marL="0" lvl="0" indent="0" algn="ctr" defTabSz="1333500">
+                <a:lnSpc>
+                  <a:spcPct val="90000"/>
+                </a:lnSpc>
+                <a:spcBef>
+                  <a:spcPct val="0"/>
+                </a:spcBef>
+                <a:spcAft>
+                  <a:spcPct val="35000"/>
+                </a:spcAft>
+                <a:buNone/>
+              </a:pPr>
+              <a:r>
+                <a:rPr lang="pt-BR" sz="2800" kern="1200" dirty="0"/>
+                <a:t>Qual o tipo do produto?</a:t>
+              </a:r>
+              <a:endParaRPr lang="en-US" sz="2800" kern="1200" dirty="0"/>
+            </a:p>
+          </p:txBody>
+        </p:sp>
+      </p:grpSp>
+    </p:spTree>
+    <p:extLst>
+      <p:ext uri="{BB962C8B-B14F-4D97-AF65-F5344CB8AC3E}">
+        <p14:creationId xmlns:p14="http://schemas.microsoft.com/office/powerpoint/2010/main" val="3814030828"/>
+      </p:ext>
+    </p:extLst>
+  </p:cSld>
+  <p:clrMapOvr>
+    <a:masterClrMapping/>
+  </p:clrMapOvr>
+</p:sld>
+</file>
+
+<file path=ppt/slides/slide14.xml><?xml version="1.0" encoding="utf-8"?>
+<p:sld xmlns:a="http://schemas.openxmlformats.org/drawingml/2006/main" xmlns:r="http://schemas.openxmlformats.org/officeDocument/2006/relationships" xmlns:p="http://schemas.openxmlformats.org/presentationml/2006/main">
+  <p:cSld>
+    <p:bg>
+      <p:bgPr>
+        <a:solidFill>
+          <a:schemeClr val="bg1"/>
+        </a:solidFill>
+        <a:effectLst/>
+      </p:bgPr>
+    </p:bg>
+    <p:spTree>
+      <p:nvGrpSpPr>
+        <p:cNvPr id="1" name=""/>
+        <p:cNvGrpSpPr/>
+        <p:nvPr/>
+      </p:nvGrpSpPr>
+      <p:grpSpPr>
+        <a:xfrm>
+          <a:off x="0" y="0"/>
+          <a:ext cx="0" cy="0"/>
+          <a:chOff x="0" y="0"/>
+          <a:chExt cx="0" cy="0"/>
+        </a:xfrm>
+      </p:grpSpPr>
+      <p:sp useBgFill="1">
+        <p:nvSpPr>
+          <p:cNvPr id="9" name="Rectangle 8">
+            <a:extLst>
+              <a:ext uri="{FF2B5EF4-FFF2-40B4-BE49-F238E27FC236}">
+                <a16:creationId xmlns:a16="http://schemas.microsoft.com/office/drawing/2014/main" id="{BACC6370-2D7E-4714-9D71-7542949D7D5D}"/>
+              </a:ext>
+              <a:ext uri="{C183D7F6-B498-43B3-948B-1728B52AA6E4}">
+                <adec:decorative xmlns:adec="http://schemas.microsoft.com/office/drawing/2017/decorative" val="1"/>
+              </a:ext>
+            </a:extLst>
+          </p:cNvPr>
+          <p:cNvSpPr>
+            <a:spLocks noGrp="1" noRot="1" noChangeAspect="1" noMove="1" noResize="1" noEditPoints="1" noAdjustHandles="1" noChangeArrowheads="1" noChangeShapeType="1" noTextEdit="1"/>
+          </p:cNvSpPr>
+          <p:nvPr>
+            <p:extLst>
+              <p:ext uri="{386F3935-93C4-4BCD-93E2-E3B085C9AB24}">
+                <p16:designElem xmlns:p16="http://schemas.microsoft.com/office/powerpoint/2015/main" val="1"/>
+              </p:ext>
+            </p:extLst>
+          </p:nvPr>
+        </p:nvSpPr>
+        <p:spPr>
+          <a:xfrm>
+            <a:off x="0" y="0"/>
+            <a:ext cx="12192000" cy="6858000"/>
+          </a:xfrm>
+          <a:prstGeom prst="rect">
+            <a:avLst/>
+          </a:prstGeom>
+          <a:ln w="12700" cap="flat" cmpd="sng" algn="ctr">
+            <a:noFill/>
+            <a:prstDash val="solid"/>
+            <a:miter lim="800000"/>
+          </a:ln>
+          <a:effectLst/>
+          <a:extLst>
+            <a:ext uri="{91240B29-F687-4F45-9708-019B960494DF}">
+              <a14:hiddenLine xmlns:a14="http://schemas.microsoft.com/office/drawing/2010/main" w="12700" cap="flat" cmpd="sng" algn="ctr">
+                <a:solidFill>
+                  <a:schemeClr val="accent1">
+                    <a:shade val="50000"/>
+                  </a:schemeClr>
+                </a:solidFill>
+                <a:prstDash val="solid"/>
+                <a:miter lim="800000"/>
+              </a14:hiddenLine>
+            </a:ext>
+          </a:extLst>
+        </p:spPr>
+        <p:style>
+          <a:lnRef idx="2">
+            <a:schemeClr val="accent1">
+              <a:shade val="50000"/>
+            </a:schemeClr>
+          </a:lnRef>
+          <a:fillRef idx="1">
+            <a:schemeClr val="accent1"/>
+          </a:fillRef>
+          <a:effectRef idx="0">
+            <a:schemeClr val="accent1"/>
+          </a:effectRef>
+          <a:fontRef idx="minor">
+            <a:schemeClr val="lt1"/>
+          </a:fontRef>
+        </p:style>
+        <p:txBody>
+          <a:bodyPr rtlCol="0" anchor="ctr"/>
+          <a:lstStyle/>
+          <a:p>
+            <a:pPr algn="ctr"/>
+            <a:endParaRPr lang="en-US"/>
+          </a:p>
+        </p:txBody>
+      </p:sp>
+      <p:sp>
+        <p:nvSpPr>
+          <p:cNvPr id="11" name="Rectangle 10">
+            <a:extLst>
+              <a:ext uri="{FF2B5EF4-FFF2-40B4-BE49-F238E27FC236}">
+                <a16:creationId xmlns:a16="http://schemas.microsoft.com/office/drawing/2014/main" id="{F68B3F68-107C-434F-AA38-110D5EA91B85}"/>
+              </a:ext>
+              <a:ext uri="{C183D7F6-B498-43B3-948B-1728B52AA6E4}">
+                <adec:decorative xmlns:adec="http://schemas.microsoft.com/office/drawing/2017/decorative" val="1"/>
+              </a:ext>
+            </a:extLst>
+          </p:cNvPr>
+          <p:cNvSpPr>
+            <a:spLocks noGrp="1" noRot="1" noChangeAspect="1" noMove="1" noResize="1" noEditPoints="1" noAdjustHandles="1" noChangeArrowheads="1" noChangeShapeType="1" noTextEdit="1"/>
+          </p:cNvSpPr>
+          <p:nvPr>
+            <p:extLst>
+              <p:ext uri="{386F3935-93C4-4BCD-93E2-E3B085C9AB24}">
+                <p16:designElem xmlns:p16="http://schemas.microsoft.com/office/powerpoint/2015/main" val="1"/>
+              </p:ext>
+            </p:extLst>
+          </p:nvPr>
+        </p:nvSpPr>
+        <p:spPr>
+          <a:xfrm flipH="1">
+            <a:off x="2" y="0"/>
+            <a:ext cx="12191998" cy="1575955"/>
+          </a:xfrm>
+          <a:prstGeom prst="rect">
+            <a:avLst/>
+          </a:prstGeom>
+          <a:gradFill>
+            <a:gsLst>
+              <a:gs pos="0">
+                <a:srgbClr val="000000">
+                  <a:alpha val="96000"/>
+                </a:srgbClr>
+              </a:gs>
+              <a:gs pos="100000">
+                <a:schemeClr val="accent1">
+                  <a:lumMod val="75000"/>
+                </a:schemeClr>
+              </a:gs>
+            </a:gsLst>
+            <a:lin ang="8400000" scaled="0"/>
+          </a:gradFill>
+          <a:ln>
+            <a:noFill/>
+          </a:ln>
+        </p:spPr>
+        <p:style>
+          <a:lnRef idx="2">
+            <a:schemeClr val="accent1">
+              <a:shade val="50000"/>
+            </a:schemeClr>
+          </a:lnRef>
+          <a:fillRef idx="1">
+            <a:schemeClr val="accent1"/>
+          </a:fillRef>
+          <a:effectRef idx="0">
+            <a:schemeClr val="accent1"/>
+          </a:effectRef>
+          <a:fontRef idx="minor">
+            <a:schemeClr val="lt1"/>
+          </a:fontRef>
+        </p:style>
+        <p:txBody>
+          <a:bodyPr rtlCol="0" anchor="ctr"/>
+          <a:lstStyle/>
+          <a:p>
+            <a:pPr algn="ctr"/>
+            <a:endParaRPr lang="en-US"/>
+          </a:p>
+        </p:txBody>
+      </p:sp>
+      <p:sp>
+        <p:nvSpPr>
+          <p:cNvPr id="13" name="Rectangle 12">
+            <a:extLst>
+              <a:ext uri="{FF2B5EF4-FFF2-40B4-BE49-F238E27FC236}">
+                <a16:creationId xmlns:a16="http://schemas.microsoft.com/office/drawing/2014/main" id="{AAD0DBB9-1A4B-4391-81D4-CB19F9AB918A}"/>
+              </a:ext>
+              <a:ext uri="{C183D7F6-B498-43B3-948B-1728B52AA6E4}">
+                <adec:decorative xmlns:adec="http://schemas.microsoft.com/office/drawing/2017/decorative" val="1"/>
+              </a:ext>
+            </a:extLst>
+          </p:cNvPr>
+          <p:cNvSpPr>
+            <a:spLocks noGrp="1" noRot="1" noChangeAspect="1" noMove="1" noResize="1" noEditPoints="1" noAdjustHandles="1" noChangeArrowheads="1" noChangeShapeType="1" noTextEdit="1"/>
+          </p:cNvSpPr>
+          <p:nvPr>
+            <p:extLst>
+              <p:ext uri="{386F3935-93C4-4BCD-93E2-E3B085C9AB24}">
+                <p16:designElem xmlns:p16="http://schemas.microsoft.com/office/powerpoint/2015/main" val="1"/>
+              </p:ext>
+            </p:extLst>
+          </p:nvPr>
+        </p:nvSpPr>
+        <p:spPr>
+          <a:xfrm rot="10800000" flipH="1">
+            <a:off x="8128857" y="0"/>
+            <a:ext cx="4063143" cy="1576412"/>
+          </a:xfrm>
+          <a:prstGeom prst="rect">
+            <a:avLst/>
+          </a:prstGeom>
+          <a:gradFill>
+            <a:gsLst>
+              <a:gs pos="19000">
+                <a:schemeClr val="accent1">
+                  <a:lumMod val="50000"/>
+                  <a:alpha val="68000"/>
+                </a:schemeClr>
+              </a:gs>
+              <a:gs pos="100000">
+                <a:schemeClr val="accent1">
+                  <a:alpha val="79000"/>
+                </a:schemeClr>
+              </a:gs>
+            </a:gsLst>
+            <a:lin ang="19200000" scaled="0"/>
+          </a:gradFill>
+          <a:ln>
+            <a:noFill/>
+          </a:ln>
+        </p:spPr>
+        <p:style>
+          <a:lnRef idx="2">
+            <a:schemeClr val="accent1">
+              <a:shade val="50000"/>
+            </a:schemeClr>
+          </a:lnRef>
+          <a:fillRef idx="1">
+            <a:schemeClr val="accent1"/>
+          </a:fillRef>
+          <a:effectRef idx="0">
+            <a:schemeClr val="accent1"/>
+          </a:effectRef>
+          <a:fontRef idx="minor">
+            <a:schemeClr val="lt1"/>
+          </a:fontRef>
+        </p:style>
+        <p:txBody>
+          <a:bodyPr rtlCol="0" anchor="ctr"/>
+          <a:lstStyle/>
+          <a:p>
+            <a:pPr algn="ctr"/>
+            <a:endParaRPr lang="en-US"/>
+          </a:p>
+        </p:txBody>
+      </p:sp>
+      <p:sp>
+        <p:nvSpPr>
+          <p:cNvPr id="15" name="Rectangle 14">
+            <a:extLst>
+              <a:ext uri="{FF2B5EF4-FFF2-40B4-BE49-F238E27FC236}">
+                <a16:creationId xmlns:a16="http://schemas.microsoft.com/office/drawing/2014/main" id="{063BBA22-50EA-4C4D-BE05-F1CE4E63AA56}"/>
+              </a:ext>
+              <a:ext uri="{C183D7F6-B498-43B3-948B-1728B52AA6E4}">
+                <adec:decorative xmlns:adec="http://schemas.microsoft.com/office/drawing/2017/decorative" val="1"/>
+              </a:ext>
+            </a:extLst>
+          </p:cNvPr>
+          <p:cNvSpPr>
+            <a:spLocks noGrp="1" noRot="1" noChangeAspect="1" noMove="1" noResize="1" noEditPoints="1" noAdjustHandles="1" noChangeArrowheads="1" noChangeShapeType="1" noTextEdit="1"/>
+          </p:cNvSpPr>
+          <p:nvPr>
+            <p:extLst>
+              <p:ext uri="{386F3935-93C4-4BCD-93E2-E3B085C9AB24}">
+                <p16:designElem xmlns:p16="http://schemas.microsoft.com/office/powerpoint/2015/main" val="1"/>
+              </p:ext>
+            </p:extLst>
+          </p:nvPr>
+        </p:nvSpPr>
+        <p:spPr>
+          <a:xfrm rot="5400000">
+            <a:off x="5307777" y="-5307778"/>
+            <a:ext cx="1576446" cy="12192002"/>
+          </a:xfrm>
+          <a:prstGeom prst="rect">
+            <a:avLst/>
+          </a:prstGeom>
+          <a:gradFill>
+            <a:gsLst>
+              <a:gs pos="23000">
+                <a:schemeClr val="accent1">
+                  <a:alpha val="0"/>
+                </a:schemeClr>
+              </a:gs>
+              <a:gs pos="99000">
+                <a:srgbClr val="000000">
+                  <a:alpha val="74000"/>
+                </a:srgbClr>
+              </a:gs>
+            </a:gsLst>
+            <a:lin ang="20400000" scaled="0"/>
+          </a:gradFill>
+          <a:ln>
+            <a:noFill/>
+          </a:ln>
+        </p:spPr>
+        <p:style>
+          <a:lnRef idx="2">
+            <a:schemeClr val="accent1">
+              <a:shade val="50000"/>
+            </a:schemeClr>
+          </a:lnRef>
+          <a:fillRef idx="1">
+            <a:schemeClr val="accent1"/>
+          </a:fillRef>
+          <a:effectRef idx="0">
+            <a:schemeClr val="accent1"/>
+          </a:effectRef>
+          <a:fontRef idx="minor">
+            <a:schemeClr val="lt1"/>
+          </a:fontRef>
+        </p:style>
+        <p:txBody>
+          <a:bodyPr rtlCol="0" anchor="ctr"/>
+          <a:lstStyle/>
+          <a:p>
+            <a:pPr algn="ctr"/>
+            <a:endParaRPr lang="en-US" dirty="0"/>
+          </a:p>
+        </p:txBody>
+      </p:sp>
+      <p:sp>
+        <p:nvSpPr>
+          <p:cNvPr id="2" name="Título 1">
+            <a:extLst>
+              <a:ext uri="{FF2B5EF4-FFF2-40B4-BE49-F238E27FC236}">
+                <a16:creationId xmlns:a16="http://schemas.microsoft.com/office/drawing/2014/main" id="{FF793BD3-4745-E603-1B4A-91C33297DA13}"/>
+              </a:ext>
+            </a:extLst>
+          </p:cNvPr>
+          <p:cNvSpPr>
+            <a:spLocks noGrp="1"/>
+          </p:cNvSpPr>
+          <p:nvPr>
+            <p:ph type="title"/>
+          </p:nvPr>
+        </p:nvSpPr>
+        <p:spPr>
+          <a:xfrm>
+            <a:off x="1371597" y="348865"/>
+            <a:ext cx="10044023" cy="877729"/>
+          </a:xfrm>
+        </p:spPr>
+        <p:txBody>
+          <a:bodyPr anchor="ctr">
+            <a:normAutofit/>
+          </a:bodyPr>
+          <a:lstStyle/>
+          <a:p>
+            <a:r>
               <a:rPr lang="pt-BR" sz="4000" dirty="0">
                 <a:solidFill>
                   <a:srgbClr val="FFFFFF"/>
@@ -24642,7 +25609,7 @@
 </p:sld>
 </file>
 
-<file path=ppt/slides/slide14.xml><?xml version="1.0" encoding="utf-8"?>
+<file path=ppt/slides/slide15.xml><?xml version="1.0" encoding="utf-8"?>
 <p:sld xmlns:a="http://schemas.openxmlformats.org/drawingml/2006/main" xmlns:r="http://schemas.openxmlformats.org/officeDocument/2006/relationships" xmlns:p="http://schemas.openxmlformats.org/presentationml/2006/main">
   <p:cSld>
     <p:bg>
@@ -25303,6 +26270,1003 @@
 </p:sld>
 </file>
 
+<file path=ppt/slides/slide16.xml><?xml version="1.0" encoding="utf-8"?>
+<p:sld xmlns:a="http://schemas.openxmlformats.org/drawingml/2006/main" xmlns:r="http://schemas.openxmlformats.org/officeDocument/2006/relationships" xmlns:p="http://schemas.openxmlformats.org/presentationml/2006/main">
+  <p:cSld>
+    <p:bg>
+      <p:bgPr>
+        <a:solidFill>
+          <a:schemeClr val="bg1"/>
+        </a:solidFill>
+        <a:effectLst/>
+      </p:bgPr>
+    </p:bg>
+    <p:spTree>
+      <p:nvGrpSpPr>
+        <p:cNvPr id="1" name=""/>
+        <p:cNvGrpSpPr/>
+        <p:nvPr/>
+      </p:nvGrpSpPr>
+      <p:grpSpPr>
+        <a:xfrm>
+          <a:off x="0" y="0"/>
+          <a:ext cx="0" cy="0"/>
+          <a:chOff x="0" y="0"/>
+          <a:chExt cx="0" cy="0"/>
+        </a:xfrm>
+      </p:grpSpPr>
+      <p:sp useBgFill="1">
+        <p:nvSpPr>
+          <p:cNvPr id="21" name="Rectangle 8">
+            <a:extLst>
+              <a:ext uri="{FF2B5EF4-FFF2-40B4-BE49-F238E27FC236}">
+                <a16:creationId xmlns:a16="http://schemas.microsoft.com/office/drawing/2014/main" id="{BACC6370-2D7E-4714-9D71-7542949D7D5D}"/>
+              </a:ext>
+              <a:ext uri="{C183D7F6-B498-43B3-948B-1728B52AA6E4}">
+                <adec:decorative xmlns:adec="http://schemas.microsoft.com/office/drawing/2017/decorative" val="1"/>
+              </a:ext>
+            </a:extLst>
+          </p:cNvPr>
+          <p:cNvSpPr>
+            <a:spLocks noGrp="1" noRot="1" noChangeAspect="1" noMove="1" noResize="1" noEditPoints="1" noAdjustHandles="1" noChangeArrowheads="1" noChangeShapeType="1" noTextEdit="1"/>
+          </p:cNvSpPr>
+          <p:nvPr>
+            <p:extLst>
+              <p:ext uri="{386F3935-93C4-4BCD-93E2-E3B085C9AB24}">
+                <p16:designElem xmlns:p16="http://schemas.microsoft.com/office/powerpoint/2015/main" val="1"/>
+              </p:ext>
+            </p:extLst>
+          </p:nvPr>
+        </p:nvSpPr>
+        <p:spPr>
+          <a:xfrm>
+            <a:off x="0" y="0"/>
+            <a:ext cx="12192000" cy="6858000"/>
+          </a:xfrm>
+          <a:prstGeom prst="rect">
+            <a:avLst/>
+          </a:prstGeom>
+          <a:ln w="12700" cap="flat" cmpd="sng" algn="ctr">
+            <a:noFill/>
+            <a:prstDash val="solid"/>
+            <a:miter lim="800000"/>
+          </a:ln>
+          <a:effectLst/>
+          <a:extLst>
+            <a:ext uri="{91240B29-F687-4F45-9708-019B960494DF}">
+              <a14:hiddenLine xmlns:a14="http://schemas.microsoft.com/office/drawing/2010/main" w="12700" cap="flat" cmpd="sng" algn="ctr">
+                <a:solidFill>
+                  <a:schemeClr val="accent1">
+                    <a:shade val="50000"/>
+                  </a:schemeClr>
+                </a:solidFill>
+                <a:prstDash val="solid"/>
+                <a:miter lim="800000"/>
+              </a14:hiddenLine>
+            </a:ext>
+          </a:extLst>
+        </p:spPr>
+        <p:style>
+          <a:lnRef idx="2">
+            <a:schemeClr val="accent1">
+              <a:shade val="50000"/>
+            </a:schemeClr>
+          </a:lnRef>
+          <a:fillRef idx="1">
+            <a:schemeClr val="accent1"/>
+          </a:fillRef>
+          <a:effectRef idx="0">
+            <a:schemeClr val="accent1"/>
+          </a:effectRef>
+          <a:fontRef idx="minor">
+            <a:schemeClr val="lt1"/>
+          </a:fontRef>
+        </p:style>
+        <p:txBody>
+          <a:bodyPr rtlCol="0" anchor="ctr"/>
+          <a:lstStyle/>
+          <a:p>
+            <a:pPr algn="ctr"/>
+            <a:endParaRPr lang="en-US"/>
+          </a:p>
+        </p:txBody>
+      </p:sp>
+      <p:sp>
+        <p:nvSpPr>
+          <p:cNvPr id="23" name="Rectangle 10">
+            <a:extLst>
+              <a:ext uri="{FF2B5EF4-FFF2-40B4-BE49-F238E27FC236}">
+                <a16:creationId xmlns:a16="http://schemas.microsoft.com/office/drawing/2014/main" id="{F68B3F68-107C-434F-AA38-110D5EA91B85}"/>
+              </a:ext>
+              <a:ext uri="{C183D7F6-B498-43B3-948B-1728B52AA6E4}">
+                <adec:decorative xmlns:adec="http://schemas.microsoft.com/office/drawing/2017/decorative" val="1"/>
+              </a:ext>
+            </a:extLst>
+          </p:cNvPr>
+          <p:cNvSpPr>
+            <a:spLocks noGrp="1" noRot="1" noChangeAspect="1" noMove="1" noResize="1" noEditPoints="1" noAdjustHandles="1" noChangeArrowheads="1" noChangeShapeType="1" noTextEdit="1"/>
+          </p:cNvSpPr>
+          <p:nvPr>
+            <p:extLst>
+              <p:ext uri="{386F3935-93C4-4BCD-93E2-E3B085C9AB24}">
+                <p16:designElem xmlns:p16="http://schemas.microsoft.com/office/powerpoint/2015/main" val="1"/>
+              </p:ext>
+            </p:extLst>
+          </p:nvPr>
+        </p:nvSpPr>
+        <p:spPr>
+          <a:xfrm flipH="1">
+            <a:off x="2" y="0"/>
+            <a:ext cx="12191998" cy="1575955"/>
+          </a:xfrm>
+          <a:prstGeom prst="rect">
+            <a:avLst/>
+          </a:prstGeom>
+          <a:gradFill>
+            <a:gsLst>
+              <a:gs pos="0">
+                <a:srgbClr val="000000">
+                  <a:alpha val="96000"/>
+                </a:srgbClr>
+              </a:gs>
+              <a:gs pos="100000">
+                <a:schemeClr val="accent1">
+                  <a:lumMod val="75000"/>
+                </a:schemeClr>
+              </a:gs>
+            </a:gsLst>
+            <a:lin ang="8400000" scaled="0"/>
+          </a:gradFill>
+          <a:ln>
+            <a:noFill/>
+          </a:ln>
+        </p:spPr>
+        <p:style>
+          <a:lnRef idx="2">
+            <a:schemeClr val="accent1">
+              <a:shade val="50000"/>
+            </a:schemeClr>
+          </a:lnRef>
+          <a:fillRef idx="1">
+            <a:schemeClr val="accent1"/>
+          </a:fillRef>
+          <a:effectRef idx="0">
+            <a:schemeClr val="accent1"/>
+          </a:effectRef>
+          <a:fontRef idx="minor">
+            <a:schemeClr val="lt1"/>
+          </a:fontRef>
+        </p:style>
+        <p:txBody>
+          <a:bodyPr rtlCol="0" anchor="ctr"/>
+          <a:lstStyle/>
+          <a:p>
+            <a:pPr algn="ctr"/>
+            <a:endParaRPr lang="en-US"/>
+          </a:p>
+        </p:txBody>
+      </p:sp>
+      <p:sp>
+        <p:nvSpPr>
+          <p:cNvPr id="25" name="Rectangle 12">
+            <a:extLst>
+              <a:ext uri="{FF2B5EF4-FFF2-40B4-BE49-F238E27FC236}">
+                <a16:creationId xmlns:a16="http://schemas.microsoft.com/office/drawing/2014/main" id="{AAD0DBB9-1A4B-4391-81D4-CB19F9AB918A}"/>
+              </a:ext>
+              <a:ext uri="{C183D7F6-B498-43B3-948B-1728B52AA6E4}">
+                <adec:decorative xmlns:adec="http://schemas.microsoft.com/office/drawing/2017/decorative" val="1"/>
+              </a:ext>
+            </a:extLst>
+          </p:cNvPr>
+          <p:cNvSpPr>
+            <a:spLocks noGrp="1" noRot="1" noChangeAspect="1" noMove="1" noResize="1" noEditPoints="1" noAdjustHandles="1" noChangeArrowheads="1" noChangeShapeType="1" noTextEdit="1"/>
+          </p:cNvSpPr>
+          <p:nvPr>
+            <p:extLst>
+              <p:ext uri="{386F3935-93C4-4BCD-93E2-E3B085C9AB24}">
+                <p16:designElem xmlns:p16="http://schemas.microsoft.com/office/powerpoint/2015/main" val="1"/>
+              </p:ext>
+            </p:extLst>
+          </p:nvPr>
+        </p:nvSpPr>
+        <p:spPr>
+          <a:xfrm rot="10800000" flipH="1">
+            <a:off x="8128857" y="0"/>
+            <a:ext cx="4063143" cy="1576412"/>
+          </a:xfrm>
+          <a:prstGeom prst="rect">
+            <a:avLst/>
+          </a:prstGeom>
+          <a:gradFill>
+            <a:gsLst>
+              <a:gs pos="19000">
+                <a:schemeClr val="accent1">
+                  <a:lumMod val="50000"/>
+                  <a:alpha val="68000"/>
+                </a:schemeClr>
+              </a:gs>
+              <a:gs pos="100000">
+                <a:schemeClr val="accent1">
+                  <a:alpha val="79000"/>
+                </a:schemeClr>
+              </a:gs>
+            </a:gsLst>
+            <a:lin ang="19200000" scaled="0"/>
+          </a:gradFill>
+          <a:ln>
+            <a:noFill/>
+          </a:ln>
+        </p:spPr>
+        <p:style>
+          <a:lnRef idx="2">
+            <a:schemeClr val="accent1">
+              <a:shade val="50000"/>
+            </a:schemeClr>
+          </a:lnRef>
+          <a:fillRef idx="1">
+            <a:schemeClr val="accent1"/>
+          </a:fillRef>
+          <a:effectRef idx="0">
+            <a:schemeClr val="accent1"/>
+          </a:effectRef>
+          <a:fontRef idx="minor">
+            <a:schemeClr val="lt1"/>
+          </a:fontRef>
+        </p:style>
+        <p:txBody>
+          <a:bodyPr rtlCol="0" anchor="ctr"/>
+          <a:lstStyle/>
+          <a:p>
+            <a:pPr algn="ctr"/>
+            <a:endParaRPr lang="en-US"/>
+          </a:p>
+        </p:txBody>
+      </p:sp>
+      <p:sp>
+        <p:nvSpPr>
+          <p:cNvPr id="27" name="Rectangle 14">
+            <a:extLst>
+              <a:ext uri="{FF2B5EF4-FFF2-40B4-BE49-F238E27FC236}">
+                <a16:creationId xmlns:a16="http://schemas.microsoft.com/office/drawing/2014/main" id="{063BBA22-50EA-4C4D-BE05-F1CE4E63AA56}"/>
+              </a:ext>
+              <a:ext uri="{C183D7F6-B498-43B3-948B-1728B52AA6E4}">
+                <adec:decorative xmlns:adec="http://schemas.microsoft.com/office/drawing/2017/decorative" val="1"/>
+              </a:ext>
+            </a:extLst>
+          </p:cNvPr>
+          <p:cNvSpPr>
+            <a:spLocks noGrp="1" noRot="1" noChangeAspect="1" noMove="1" noResize="1" noEditPoints="1" noAdjustHandles="1" noChangeArrowheads="1" noChangeShapeType="1" noTextEdit="1"/>
+          </p:cNvSpPr>
+          <p:nvPr>
+            <p:extLst>
+              <p:ext uri="{386F3935-93C4-4BCD-93E2-E3B085C9AB24}">
+                <p16:designElem xmlns:p16="http://schemas.microsoft.com/office/powerpoint/2015/main" val="1"/>
+              </p:ext>
+            </p:extLst>
+          </p:nvPr>
+        </p:nvSpPr>
+        <p:spPr>
+          <a:xfrm rot="5400000">
+            <a:off x="5307777" y="-5307778"/>
+            <a:ext cx="1576446" cy="12192002"/>
+          </a:xfrm>
+          <a:prstGeom prst="rect">
+            <a:avLst/>
+          </a:prstGeom>
+          <a:gradFill>
+            <a:gsLst>
+              <a:gs pos="23000">
+                <a:schemeClr val="accent1">
+                  <a:alpha val="0"/>
+                </a:schemeClr>
+              </a:gs>
+              <a:gs pos="99000">
+                <a:srgbClr val="000000">
+                  <a:alpha val="74000"/>
+                </a:srgbClr>
+              </a:gs>
+            </a:gsLst>
+            <a:lin ang="20400000" scaled="0"/>
+          </a:gradFill>
+          <a:ln>
+            <a:noFill/>
+          </a:ln>
+        </p:spPr>
+        <p:style>
+          <a:lnRef idx="2">
+            <a:schemeClr val="accent1">
+              <a:shade val="50000"/>
+            </a:schemeClr>
+          </a:lnRef>
+          <a:fillRef idx="1">
+            <a:schemeClr val="accent1"/>
+          </a:fillRef>
+          <a:effectRef idx="0">
+            <a:schemeClr val="accent1"/>
+          </a:effectRef>
+          <a:fontRef idx="minor">
+            <a:schemeClr val="lt1"/>
+          </a:fontRef>
+        </p:style>
+        <p:txBody>
+          <a:bodyPr rtlCol="0" anchor="ctr"/>
+          <a:lstStyle/>
+          <a:p>
+            <a:pPr algn="ctr"/>
+            <a:endParaRPr lang="en-US"/>
+          </a:p>
+        </p:txBody>
+      </p:sp>
+      <p:sp>
+        <p:nvSpPr>
+          <p:cNvPr id="2" name="Título 1">
+            <a:extLst>
+              <a:ext uri="{FF2B5EF4-FFF2-40B4-BE49-F238E27FC236}">
+                <a16:creationId xmlns:a16="http://schemas.microsoft.com/office/drawing/2014/main" id="{FF793BD3-4745-E603-1B4A-91C33297DA13}"/>
+              </a:ext>
+            </a:extLst>
+          </p:cNvPr>
+          <p:cNvSpPr>
+            <a:spLocks noGrp="1"/>
+          </p:cNvSpPr>
+          <p:nvPr>
+            <p:ph type="title"/>
+          </p:nvPr>
+        </p:nvSpPr>
+        <p:spPr>
+          <a:xfrm>
+            <a:off x="1371597" y="348865"/>
+            <a:ext cx="10044023" cy="877729"/>
+          </a:xfrm>
+        </p:spPr>
+        <p:txBody>
+          <a:bodyPr anchor="ctr">
+            <a:normAutofit/>
+          </a:bodyPr>
+          <a:lstStyle/>
+          <a:p>
+            <a:r>
+              <a:rPr lang="pt-BR" sz="4000" dirty="0">
+                <a:solidFill>
+                  <a:srgbClr val="FFFFFF"/>
+                </a:solidFill>
+              </a:rPr>
+              <a:t>Dúvidas até aqui..</a:t>
+            </a:r>
+          </a:p>
+        </p:txBody>
+      </p:sp>
+      <p:pic>
+        <p:nvPicPr>
+          <p:cNvPr id="9" name="Imagem 8" descr="Desenho de personagem de desenho animado&#10;&#10;Descrição gerada automaticamente com confiança média">
+            <a:extLst>
+              <a:ext uri="{FF2B5EF4-FFF2-40B4-BE49-F238E27FC236}">
+                <a16:creationId xmlns:a16="http://schemas.microsoft.com/office/drawing/2014/main" id="{D0DC809B-8947-F266-57A2-B935499009A7}"/>
+              </a:ext>
+            </a:extLst>
+          </p:cNvPr>
+          <p:cNvPicPr>
+            <a:picLocks noChangeAspect="1"/>
+          </p:cNvPicPr>
+          <p:nvPr/>
+        </p:nvPicPr>
+        <p:blipFill>
+          <a:blip r:embed="rId3">
+            <a:extLst>
+              <a:ext uri="{28A0092B-C50C-407E-A947-70E740481C1C}">
+                <a14:useLocalDpi xmlns:a14="http://schemas.microsoft.com/office/drawing/2010/main" val="0"/>
+              </a:ext>
+            </a:extLst>
+          </a:blip>
+          <a:stretch>
+            <a:fillRect/>
+          </a:stretch>
+        </p:blipFill>
+        <p:spPr>
+          <a:xfrm>
+            <a:off x="4327287" y="2150411"/>
+            <a:ext cx="4132642" cy="4132642"/>
+          </a:xfrm>
+          <a:prstGeom prst="rect">
+            <a:avLst/>
+          </a:prstGeom>
+        </p:spPr>
+      </p:pic>
+    </p:spTree>
+    <p:extLst>
+      <p:ext uri="{BB962C8B-B14F-4D97-AF65-F5344CB8AC3E}">
+        <p14:creationId xmlns:p14="http://schemas.microsoft.com/office/powerpoint/2010/main" val="1028305722"/>
+      </p:ext>
+    </p:extLst>
+  </p:cSld>
+  <p:clrMapOvr>
+    <a:masterClrMapping/>
+  </p:clrMapOvr>
+</p:sld>
+</file>
+
+<file path=ppt/slides/slide17.xml><?xml version="1.0" encoding="utf-8"?>
+<p:sld xmlns:a="http://schemas.openxmlformats.org/drawingml/2006/main" xmlns:r="http://schemas.openxmlformats.org/officeDocument/2006/relationships" xmlns:p="http://schemas.openxmlformats.org/presentationml/2006/main">
+  <p:cSld>
+    <p:bg>
+      <p:bgPr>
+        <a:solidFill>
+          <a:schemeClr val="bg1"/>
+        </a:solidFill>
+        <a:effectLst/>
+      </p:bgPr>
+    </p:bg>
+    <p:spTree>
+      <p:nvGrpSpPr>
+        <p:cNvPr id="1" name=""/>
+        <p:cNvGrpSpPr/>
+        <p:nvPr/>
+      </p:nvGrpSpPr>
+      <p:grpSpPr>
+        <a:xfrm>
+          <a:off x="0" y="0"/>
+          <a:ext cx="0" cy="0"/>
+          <a:chOff x="0" y="0"/>
+          <a:chExt cx="0" cy="0"/>
+        </a:xfrm>
+      </p:grpSpPr>
+      <p:sp>
+        <p:nvSpPr>
+          <p:cNvPr id="52" name="Rectangle 36">
+            <a:extLst>
+              <a:ext uri="{FF2B5EF4-FFF2-40B4-BE49-F238E27FC236}">
+                <a16:creationId xmlns:a16="http://schemas.microsoft.com/office/drawing/2014/main" id="{657F69E0-C4B0-4BEC-A689-4F8D877F05D4}"/>
+              </a:ext>
+              <a:ext uri="{C183D7F6-B498-43B3-948B-1728B52AA6E4}">
+                <adec:decorative xmlns:adec="http://schemas.microsoft.com/office/drawing/2017/decorative" val="1"/>
+              </a:ext>
+            </a:extLst>
+          </p:cNvPr>
+          <p:cNvSpPr>
+            <a:spLocks noGrp="1" noRot="1" noChangeAspect="1" noMove="1" noResize="1" noEditPoints="1" noAdjustHandles="1" noChangeArrowheads="1" noChangeShapeType="1" noTextEdit="1"/>
+          </p:cNvSpPr>
+          <p:nvPr>
+            <p:extLst>
+              <p:ext uri="{386F3935-93C4-4BCD-93E2-E3B085C9AB24}">
+                <p16:designElem xmlns:p16="http://schemas.microsoft.com/office/powerpoint/2015/main" val="1"/>
+              </p:ext>
+            </p:extLst>
+          </p:nvPr>
+        </p:nvSpPr>
+        <p:spPr>
+          <a:xfrm>
+            <a:off x="0" y="0"/>
+            <a:ext cx="12188952" cy="6858000"/>
+          </a:xfrm>
+          <a:prstGeom prst="rect">
+            <a:avLst/>
+          </a:prstGeom>
+          <a:solidFill>
+            <a:schemeClr val="tx1"/>
+          </a:solidFill>
+          <a:ln>
+            <a:noFill/>
+          </a:ln>
+        </p:spPr>
+        <p:style>
+          <a:lnRef idx="2">
+            <a:schemeClr val="accent1">
+              <a:shade val="50000"/>
+            </a:schemeClr>
+          </a:lnRef>
+          <a:fillRef idx="1">
+            <a:schemeClr val="accent1"/>
+          </a:fillRef>
+          <a:effectRef idx="0">
+            <a:schemeClr val="accent1"/>
+          </a:effectRef>
+          <a:fontRef idx="minor">
+            <a:schemeClr val="lt1"/>
+          </a:fontRef>
+        </p:style>
+        <p:txBody>
+          <a:bodyPr rtlCol="0" anchor="ctr"/>
+          <a:lstStyle/>
+          <a:p>
+            <a:pPr algn="ctr"/>
+            <a:endParaRPr lang="en-US"/>
+          </a:p>
+        </p:txBody>
+      </p:sp>
+      <p:pic>
+        <p:nvPicPr>
+          <p:cNvPr id="4" name="Imagem 3" descr="Pessoa em frente a mesa com computador&#10;&#10;Descrição gerada automaticamente">
+            <a:extLst>
+              <a:ext uri="{FF2B5EF4-FFF2-40B4-BE49-F238E27FC236}">
+                <a16:creationId xmlns:a16="http://schemas.microsoft.com/office/drawing/2014/main" id="{2BEC177C-42DF-82E3-E085-52C64C775C0B}"/>
+              </a:ext>
+            </a:extLst>
+          </p:cNvPr>
+          <p:cNvPicPr>
+            <a:picLocks noChangeAspect="1"/>
+          </p:cNvPicPr>
+          <p:nvPr/>
+        </p:nvPicPr>
+        <p:blipFill rotWithShape="1">
+          <a:blip r:embed="rId3">
+            <a:alphaModFix amt="50000"/>
+            <a:extLst>
+              <a:ext uri="{28A0092B-C50C-407E-A947-70E740481C1C}">
+                <a14:useLocalDpi xmlns:a14="http://schemas.microsoft.com/office/drawing/2010/main" val="0"/>
+              </a:ext>
+            </a:extLst>
+          </a:blip>
+          <a:srcRect t="5213" r="-1" b="10495"/>
+          <a:stretch/>
+        </p:blipFill>
+        <p:spPr>
+          <a:xfrm>
+            <a:off x="20" y="10"/>
+            <a:ext cx="12188930" cy="6857990"/>
+          </a:xfrm>
+          <a:prstGeom prst="rect">
+            <a:avLst/>
+          </a:prstGeom>
+        </p:spPr>
+      </p:pic>
+      <p:sp>
+        <p:nvSpPr>
+          <p:cNvPr id="2" name="Título 1">
+            <a:extLst>
+              <a:ext uri="{FF2B5EF4-FFF2-40B4-BE49-F238E27FC236}">
+                <a16:creationId xmlns:a16="http://schemas.microsoft.com/office/drawing/2014/main" id="{FF793BD3-4745-E603-1B4A-91C33297DA13}"/>
+              </a:ext>
+            </a:extLst>
+          </p:cNvPr>
+          <p:cNvSpPr>
+            <a:spLocks noGrp="1"/>
+          </p:cNvSpPr>
+          <p:nvPr>
+            <p:ph type="title"/>
+          </p:nvPr>
+        </p:nvSpPr>
+        <p:spPr>
+          <a:xfrm>
+            <a:off x="1524000" y="1122363"/>
+            <a:ext cx="9144000" cy="3063240"/>
+          </a:xfrm>
+        </p:spPr>
+        <p:txBody>
+          <a:bodyPr vert="horz" lIns="91440" tIns="45720" rIns="91440" bIns="45720" rtlCol="0" anchor="b">
+            <a:normAutofit/>
+          </a:bodyPr>
+          <a:lstStyle/>
+          <a:p>
+            <a:pPr algn="ctr"/>
+            <a:r>
+              <a:rPr lang="en-US" sz="6600" dirty="0" err="1">
+                <a:solidFill>
+                  <a:schemeClr val="bg1"/>
+                </a:solidFill>
+              </a:rPr>
+              <a:t>Demonstração</a:t>
+            </a:r>
+            <a:r>
+              <a:rPr lang="en-US" sz="6600" dirty="0">
+                <a:solidFill>
+                  <a:schemeClr val="bg1"/>
+                </a:solidFill>
+              </a:rPr>
+              <a:t> </a:t>
+            </a:r>
+            <a:r>
+              <a:rPr lang="en-US" sz="6600" dirty="0" err="1">
+                <a:solidFill>
+                  <a:schemeClr val="bg1"/>
+                </a:solidFill>
+              </a:rPr>
+              <a:t>prática</a:t>
+            </a:r>
+            <a:endParaRPr lang="en-US" sz="6600" dirty="0">
+              <a:solidFill>
+                <a:schemeClr val="bg1"/>
+              </a:solidFill>
+            </a:endParaRPr>
+          </a:p>
+        </p:txBody>
+      </p:sp>
+      <p:sp>
+        <p:nvSpPr>
+          <p:cNvPr id="39" name="sketchy line">
+            <a:extLst>
+              <a:ext uri="{FF2B5EF4-FFF2-40B4-BE49-F238E27FC236}">
+                <a16:creationId xmlns:a16="http://schemas.microsoft.com/office/drawing/2014/main" id="{9F6380B4-6A1C-481E-8408-B4E6C75B9B81}"/>
+              </a:ext>
+              <a:ext uri="{C183D7F6-B498-43B3-948B-1728B52AA6E4}">
+                <adec:decorative xmlns:adec="http://schemas.microsoft.com/office/drawing/2017/decorative" val="1"/>
+              </a:ext>
+            </a:extLst>
+          </p:cNvPr>
+          <p:cNvSpPr>
+            <a:spLocks noGrp="1" noRot="1" noChangeAspect="1" noMove="1" noResize="1" noEditPoints="1" noAdjustHandles="1" noChangeArrowheads="1" noChangeShapeType="1" noTextEdit="1"/>
+          </p:cNvSpPr>
+          <p:nvPr>
+            <p:extLst>
+              <p:ext uri="{386F3935-93C4-4BCD-93E2-E3B085C9AB24}">
+                <p16:designElem xmlns:p16="http://schemas.microsoft.com/office/powerpoint/2015/main" val="1"/>
+              </p:ext>
+            </p:extLst>
+          </p:nvPr>
+        </p:nvSpPr>
+        <p:spPr>
+          <a:xfrm>
+            <a:off x="3974206" y="4368623"/>
+            <a:ext cx="4243589" cy="18288"/>
+          </a:xfrm>
+          <a:custGeom>
+            <a:avLst/>
+            <a:gdLst>
+              <a:gd name="connsiteX0" fmla="*/ 0 w 4243589"/>
+              <a:gd name="connsiteY0" fmla="*/ 0 h 18288"/>
+              <a:gd name="connsiteX1" fmla="*/ 478919 w 4243589"/>
+              <a:gd name="connsiteY1" fmla="*/ 0 h 18288"/>
+              <a:gd name="connsiteX2" fmla="*/ 957839 w 4243589"/>
+              <a:gd name="connsiteY2" fmla="*/ 0 h 18288"/>
+              <a:gd name="connsiteX3" fmla="*/ 1521630 w 4243589"/>
+              <a:gd name="connsiteY3" fmla="*/ 0 h 18288"/>
+              <a:gd name="connsiteX4" fmla="*/ 2212729 w 4243589"/>
+              <a:gd name="connsiteY4" fmla="*/ 0 h 18288"/>
+              <a:gd name="connsiteX5" fmla="*/ 2734084 w 4243589"/>
+              <a:gd name="connsiteY5" fmla="*/ 0 h 18288"/>
+              <a:gd name="connsiteX6" fmla="*/ 3255439 w 4243589"/>
+              <a:gd name="connsiteY6" fmla="*/ 0 h 18288"/>
+              <a:gd name="connsiteX7" fmla="*/ 4243589 w 4243589"/>
+              <a:gd name="connsiteY7" fmla="*/ 0 h 18288"/>
+              <a:gd name="connsiteX8" fmla="*/ 4243589 w 4243589"/>
+              <a:gd name="connsiteY8" fmla="*/ 18288 h 18288"/>
+              <a:gd name="connsiteX9" fmla="*/ 3594926 w 4243589"/>
+              <a:gd name="connsiteY9" fmla="*/ 18288 h 18288"/>
+              <a:gd name="connsiteX10" fmla="*/ 3073571 w 4243589"/>
+              <a:gd name="connsiteY10" fmla="*/ 18288 h 18288"/>
+              <a:gd name="connsiteX11" fmla="*/ 2552216 w 4243589"/>
+              <a:gd name="connsiteY11" fmla="*/ 18288 h 18288"/>
+              <a:gd name="connsiteX12" fmla="*/ 1903553 w 4243589"/>
+              <a:gd name="connsiteY12" fmla="*/ 18288 h 18288"/>
+              <a:gd name="connsiteX13" fmla="*/ 1212454 w 4243589"/>
+              <a:gd name="connsiteY13" fmla="*/ 18288 h 18288"/>
+              <a:gd name="connsiteX14" fmla="*/ 733535 w 4243589"/>
+              <a:gd name="connsiteY14" fmla="*/ 18288 h 18288"/>
+              <a:gd name="connsiteX15" fmla="*/ 0 w 4243589"/>
+              <a:gd name="connsiteY15" fmla="*/ 18288 h 18288"/>
+              <a:gd name="connsiteX16" fmla="*/ 0 w 4243589"/>
+              <a:gd name="connsiteY16" fmla="*/ 0 h 18288"/>
+            </a:gdLst>
+            <a:ahLst/>
+            <a:cxnLst>
+              <a:cxn ang="0">
+                <a:pos x="connsiteX0" y="connsiteY0"/>
+              </a:cxn>
+              <a:cxn ang="0">
+                <a:pos x="connsiteX1" y="connsiteY1"/>
+              </a:cxn>
+              <a:cxn ang="0">
+                <a:pos x="connsiteX2" y="connsiteY2"/>
+              </a:cxn>
+              <a:cxn ang="0">
+                <a:pos x="connsiteX3" y="connsiteY3"/>
+              </a:cxn>
+              <a:cxn ang="0">
+                <a:pos x="connsiteX4" y="connsiteY4"/>
+              </a:cxn>
+              <a:cxn ang="0">
+                <a:pos x="connsiteX5" y="connsiteY5"/>
+              </a:cxn>
+              <a:cxn ang="0">
+                <a:pos x="connsiteX6" y="connsiteY6"/>
+              </a:cxn>
+              <a:cxn ang="0">
+                <a:pos x="connsiteX7" y="connsiteY7"/>
+              </a:cxn>
+              <a:cxn ang="0">
+                <a:pos x="connsiteX8" y="connsiteY8"/>
+              </a:cxn>
+              <a:cxn ang="0">
+                <a:pos x="connsiteX9" y="connsiteY9"/>
+              </a:cxn>
+              <a:cxn ang="0">
+                <a:pos x="connsiteX10" y="connsiteY10"/>
+              </a:cxn>
+              <a:cxn ang="0">
+                <a:pos x="connsiteX11" y="connsiteY11"/>
+              </a:cxn>
+              <a:cxn ang="0">
+                <a:pos x="connsiteX12" y="connsiteY12"/>
+              </a:cxn>
+              <a:cxn ang="0">
+                <a:pos x="connsiteX13" y="connsiteY13"/>
+              </a:cxn>
+              <a:cxn ang="0">
+                <a:pos x="connsiteX14" y="connsiteY14"/>
+              </a:cxn>
+              <a:cxn ang="0">
+                <a:pos x="connsiteX15" y="connsiteY15"/>
+              </a:cxn>
+              <a:cxn ang="0">
+                <a:pos x="connsiteX16" y="connsiteY16"/>
+              </a:cxn>
+            </a:cxnLst>
+            <a:rect l="l" t="t" r="r" b="b"/>
+            <a:pathLst>
+              <a:path w="4243589" h="18288" fill="none" extrusionOk="0">
+                <a:moveTo>
+                  <a:pt x="0" y="0"/>
+                </a:moveTo>
+                <a:cubicBezTo>
+                  <a:pt x="213395" y="-21006"/>
+                  <a:pt x="307421" y="-18116"/>
+                  <a:pt x="478919" y="0"/>
+                </a:cubicBezTo>
+                <a:cubicBezTo>
+                  <a:pt x="650417" y="18116"/>
+                  <a:pt x="831092" y="-21237"/>
+                  <a:pt x="957839" y="0"/>
+                </a:cubicBezTo>
+                <a:cubicBezTo>
+                  <a:pt x="1084586" y="21237"/>
+                  <a:pt x="1301682" y="25124"/>
+                  <a:pt x="1521630" y="0"/>
+                </a:cubicBezTo>
+                <a:cubicBezTo>
+                  <a:pt x="1741578" y="-25124"/>
+                  <a:pt x="1970269" y="-29139"/>
+                  <a:pt x="2212729" y="0"/>
+                </a:cubicBezTo>
+                <a:cubicBezTo>
+                  <a:pt x="2455189" y="29139"/>
+                  <a:pt x="2558847" y="-4796"/>
+                  <a:pt x="2734084" y="0"/>
+                </a:cubicBezTo>
+                <a:cubicBezTo>
+                  <a:pt x="2909321" y="4796"/>
+                  <a:pt x="3097217" y="-13409"/>
+                  <a:pt x="3255439" y="0"/>
+                </a:cubicBezTo>
+                <a:cubicBezTo>
+                  <a:pt x="3413662" y="13409"/>
+                  <a:pt x="3979999" y="-10121"/>
+                  <a:pt x="4243589" y="0"/>
+                </a:cubicBezTo>
+                <a:cubicBezTo>
+                  <a:pt x="4244484" y="8974"/>
+                  <a:pt x="4243043" y="9359"/>
+                  <a:pt x="4243589" y="18288"/>
+                </a:cubicBezTo>
+                <a:cubicBezTo>
+                  <a:pt x="4058777" y="31246"/>
+                  <a:pt x="3910348" y="3158"/>
+                  <a:pt x="3594926" y="18288"/>
+                </a:cubicBezTo>
+                <a:cubicBezTo>
+                  <a:pt x="3279504" y="33418"/>
+                  <a:pt x="3319955" y="-3977"/>
+                  <a:pt x="3073571" y="18288"/>
+                </a:cubicBezTo>
+                <a:cubicBezTo>
+                  <a:pt x="2827187" y="40553"/>
+                  <a:pt x="2767387" y="1863"/>
+                  <a:pt x="2552216" y="18288"/>
+                </a:cubicBezTo>
+                <a:cubicBezTo>
+                  <a:pt x="2337046" y="34713"/>
+                  <a:pt x="2181871" y="19527"/>
+                  <a:pt x="1903553" y="18288"/>
+                </a:cubicBezTo>
+                <a:cubicBezTo>
+                  <a:pt x="1625235" y="17049"/>
+                  <a:pt x="1557672" y="24174"/>
+                  <a:pt x="1212454" y="18288"/>
+                </a:cubicBezTo>
+                <a:cubicBezTo>
+                  <a:pt x="867236" y="12402"/>
+                  <a:pt x="874382" y="15627"/>
+                  <a:pt x="733535" y="18288"/>
+                </a:cubicBezTo>
+                <a:cubicBezTo>
+                  <a:pt x="592688" y="20949"/>
+                  <a:pt x="183477" y="14753"/>
+                  <a:pt x="0" y="18288"/>
+                </a:cubicBezTo>
+                <a:cubicBezTo>
+                  <a:pt x="-229" y="14222"/>
+                  <a:pt x="509" y="5816"/>
+                  <a:pt x="0" y="0"/>
+                </a:cubicBezTo>
+                <a:close/>
+              </a:path>
+              <a:path w="4243589" h="18288" stroke="0" extrusionOk="0">
+                <a:moveTo>
+                  <a:pt x="0" y="0"/>
+                </a:moveTo>
+                <a:cubicBezTo>
+                  <a:pt x="143690" y="16630"/>
+                  <a:pt x="266667" y="14847"/>
+                  <a:pt x="521355" y="0"/>
+                </a:cubicBezTo>
+                <a:cubicBezTo>
+                  <a:pt x="776043" y="-14847"/>
+                  <a:pt x="814491" y="-17363"/>
+                  <a:pt x="1000275" y="0"/>
+                </a:cubicBezTo>
+                <a:cubicBezTo>
+                  <a:pt x="1186059" y="17363"/>
+                  <a:pt x="1352504" y="-23507"/>
+                  <a:pt x="1521630" y="0"/>
+                </a:cubicBezTo>
+                <a:cubicBezTo>
+                  <a:pt x="1690756" y="23507"/>
+                  <a:pt x="1889525" y="5871"/>
+                  <a:pt x="2127857" y="0"/>
+                </a:cubicBezTo>
+                <a:cubicBezTo>
+                  <a:pt x="2366189" y="-5871"/>
+                  <a:pt x="2620628" y="-27997"/>
+                  <a:pt x="2776520" y="0"/>
+                </a:cubicBezTo>
+                <a:cubicBezTo>
+                  <a:pt x="2932412" y="27997"/>
+                  <a:pt x="3131683" y="-25073"/>
+                  <a:pt x="3467618" y="0"/>
+                </a:cubicBezTo>
+                <a:cubicBezTo>
+                  <a:pt x="3803553" y="25073"/>
+                  <a:pt x="4017371" y="3071"/>
+                  <a:pt x="4243589" y="0"/>
+                </a:cubicBezTo>
+                <a:cubicBezTo>
+                  <a:pt x="4243134" y="6162"/>
+                  <a:pt x="4243492" y="11775"/>
+                  <a:pt x="4243589" y="18288"/>
+                </a:cubicBezTo>
+                <a:cubicBezTo>
+                  <a:pt x="4017834" y="-5779"/>
+                  <a:pt x="3834586" y="13376"/>
+                  <a:pt x="3594926" y="18288"/>
+                </a:cubicBezTo>
+                <a:cubicBezTo>
+                  <a:pt x="3355266" y="23200"/>
+                  <a:pt x="3204179" y="2869"/>
+                  <a:pt x="2903827" y="18288"/>
+                </a:cubicBezTo>
+                <a:cubicBezTo>
+                  <a:pt x="2603475" y="33707"/>
+                  <a:pt x="2526187" y="46187"/>
+                  <a:pt x="2212729" y="18288"/>
+                </a:cubicBezTo>
+                <a:cubicBezTo>
+                  <a:pt x="1899271" y="-9611"/>
+                  <a:pt x="1966289" y="29692"/>
+                  <a:pt x="1733809" y="18288"/>
+                </a:cubicBezTo>
+                <a:cubicBezTo>
+                  <a:pt x="1501329" y="6884"/>
+                  <a:pt x="1343612" y="12492"/>
+                  <a:pt x="1085146" y="18288"/>
+                </a:cubicBezTo>
+                <a:cubicBezTo>
+                  <a:pt x="826680" y="24084"/>
+                  <a:pt x="778184" y="35607"/>
+                  <a:pt x="521355" y="18288"/>
+                </a:cubicBezTo>
+                <a:cubicBezTo>
+                  <a:pt x="264526" y="969"/>
+                  <a:pt x="120277" y="4268"/>
+                  <a:pt x="0" y="18288"/>
+                </a:cubicBezTo>
+                <a:cubicBezTo>
+                  <a:pt x="766" y="10800"/>
+                  <a:pt x="-457" y="8180"/>
+                  <a:pt x="0" y="0"/>
+                </a:cubicBezTo>
+                <a:close/>
+              </a:path>
+            </a:pathLst>
+          </a:custGeom>
+          <a:solidFill>
+            <a:srgbClr val="FFFFFF">
+              <a:alpha val="75000"/>
+            </a:srgbClr>
+          </a:solidFill>
+          <a:ln w="44450" cap="rnd">
+            <a:solidFill>
+              <a:schemeClr val="bg1">
+                <a:alpha val="75000"/>
+              </a:schemeClr>
+            </a:solidFill>
+            <a:round/>
+            <a:extLst>
+              <a:ext uri="{C807C97D-BFC1-408E-A445-0C87EB9F89A2}">
+                <ask:lineSketchStyleProps xmlns:ask="http://schemas.microsoft.com/office/drawing/2018/sketchyshapes" sd="2727557108">
+                  <a:prstGeom prst="rect">
+                    <a:avLst/>
+                  </a:prstGeom>
+                  <ask:type>
+                    <ask:lineSketchFreehand/>
+                  </ask:type>
+                </ask:lineSketchStyleProps>
+              </a:ext>
+            </a:extLst>
+          </a:ln>
+        </p:spPr>
+        <p:style>
+          <a:lnRef idx="2">
+            <a:schemeClr val="accent1">
+              <a:shade val="50000"/>
+            </a:schemeClr>
+          </a:lnRef>
+          <a:fillRef idx="1">
+            <a:schemeClr val="accent1"/>
+          </a:fillRef>
+          <a:effectRef idx="0">
+            <a:schemeClr val="accent1"/>
+          </a:effectRef>
+          <a:fontRef idx="minor">
+            <a:schemeClr val="lt1"/>
+          </a:fontRef>
+        </p:style>
+        <p:txBody>
+          <a:bodyPr rtlCol="0" anchor="ctr"/>
+          <a:lstStyle/>
+          <a:p>
+            <a:pPr algn="ctr"/>
+            <a:endParaRPr lang="en-US"/>
+          </a:p>
+        </p:txBody>
+      </p:sp>
+      <p:pic>
+        <p:nvPicPr>
+          <p:cNvPr id="6" name="Imagem 5">
+            <a:hlinkClick r:id="rId4"/>
+            <a:extLst>
+              <a:ext uri="{FF2B5EF4-FFF2-40B4-BE49-F238E27FC236}">
+                <a16:creationId xmlns:a16="http://schemas.microsoft.com/office/drawing/2014/main" id="{15A2535C-F00C-D521-C597-32E9AA05C745}"/>
+              </a:ext>
+            </a:extLst>
+          </p:cNvPr>
+          <p:cNvPicPr>
+            <a:picLocks noChangeAspect="1"/>
+          </p:cNvPicPr>
+          <p:nvPr/>
+        </p:nvPicPr>
+        <p:blipFill>
+          <a:blip r:embed="rId5">
+            <a:extLst>
+              <a:ext uri="{28A0092B-C50C-407E-A947-70E740481C1C}">
+                <a14:useLocalDpi xmlns:a14="http://schemas.microsoft.com/office/drawing/2010/main" val="0"/>
+              </a:ext>
+            </a:extLst>
+          </a:blip>
+          <a:stretch>
+            <a:fillRect/>
+          </a:stretch>
+        </p:blipFill>
+        <p:spPr>
+          <a:xfrm>
+            <a:off x="11070772" y="6052458"/>
+            <a:ext cx="457200" cy="457200"/>
+          </a:xfrm>
+          <a:prstGeom prst="rect">
+            <a:avLst/>
+          </a:prstGeom>
+        </p:spPr>
+      </p:pic>
+    </p:spTree>
+    <p:extLst>
+      <p:ext uri="{BB962C8B-B14F-4D97-AF65-F5344CB8AC3E}">
+        <p14:creationId xmlns:p14="http://schemas.microsoft.com/office/powerpoint/2010/main" val="1219522429"/>
+      </p:ext>
+    </p:extLst>
+  </p:cSld>
+  <p:clrMapOvr>
+    <a:overrideClrMapping bg1="lt1" tx1="dk1" bg2="lt2" tx2="dk2" accent1="accent1" accent2="accent2" accent3="accent3" accent4="accent4" accent5="accent5" accent6="accent6" hlink="hlink" folHlink="folHlink"/>
+  </p:clrMapOvr>
+</p:sld>
+</file>
+
 <file path=ppt/slides/slide2.xml><?xml version="1.0" encoding="utf-8"?>
 <p:sld xmlns:a="http://schemas.openxmlformats.org/drawingml/2006/main" xmlns:r="http://schemas.openxmlformats.org/officeDocument/2006/relationships" xmlns:p="http://schemas.openxmlformats.org/presentationml/2006/main">
   <p:cSld>
@@ -25852,7 +27816,7 @@
             </a:pPr>
             <a:r>
               <a:rPr lang="pt-BR" sz="2400" dirty="0"/>
-              <a:t>Desenvolver uma solução de aprendizagem de máquina para identificar comercialização de produtos para telecomunicações sem homologação da Anatel</a:t>
+              <a:t>Separar anúncios de produtos de telecomunicações dos anúncios de produtos diversos</a:t>
             </a:r>
           </a:p>
         </p:txBody>
@@ -29332,7 +31296,7 @@
         </p:nvGrpSpPr>
         <p:grpSpPr>
           <a:xfrm>
-            <a:off x="3388857" y="2003701"/>
+            <a:off x="514436" y="3954873"/>
             <a:ext cx="2539866" cy="1523919"/>
             <a:chOff x="2797054" y="445489"/>
             <a:chExt cx="2539866" cy="1523919"/>
@@ -29470,310 +31434,6 @@
           </p:txBody>
         </p:sp>
       </p:grpSp>
-      <p:grpSp>
-        <p:nvGrpSpPr>
-          <p:cNvPr id="20" name="Agrupar 19">
-            <a:extLst>
-              <a:ext uri="{FF2B5EF4-FFF2-40B4-BE49-F238E27FC236}">
-                <a16:creationId xmlns:a16="http://schemas.microsoft.com/office/drawing/2014/main" id="{C03CE021-68C6-1571-A8EB-EC32FFBFAB67}"/>
-              </a:ext>
-            </a:extLst>
-          </p:cNvPr>
-          <p:cNvGrpSpPr/>
-          <p:nvPr/>
-        </p:nvGrpSpPr>
-        <p:grpSpPr>
-          <a:xfrm>
-            <a:off x="6263277" y="2003700"/>
-            <a:ext cx="2539866" cy="1523919"/>
-            <a:chOff x="5590907" y="445489"/>
-            <a:chExt cx="2539866" cy="1523919"/>
-          </a:xfrm>
-        </p:grpSpPr>
-        <p:sp>
-          <p:nvSpPr>
-            <p:cNvPr id="21" name="Retângulo 20">
-              <a:extLst>
-                <a:ext uri="{FF2B5EF4-FFF2-40B4-BE49-F238E27FC236}">
-                  <a16:creationId xmlns:a16="http://schemas.microsoft.com/office/drawing/2014/main" id="{7229B05E-8D85-CB3F-3094-97208BFB1D0C}"/>
-                </a:ext>
-              </a:extLst>
-            </p:cNvPr>
-            <p:cNvSpPr/>
-            <p:nvPr/>
-          </p:nvSpPr>
-          <p:spPr>
-            <a:xfrm>
-              <a:off x="5590907" y="445489"/>
-              <a:ext cx="2539866" cy="1523919"/>
-            </a:xfrm>
-            <a:prstGeom prst="rect">
-              <a:avLst/>
-            </a:prstGeom>
-            <a:solidFill>
-              <a:schemeClr val="accent4">
-                <a:lumMod val="20000"/>
-                <a:lumOff val="80000"/>
-              </a:schemeClr>
-            </a:solidFill>
-          </p:spPr>
-          <p:style>
-            <a:lnRef idx="2">
-              <a:schemeClr val="dk2">
-                <a:shade val="80000"/>
-                <a:hueOff val="0"/>
-                <a:satOff val="0"/>
-                <a:lumOff val="0"/>
-                <a:alphaOff val="0"/>
-              </a:schemeClr>
-            </a:lnRef>
-            <a:fillRef idx="1">
-              <a:scrgbClr r="0" g="0" b="0"/>
-            </a:fillRef>
-            <a:effectRef idx="0">
-              <a:schemeClr val="lt1">
-                <a:hueOff val="0"/>
-                <a:satOff val="0"/>
-                <a:lumOff val="0"/>
-                <a:alphaOff val="0"/>
-              </a:schemeClr>
-            </a:effectRef>
-            <a:fontRef idx="minor">
-              <a:schemeClr val="dk2">
-                <a:hueOff val="0"/>
-                <a:satOff val="0"/>
-                <a:lumOff val="0"/>
-                <a:alphaOff val="0"/>
-              </a:schemeClr>
-            </a:fontRef>
-          </p:style>
-          <p:txBody>
-            <a:bodyPr/>
-            <a:lstStyle/>
-            <a:p>
-              <a:endParaRPr lang="pt-BR"/>
-            </a:p>
-          </p:txBody>
-        </p:sp>
-        <p:sp>
-          <p:nvSpPr>
-            <p:cNvPr id="22" name="CaixaDeTexto 21">
-              <a:extLst>
-                <a:ext uri="{FF2B5EF4-FFF2-40B4-BE49-F238E27FC236}">
-                  <a16:creationId xmlns:a16="http://schemas.microsoft.com/office/drawing/2014/main" id="{A0B0FE1E-A2F2-B558-9EA6-1A83734D721D}"/>
-                </a:ext>
-              </a:extLst>
-            </p:cNvPr>
-            <p:cNvSpPr txBox="1"/>
-            <p:nvPr/>
-          </p:nvSpPr>
-          <p:spPr>
-            <a:xfrm>
-              <a:off x="5590907" y="445489"/>
-              <a:ext cx="2539866" cy="1523919"/>
-            </a:xfrm>
-            <a:prstGeom prst="rect">
-              <a:avLst/>
-            </a:prstGeom>
-          </p:spPr>
-          <p:style>
-            <a:lnRef idx="0">
-              <a:scrgbClr r="0" g="0" b="0"/>
-            </a:lnRef>
-            <a:fillRef idx="0">
-              <a:scrgbClr r="0" g="0" b="0"/>
-            </a:fillRef>
-            <a:effectRef idx="0">
-              <a:scrgbClr r="0" g="0" b="0"/>
-            </a:effectRef>
-            <a:fontRef idx="minor">
-              <a:schemeClr val="dk2">
-                <a:hueOff val="0"/>
-                <a:satOff val="0"/>
-                <a:lumOff val="0"/>
-                <a:alphaOff val="0"/>
-              </a:schemeClr>
-            </a:fontRef>
-          </p:style>
-          <p:txBody>
-            <a:bodyPr spcFirstLastPara="0" vert="horz" wrap="square" lIns="114300" tIns="114300" rIns="114300" bIns="114300" numCol="1" spcCol="1270" anchor="ctr" anchorCtr="0">
-              <a:noAutofit/>
-            </a:bodyPr>
-            <a:lstStyle/>
-            <a:p>
-              <a:pPr marL="0" lvl="0" indent="0" algn="ctr" defTabSz="1333500">
-                <a:lnSpc>
-                  <a:spcPct val="90000"/>
-                </a:lnSpc>
-                <a:spcBef>
-                  <a:spcPct val="0"/>
-                </a:spcBef>
-                <a:spcAft>
-                  <a:spcPct val="35000"/>
-                </a:spcAft>
-                <a:buNone/>
-              </a:pPr>
-              <a:r>
-                <a:rPr lang="pt-BR" sz="3000" kern="1200" dirty="0"/>
-                <a:t>Descrição bem elaborada?</a:t>
-              </a:r>
-              <a:endParaRPr lang="en-US" sz="3000" kern="1200" dirty="0"/>
-            </a:p>
-          </p:txBody>
-        </p:sp>
-      </p:grpSp>
-      <p:grpSp>
-        <p:nvGrpSpPr>
-          <p:cNvPr id="23" name="Agrupar 22">
-            <a:extLst>
-              <a:ext uri="{FF2B5EF4-FFF2-40B4-BE49-F238E27FC236}">
-                <a16:creationId xmlns:a16="http://schemas.microsoft.com/office/drawing/2014/main" id="{DEB4A687-9904-1FF7-3C62-D44924598BD5}"/>
-              </a:ext>
-            </a:extLst>
-          </p:cNvPr>
-          <p:cNvGrpSpPr/>
-          <p:nvPr/>
-        </p:nvGrpSpPr>
-        <p:grpSpPr>
-          <a:xfrm>
-            <a:off x="9137697" y="2003700"/>
-            <a:ext cx="2539866" cy="1523919"/>
-            <a:chOff x="8384760" y="445489"/>
-            <a:chExt cx="2539866" cy="1523919"/>
-          </a:xfrm>
-        </p:grpSpPr>
-        <p:sp>
-          <p:nvSpPr>
-            <p:cNvPr id="24" name="Retângulo 23">
-              <a:extLst>
-                <a:ext uri="{FF2B5EF4-FFF2-40B4-BE49-F238E27FC236}">
-                  <a16:creationId xmlns:a16="http://schemas.microsoft.com/office/drawing/2014/main" id="{2236C107-D928-E841-3FB4-998D10288E27}"/>
-                </a:ext>
-              </a:extLst>
-            </p:cNvPr>
-            <p:cNvSpPr/>
-            <p:nvPr/>
-          </p:nvSpPr>
-          <p:spPr>
-            <a:xfrm>
-              <a:off x="8384760" y="445489"/>
-              <a:ext cx="2539866" cy="1523919"/>
-            </a:xfrm>
-            <a:prstGeom prst="rect">
-              <a:avLst/>
-            </a:prstGeom>
-            <a:solidFill>
-              <a:schemeClr val="accent4">
-                <a:lumMod val="20000"/>
-                <a:lumOff val="80000"/>
-              </a:schemeClr>
-            </a:solidFill>
-          </p:spPr>
-          <p:style>
-            <a:lnRef idx="2">
-              <a:schemeClr val="dk2">
-                <a:shade val="80000"/>
-                <a:hueOff val="0"/>
-                <a:satOff val="0"/>
-                <a:lumOff val="0"/>
-                <a:alphaOff val="0"/>
-              </a:schemeClr>
-            </a:lnRef>
-            <a:fillRef idx="1">
-              <a:scrgbClr r="0" g="0" b="0"/>
-            </a:fillRef>
-            <a:effectRef idx="0">
-              <a:schemeClr val="lt1">
-                <a:hueOff val="0"/>
-                <a:satOff val="0"/>
-                <a:lumOff val="0"/>
-                <a:alphaOff val="0"/>
-              </a:schemeClr>
-            </a:effectRef>
-            <a:fontRef idx="minor">
-              <a:schemeClr val="dk2">
-                <a:hueOff val="0"/>
-                <a:satOff val="0"/>
-                <a:lumOff val="0"/>
-                <a:alphaOff val="0"/>
-              </a:schemeClr>
-            </a:fontRef>
-          </p:style>
-          <p:txBody>
-            <a:bodyPr/>
-            <a:lstStyle/>
-            <a:p>
-              <a:endParaRPr lang="pt-BR"/>
-            </a:p>
-          </p:txBody>
-        </p:sp>
-        <p:sp>
-          <p:nvSpPr>
-            <p:cNvPr id="25" name="CaixaDeTexto 24">
-              <a:extLst>
-                <a:ext uri="{FF2B5EF4-FFF2-40B4-BE49-F238E27FC236}">
-                  <a16:creationId xmlns:a16="http://schemas.microsoft.com/office/drawing/2014/main" id="{544002BE-4216-3BEC-D430-AEBC9CE491A9}"/>
-                </a:ext>
-              </a:extLst>
-            </p:cNvPr>
-            <p:cNvSpPr txBox="1"/>
-            <p:nvPr/>
-          </p:nvSpPr>
-          <p:spPr>
-            <a:xfrm>
-              <a:off x="8384760" y="445489"/>
-              <a:ext cx="2539866" cy="1523919"/>
-            </a:xfrm>
-            <a:prstGeom prst="rect">
-              <a:avLst/>
-            </a:prstGeom>
-          </p:spPr>
-          <p:style>
-            <a:lnRef idx="0">
-              <a:scrgbClr r="0" g="0" b="0"/>
-            </a:lnRef>
-            <a:fillRef idx="0">
-              <a:scrgbClr r="0" g="0" b="0"/>
-            </a:fillRef>
-            <a:effectRef idx="0">
-              <a:scrgbClr r="0" g="0" b="0"/>
-            </a:effectRef>
-            <a:fontRef idx="minor">
-              <a:schemeClr val="dk2">
-                <a:hueOff val="0"/>
-                <a:satOff val="0"/>
-                <a:lumOff val="0"/>
-                <a:alphaOff val="0"/>
-              </a:schemeClr>
-            </a:fontRef>
-          </p:style>
-          <p:txBody>
-            <a:bodyPr spcFirstLastPara="0" vert="horz" wrap="square" lIns="114300" tIns="114300" rIns="114300" bIns="114300" numCol="1" spcCol="1270" anchor="ctr" anchorCtr="0">
-              <a:noAutofit/>
-            </a:bodyPr>
-            <a:lstStyle/>
-            <a:p>
-              <a:pPr marL="0" lvl="0" indent="0" algn="ctr" defTabSz="1333500">
-                <a:lnSpc>
-                  <a:spcPct val="90000"/>
-                </a:lnSpc>
-                <a:spcBef>
-                  <a:spcPct val="0"/>
-                </a:spcBef>
-                <a:spcAft>
-                  <a:spcPct val="35000"/>
-                </a:spcAft>
-                <a:buNone/>
-              </a:pPr>
-              <a:r>
-                <a:rPr lang="pt-BR" sz="3000" kern="1200"/>
-                <a:t>Descrição identifica produto?</a:t>
-              </a:r>
-              <a:endParaRPr lang="en-US" sz="3000" kern="1200"/>
-            </a:p>
-          </p:txBody>
-        </p:sp>
-      </p:grpSp>
       <p:sp>
         <p:nvSpPr>
           <p:cNvPr id="31" name="CaixaDeTexto 30">
@@ -29788,8 +31448,8 @@
         </p:nvSpPr>
         <p:spPr>
           <a:xfrm>
-            <a:off x="514049" y="3697908"/>
-            <a:ext cx="5414674" cy="1354217"/>
+            <a:off x="3817887" y="2003700"/>
+            <a:ext cx="7812000" cy="1107996"/>
           </a:xfrm>
           <a:prstGeom prst="rect">
             <a:avLst/>
@@ -29810,7 +31470,7 @@
           <a:p>
             <a:r>
               <a:rPr lang="pt-BR" sz="1600" i="1" dirty="0"/>
-              <a:t>O título ideal para o anúncio de um produto precisa ser simples, sua estrutura deve conter produto + marca + modelo + algumas especificações suficientes para identificar o produto.</a:t>
+              <a:t>O título ideal para o anúncio de um produto precisa ser simples, sua estrutura deve conter produto + marca + modelo + algumas especificações suficientes para identificar o produto. (Fonte: Olist, adaptado)</a:t>
             </a:r>
           </a:p>
         </p:txBody>
@@ -29829,8 +31489,8 @@
         </p:nvSpPr>
         <p:spPr>
           <a:xfrm>
-            <a:off x="513661" y="5190008"/>
-            <a:ext cx="5414674" cy="646331"/>
+            <a:off x="3817887" y="3954873"/>
+            <a:ext cx="7812000" cy="646331"/>
           </a:xfrm>
           <a:prstGeom prst="rect">
             <a:avLst/>
@@ -29847,114 +31507,6 @@
               <a:rPr lang="pt-BR" b="1" i="1" dirty="0"/>
               <a:t>As informações contidas no título são suficientes para identificar com clareza o produto anunciado?</a:t>
             </a:r>
-          </a:p>
-        </p:txBody>
-      </p:sp>
-      <p:sp>
-        <p:nvSpPr>
-          <p:cNvPr id="33" name="CaixaDeTexto 32">
-            <a:extLst>
-              <a:ext uri="{FF2B5EF4-FFF2-40B4-BE49-F238E27FC236}">
-                <a16:creationId xmlns:a16="http://schemas.microsoft.com/office/drawing/2014/main" id="{84DA5B08-3A68-A8DB-9A13-FF39EA067EAC}"/>
-              </a:ext>
-            </a:extLst>
-          </p:cNvPr>
-          <p:cNvSpPr txBox="1"/>
-          <p:nvPr/>
-        </p:nvSpPr>
-        <p:spPr>
-          <a:xfrm>
-            <a:off x="6263277" y="3697908"/>
-            <a:ext cx="5414286" cy="923330"/>
-          </a:xfrm>
-          <a:prstGeom prst="rect">
-            <a:avLst/>
-          </a:prstGeom>
-          <a:noFill/>
-        </p:spPr>
-        <p:txBody>
-          <a:bodyPr wrap="square">
-            <a:spAutoFit/>
-          </a:bodyPr>
-          <a:lstStyle/>
-          <a:p>
-            <a:r>
-              <a:rPr lang="pt-BR" b="1" i="1" dirty="0"/>
-              <a:t>A descrição contém todas as informações necessárias e suficientes para tirar qualquer dúvida sobre as características do produto?</a:t>
-            </a:r>
-            <a:endParaRPr lang="pt-BR" sz="1600" i="1" dirty="0"/>
-          </a:p>
-        </p:txBody>
-      </p:sp>
-      <p:sp>
-        <p:nvSpPr>
-          <p:cNvPr id="34" name="CaixaDeTexto 33">
-            <a:extLst>
-              <a:ext uri="{FF2B5EF4-FFF2-40B4-BE49-F238E27FC236}">
-                <a16:creationId xmlns:a16="http://schemas.microsoft.com/office/drawing/2014/main" id="{6743EC91-C9D6-F539-AB73-D1FBCB1B8FA5}"/>
-              </a:ext>
-            </a:extLst>
-          </p:cNvPr>
-          <p:cNvSpPr txBox="1"/>
-          <p:nvPr/>
-        </p:nvSpPr>
-        <p:spPr>
-          <a:xfrm>
-            <a:off x="6263277" y="5190008"/>
-            <a:ext cx="5414286" cy="923330"/>
-          </a:xfrm>
-          <a:prstGeom prst="rect">
-            <a:avLst/>
-          </a:prstGeom>
-          <a:noFill/>
-        </p:spPr>
-        <p:txBody>
-          <a:bodyPr wrap="square">
-            <a:spAutoFit/>
-          </a:bodyPr>
-          <a:lstStyle/>
-          <a:p>
-            <a:r>
-              <a:rPr lang="pt-BR" b="1" i="1" dirty="0"/>
-              <a:t>As informações contidas na descrição são suficientes para identificar com clareza o produto anunciado?</a:t>
-            </a:r>
-          </a:p>
-        </p:txBody>
-      </p:sp>
-      <p:sp>
-        <p:nvSpPr>
-          <p:cNvPr id="35" name="CaixaDeTexto 34">
-            <a:extLst>
-              <a:ext uri="{FF2B5EF4-FFF2-40B4-BE49-F238E27FC236}">
-                <a16:creationId xmlns:a16="http://schemas.microsoft.com/office/drawing/2014/main" id="{59E7BB01-3878-F826-C27A-BF8B8F316CA0}"/>
-              </a:ext>
-            </a:extLst>
-          </p:cNvPr>
-          <p:cNvSpPr txBox="1"/>
-          <p:nvPr/>
-        </p:nvSpPr>
-        <p:spPr>
-          <a:xfrm>
-            <a:off x="6263277" y="6256137"/>
-            <a:ext cx="5414286" cy="369332"/>
-          </a:xfrm>
-          <a:prstGeom prst="rect">
-            <a:avLst/>
-          </a:prstGeom>
-          <a:noFill/>
-        </p:spPr>
-        <p:txBody>
-          <a:bodyPr wrap="square">
-            <a:spAutoFit/>
-          </a:bodyPr>
-          <a:lstStyle/>
-          <a:p>
-            <a:pPr algn="ctr"/>
-            <a:r>
-              <a:rPr lang="pt-BR" i="1" dirty="0"/>
-              <a:t>Se não houver descrição: "Não se aplica"</a:t>
-            </a:r>
-            <a:endParaRPr lang="pt-BR" dirty="0"/>
           </a:p>
         </p:txBody>
       </p:sp>
